--- a/SqlWeekPpts/D10_.NET_DesignPatterns.pptx
+++ b/SqlWeekPpts/D10_.NET_DesignPatterns.pptx
@@ -18,6 +18,7 @@
     <p:sldId id="266" r:id="rId12"/>
     <p:sldId id="269" r:id="rId13"/>
     <p:sldId id="264" r:id="rId14"/>
+    <p:sldId id="270" r:id="rId15"/>
   </p:sldIdLst>
   <p:sldSz cx="12192000" cy="6858000"/>
   <p:notesSz cx="6858000" cy="9144000"/>
@@ -124,6 +125,1322 @@
 </p:presentation>
 </file>
 
+<file path=ppt/ink/ink1.xml><?xml version="1.0" encoding="utf-8"?>
+<inkml:ink xmlns:inkml="http://www.w3.org/2003/InkML">
+  <inkml:definitions>
+    <inkml:context xml:id="ctx0">
+      <inkml:inkSource xml:id="inkSrc0">
+        <inkml:traceFormat>
+          <inkml:channel name="X" type="integer" min="-2.14748E9" max="2.14748E9" units="cm"/>
+          <inkml:channel name="Y" type="integer" min="-2.14748E9" max="2.14748E9" units="cm"/>
+          <inkml:channel name="F" type="integer" max="32767" units="dev"/>
+        </inkml:traceFormat>
+        <inkml:channelProperties>
+          <inkml:channelProperty channel="X" name="resolution" value="1000" units="1/cm"/>
+          <inkml:channelProperty channel="Y" name="resolution" value="1000" units="1/cm"/>
+          <inkml:channelProperty channel="F" name="resolution" value="0" units="1/dev"/>
+        </inkml:channelProperties>
+      </inkml:inkSource>
+      <inkml:timestamp xml:id="ts0" timeString="2022-07-08T21:08:19.817"/>
+    </inkml:context>
+    <inkml:brush xml:id="br0">
+      <inkml:brushProperty name="width" value="0.05" units="cm"/>
+      <inkml:brushProperty name="height" value="0.05" units="cm"/>
+      <inkml:brushProperty name="color" value="#AB008B"/>
+    </inkml:brush>
+  </inkml:definitions>
+  <inkml:trace contextRef="#ctx0" brushRef="#br0">1 3 24575,'0'-3'0</inkml:trace>
+</inkml:ink>
+</file>
+
+<file path=ppt/ink/ink10.xml><?xml version="1.0" encoding="utf-8"?>
+<inkml:ink xmlns:inkml="http://www.w3.org/2003/InkML">
+  <inkml:definitions>
+    <inkml:context xml:id="ctx0">
+      <inkml:inkSource xml:id="inkSrc0">
+        <inkml:traceFormat>
+          <inkml:channel name="X" type="integer" min="-2.14748E9" max="2.14748E9" units="cm"/>
+          <inkml:channel name="Y" type="integer" min="-2.14748E9" max="2.14748E9" units="cm"/>
+          <inkml:channel name="F" type="integer" max="32767" units="dev"/>
+        </inkml:traceFormat>
+        <inkml:channelProperties>
+          <inkml:channelProperty channel="X" name="resolution" value="1000" units="1/cm"/>
+          <inkml:channelProperty channel="Y" name="resolution" value="1000" units="1/cm"/>
+          <inkml:channelProperty channel="F" name="resolution" value="0" units="1/dev"/>
+        </inkml:channelProperties>
+      </inkml:inkSource>
+      <inkml:timestamp xml:id="ts0" timeString="2022-07-08T21:08:42.741"/>
+    </inkml:context>
+    <inkml:brush xml:id="br0">
+      <inkml:brushProperty name="width" value="0.05" units="cm"/>
+      <inkml:brushProperty name="height" value="0.05" units="cm"/>
+      <inkml:brushProperty name="color" value="#AB008B"/>
+    </inkml:brush>
+  </inkml:definitions>
+  <inkml:trace contextRef="#ctx0" brushRef="#br0">1 1 24575,'3'0'0,"0"0"0,1 1 0,-1-1 0,0 1 0,0 0 0,0 0 0,0 1 0,0-1 0,0 0 0,0 1 0,-1 0 0,6 3 0,-3 0 0,1 0 0,-1 0 0,0 1 0,7 8 0,5 12 0,-7-12 0,-1 0 0,2-1 0,0 0 0,16 15 0,14 5 0,62 39 0,-95-67 0,-1 1 0,0 0 0,0 0 0,-1 1 0,7 7 0,-6-4 0,16 13 0,-22-23 0,0 1 0,-1-1 0,1 1 0,-1-1 0,1 0 0,0 1 0,-1-1 0,1 0 0,0 0 0,-1 0 0,1 1 0,0-1 0,-1 0 0,1 0 0,0 0 0,-1 0 0,1 0 0,0 0 0,-1 0 0,1-1 0,0 1 0,-1 0 0,1 0 0,0 0 0,-1-1 0,1 1 0,0 0 0,-1-1 0,1 1 0,-1 0 0,1-1 0,-1 1 0,1-1 0,0 0 0,3-3 0,-1 0 0,1 0 0,4-8 0,-3 4 0,113-166 0,-112 165-14,-1-1-1,0 0 1,6-17 0,-3 7-1294,0 1-5518</inkml:trace>
+</inkml:ink>
+</file>
+
+<file path=ppt/ink/ink11.xml><?xml version="1.0" encoding="utf-8"?>
+<inkml:ink xmlns:inkml="http://www.w3.org/2003/InkML">
+  <inkml:definitions>
+    <inkml:context xml:id="ctx0">
+      <inkml:inkSource xml:id="inkSrc0">
+        <inkml:traceFormat>
+          <inkml:channel name="X" type="integer" min="-2.14748E9" max="2.14748E9" units="cm"/>
+          <inkml:channel name="Y" type="integer" min="-2.14748E9" max="2.14748E9" units="cm"/>
+          <inkml:channel name="F" type="integer" max="32767" units="dev"/>
+        </inkml:traceFormat>
+        <inkml:channelProperties>
+          <inkml:channelProperty channel="X" name="resolution" value="1000" units="1/cm"/>
+          <inkml:channelProperty channel="Y" name="resolution" value="1000" units="1/cm"/>
+          <inkml:channelProperty channel="F" name="resolution" value="0" units="1/dev"/>
+        </inkml:channelProperties>
+      </inkml:inkSource>
+      <inkml:timestamp xml:id="ts0" timeString="2022-07-08T21:08:56.826"/>
+    </inkml:context>
+    <inkml:brush xml:id="br0">
+      <inkml:brushProperty name="width" value="0.05" units="cm"/>
+      <inkml:brushProperty name="height" value="0.05" units="cm"/>
+      <inkml:brushProperty name="color" value="#AB008B"/>
+    </inkml:brush>
+  </inkml:definitions>
+  <inkml:trace contextRef="#ctx0" brushRef="#br0">157 1 24575,'-2'23'0,"0"0"0,-2-1 0,0 1 0,-9 25 0,5-20 0,-47 151 0,50-157 0,1-1 0,-1 44 0,4-43 0,-1 1 0,-9 35 0,0-17 0,1-1 0,3 2 0,-4 44 0,10 187 0,2-132 0,7 103 0,-5-209 0,9 115 0,-7-82 0,-4 92 0,-2-78 0,1-11 0,1 92 0,11-48 0,-5-84 0,17 53 0,-16-61 0,-2-7 27,1-1 0,0 0-1,2 0 1,11 15-1,-8-11-775,15 30 0,-19-31-6077</inkml:trace>
+</inkml:ink>
+</file>
+
+<file path=ppt/ink/ink12.xml><?xml version="1.0" encoding="utf-8"?>
+<inkml:ink xmlns:inkml="http://www.w3.org/2003/InkML">
+  <inkml:definitions>
+    <inkml:context xml:id="ctx0">
+      <inkml:inkSource xml:id="inkSrc0">
+        <inkml:traceFormat>
+          <inkml:channel name="X" type="integer" min="-2.14748E9" max="2.14748E9" units="cm"/>
+          <inkml:channel name="Y" type="integer" min="-2.14748E9" max="2.14748E9" units="cm"/>
+          <inkml:channel name="F" type="integer" max="32767" units="dev"/>
+        </inkml:traceFormat>
+        <inkml:channelProperties>
+          <inkml:channelProperty channel="X" name="resolution" value="1000" units="1/cm"/>
+          <inkml:channelProperty channel="Y" name="resolution" value="1000" units="1/cm"/>
+          <inkml:channelProperty channel="F" name="resolution" value="0" units="1/dev"/>
+        </inkml:channelProperties>
+      </inkml:inkSource>
+      <inkml:timestamp xml:id="ts0" timeString="2022-07-08T21:08:58.682"/>
+    </inkml:context>
+    <inkml:brush xml:id="br0">
+      <inkml:brushProperty name="width" value="0.05" units="cm"/>
+      <inkml:brushProperty name="height" value="0.05" units="cm"/>
+      <inkml:brushProperty name="color" value="#AB008B"/>
+    </inkml:brush>
+  </inkml:definitions>
+  <inkml:trace contextRef="#ctx0" brushRef="#br0">667 0 24575,'0'1'0,"0"1"0,-1-1 0,1 0 0,-1 0 0,1 0 0,-1 0 0,1 0 0,-1 0 0,0 0 0,0 1 0,-4 5 0,-4 15 0,7-16 0,0 0 0,-1 0 0,0 0 0,-5 7 0,-28 29 0,28-34 0,1 0 0,0 0 0,0 1 0,1-1 0,0 1 0,0 1 0,1-1 0,-5 13 0,5-8 0,0 0 0,-1 0 0,-1-1 0,-1 0 0,0 0 0,0-1 0,-1 0 0,-17 17 0,19-21 0,1 0 0,0 0 0,0 1 0,1-1 0,0 1 0,-6 16 0,10-24 0,1-1 0,0 1 0,-1 0 0,1 0 0,0 0 0,-1 0 0,1 0 0,-1-1 0,0 1 0,1 0 0,-1 0 0,1-1 0,-1 1 0,0 0 0,0-1 0,1 1 0,-1-1 0,0 1 0,0-1 0,0 1 0,-1-1 0,0 1 0,1-1 0,0 0 0,-1 0 0,1-1 0,0 1 0,0 0 0,-1 0 0,1 0 0,0-1 0,0 1 0,-1-1 0,1 1 0,0-1 0,-1 0 0,-6-4 0,2-1 0,-1 1 0,1-1 0,-6-7 0,5 7 0,-62-58 0,-3-3 0,68 63 5,0 0 0,-1 1 0,1 0 0,0 0-1,-1 0 1,0 1 0,0 0 0,0 0 0,0 0 0,-9-2 0,-4 0-162,-34-1 1,20 2-950,14 1-5720</inkml:trace>
+</inkml:ink>
+</file>
+
+<file path=ppt/ink/ink13.xml><?xml version="1.0" encoding="utf-8"?>
+<inkml:ink xmlns:inkml="http://www.w3.org/2003/InkML">
+  <inkml:definitions>
+    <inkml:context xml:id="ctx0">
+      <inkml:inkSource xml:id="inkSrc0">
+        <inkml:traceFormat>
+          <inkml:channel name="X" type="integer" min="-2.14748E9" max="2.14748E9" units="cm"/>
+          <inkml:channel name="Y" type="integer" min="-2.14748E9" max="2.14748E9" units="cm"/>
+          <inkml:channel name="F" type="integer" max="32767" units="dev"/>
+        </inkml:traceFormat>
+        <inkml:channelProperties>
+          <inkml:channelProperty channel="X" name="resolution" value="1000" units="1/cm"/>
+          <inkml:channelProperty channel="Y" name="resolution" value="1000" units="1/cm"/>
+          <inkml:channelProperty channel="F" name="resolution" value="0" units="1/dev"/>
+        </inkml:channelProperties>
+      </inkml:inkSource>
+      <inkml:timestamp xml:id="ts0" timeString="2022-07-08T21:09:31.893"/>
+    </inkml:context>
+    <inkml:brush xml:id="br0">
+      <inkml:brushProperty name="width" value="0.05" units="cm"/>
+      <inkml:brushProperty name="height" value="0.05" units="cm"/>
+      <inkml:brushProperty name="color" value="#5B2D90"/>
+    </inkml:brush>
+  </inkml:definitions>
+  <inkml:trace contextRef="#ctx0" brushRef="#br0">0 0 24575,'335'197'0,"-181"-123"-511,33 5-1534,28 5 1083,27 3-839,30 5 805,28 7-1257,29 11 885,29 7-909,548 156 1571,45 14 610,-688-197-462,-63-14 561,-63-18 568,-108-46 302,-1 2 1,45 31 0,-52-27 1313</inkml:trace>
+</inkml:ink>
+</file>
+
+<file path=ppt/ink/ink14.xml><?xml version="1.0" encoding="utf-8"?>
+<inkml:ink xmlns:inkml="http://www.w3.org/2003/InkML">
+  <inkml:definitions>
+    <inkml:context xml:id="ctx0">
+      <inkml:inkSource xml:id="inkSrc0">
+        <inkml:traceFormat>
+          <inkml:channel name="X" type="integer" min="-2.14748E9" max="2.14748E9" units="cm"/>
+          <inkml:channel name="Y" type="integer" min="-2.14748E9" max="2.14748E9" units="cm"/>
+          <inkml:channel name="F" type="integer" max="32767" units="dev"/>
+        </inkml:traceFormat>
+        <inkml:channelProperties>
+          <inkml:channelProperty channel="X" name="resolution" value="1000" units="1/cm"/>
+          <inkml:channelProperty channel="Y" name="resolution" value="1000" units="1/cm"/>
+          <inkml:channelProperty channel="F" name="resolution" value="0" units="1/dev"/>
+        </inkml:channelProperties>
+      </inkml:inkSource>
+      <inkml:timestamp xml:id="ts0" timeString="2022-07-08T21:09:33.102"/>
+    </inkml:context>
+    <inkml:brush xml:id="br0">
+      <inkml:brushProperty name="width" value="0.05" units="cm"/>
+      <inkml:brushProperty name="height" value="0.05" units="cm"/>
+      <inkml:brushProperty name="color" value="#5B2D90"/>
+    </inkml:brush>
+  </inkml:definitions>
+  <inkml:trace contextRef="#ctx0" brushRef="#br0">437 1 24575,'0'35'0,"2"0"0,2 0 0,12 56 0,43 125 0,-48-178 0,46 128 0,-31-98 0,16 71 0,-32-87 0,-10-48 0,1 0 0,-1 0 0,0 0 0,0 0 0,-1 0 0,1 0 0,-1 0 0,0 0 0,0 0 0,-1 5 0,1-9 0,1 1 0,0 0 0,-1-1 0,1 1 0,-1-1 0,1 1 0,-1-1 0,1 1 0,-1-1 0,1 1 0,-1-1 0,0 0 0,1 1 0,-1-1 0,1 0 0,-1 1 0,0-1 0,1 0 0,-1 0 0,0 0 0,1 1 0,-1-1 0,0 0 0,-1 0 0,-18-4 0,11 2 0,-11-1 0,0 1 0,-1 1 0,1 0 0,0 2 0,-23 3 0,-99 23 0,124-23 0,-44 11 0,21-4 0,-1-2 0,-61 5 0,100-14-91,0 0 0,0 0 0,0 0 0,0-1 0,0 1 0,0-1 0,0 0 0,0 1 0,0-1 0,0-1 0,0 1 0,0 0 0,1-1 0,-6-3 0,-4-5-6735</inkml:trace>
+</inkml:ink>
+</file>
+
+<file path=ppt/ink/ink15.xml><?xml version="1.0" encoding="utf-8"?>
+<inkml:ink xmlns:inkml="http://www.w3.org/2003/InkML">
+  <inkml:definitions>
+    <inkml:context xml:id="ctx0">
+      <inkml:inkSource xml:id="inkSrc0">
+        <inkml:traceFormat>
+          <inkml:channel name="X" type="integer" min="-2.14748E9" max="2.14748E9" units="cm"/>
+          <inkml:channel name="Y" type="integer" min="-2.14748E9" max="2.14748E9" units="cm"/>
+          <inkml:channel name="F" type="integer" max="32767" units="dev"/>
+        </inkml:traceFormat>
+        <inkml:channelProperties>
+          <inkml:channelProperty channel="X" name="resolution" value="1000" units="1/cm"/>
+          <inkml:channelProperty channel="Y" name="resolution" value="1000" units="1/cm"/>
+          <inkml:channelProperty channel="F" name="resolution" value="0" units="1/dev"/>
+        </inkml:channelProperties>
+      </inkml:inkSource>
+      <inkml:timestamp xml:id="ts0" timeString="2022-07-08T21:09:35.161"/>
+    </inkml:context>
+    <inkml:brush xml:id="br0">
+      <inkml:brushProperty name="width" value="0.05" units="cm"/>
+      <inkml:brushProperty name="height" value="0.05" units="cm"/>
+      <inkml:brushProperty name="color" value="#5B2D90"/>
+    </inkml:brush>
+  </inkml:definitions>
+  <inkml:trace contextRef="#ctx0" brushRef="#br0">15 824 24575,'-1'-13'0,"-4"-27"0,-1-2 0,3-197 0,5 137 0,5-82 0,-1 34 0,-5 113-1365,-2 20-5461</inkml:trace>
+</inkml:ink>
+</file>
+
+<file path=ppt/ink/ink16.xml><?xml version="1.0" encoding="utf-8"?>
+<inkml:ink xmlns:inkml="http://www.w3.org/2003/InkML">
+  <inkml:definitions>
+    <inkml:context xml:id="ctx0">
+      <inkml:inkSource xml:id="inkSrc0">
+        <inkml:traceFormat>
+          <inkml:channel name="X" type="integer" min="-2.14748E9" max="2.14748E9" units="cm"/>
+          <inkml:channel name="Y" type="integer" min="-2.14748E9" max="2.14748E9" units="cm"/>
+          <inkml:channel name="F" type="integer" max="32767" units="dev"/>
+        </inkml:traceFormat>
+        <inkml:channelProperties>
+          <inkml:channelProperty channel="X" name="resolution" value="1000" units="1/cm"/>
+          <inkml:channelProperty channel="Y" name="resolution" value="1000" units="1/cm"/>
+          <inkml:channelProperty channel="F" name="resolution" value="0" units="1/dev"/>
+        </inkml:channelProperties>
+      </inkml:inkSource>
+      <inkml:timestamp xml:id="ts0" timeString="2022-07-08T21:09:41.380"/>
+    </inkml:context>
+    <inkml:brush xml:id="br0">
+      <inkml:brushProperty name="width" value="0.1" units="cm"/>
+      <inkml:brushProperty name="height" value="0.1" units="cm"/>
+      <inkml:brushProperty name="color" value="#AE198D"/>
+      <inkml:brushProperty name="inkEffects" value="galaxy"/>
+      <inkml:brushProperty name="anchorX" value="0"/>
+      <inkml:brushProperty name="anchorY" value="0"/>
+      <inkml:brushProperty name="scaleFactor" value="0.5"/>
+    </inkml:brush>
+  </inkml:definitions>
+  <inkml:trace contextRef="#ctx0" brushRef="#br0">0 235 24575,'0'0'0,"2"5"0,7 10 0,9 2 0,4 5 0,8 0 0,5 2 0,6 1 0,3 4 0,5 7 0,5 1 0,2 2 0,6-1 0,10 4 0,7-3 0,2-1 0,2-4 0,-7-4 0,-8-8 0,-12-8 0,-12-5 0,-9-5 0,-8-2 0,-6-3 0,4 0 0,4-1 0,4 1 0,-2-5 0,6-4 0,2-4 0,-4-3 0,1-3 0,4-3 0,-2-5 0,-4 1 0,-5 4 0,3 1 0,-4 3 0,-3-2 0,0-3 0,0-6 0,-3-1 0,1 2 0,-5 0 0,-2 6 0,-4 4 0,-1 3 0,-4-1 0,4-5 0,7-3 0,3-4 0,5-3 0,-2 6 0,-1 3 0,1 4 0,-3 5 0,-4-1 0,-17 14 0,1 0 0,-1 0 0,1 0 0,0 0 0,-1 0 0,1 0 0,0 0 0,-1 0 0,0 0 0,1-3 0,1-12 0,-7-1 0,-1-3 0,-3 1 0,-5 0 0,1 4 0</inkml:trace>
+</inkml:ink>
+</file>
+
+<file path=ppt/ink/ink17.xml><?xml version="1.0" encoding="utf-8"?>
+<inkml:ink xmlns:inkml="http://www.w3.org/2003/InkML">
+  <inkml:definitions>
+    <inkml:context xml:id="ctx0">
+      <inkml:inkSource xml:id="inkSrc0">
+        <inkml:traceFormat>
+          <inkml:channel name="X" type="integer" min="-2.14748E9" max="2.14748E9" units="cm"/>
+          <inkml:channel name="Y" type="integer" min="-2.14748E9" max="2.14748E9" units="cm"/>
+          <inkml:channel name="F" type="integer" max="32767" units="dev"/>
+        </inkml:traceFormat>
+        <inkml:channelProperties>
+          <inkml:channelProperty channel="X" name="resolution" value="1000" units="1/cm"/>
+          <inkml:channelProperty channel="Y" name="resolution" value="1000" units="1/cm"/>
+          <inkml:channelProperty channel="F" name="resolution" value="0" units="1/dev"/>
+        </inkml:channelProperties>
+      </inkml:inkSource>
+      <inkml:timestamp xml:id="ts0" timeString="2022-07-08T21:09:42.506"/>
+    </inkml:context>
+    <inkml:brush xml:id="br0">
+      <inkml:brushProperty name="width" value="0.1" units="cm"/>
+      <inkml:brushProperty name="height" value="0.1" units="cm"/>
+      <inkml:brushProperty name="color" value="#AE198D"/>
+      <inkml:brushProperty name="inkEffects" value="galaxy"/>
+      <inkml:brushProperty name="anchorX" value="-2368.49121"/>
+      <inkml:brushProperty name="anchorY" value="-273.06345"/>
+      <inkml:brushProperty name="scaleFactor" value="0.5"/>
+    </inkml:brush>
+  </inkml:definitions>
+  <inkml:trace contextRef="#ctx0" brushRef="#br0">1286 143 24575,'0'0'0,"-5"-2"0,-5-7 0,-4-2 0,-2-3 0,-7-4 0,-3 0 0,0 2 0,0-1 0,2 3 0,2 4 0,0 3 0,2 3 0,-1 2 0,1 1 0,2 1 0,-5 1 0,-7 2 0,-5 6 0,-2 0 0,4 2 0,-1-1 0,1-2 0,4 0 0,5-2 0,0-1 0,3-2 0,0-2 0,1 6 0,-1-1 0,2-1 0,0 0 0,-1 0 0,4 6 0,1-2 0,-2 0 0,1-3 0,-3-2 0,0-1 0,1-2 0,-2-1 0,1 0 0,-2 0 0,1-1 0,1 1 0,-1 0 0,4 2 0,0 1 0,0 0 0,-1 0 0,-2-2 0,0 1 0,1 1 0,-2 0 0,1 0 0,-2 0 0,1-2 0,-2 6 0,2-1 0,1 3 0,-7 4 0,4-1 0</inkml:trace>
+</inkml:ink>
+</file>
+
+<file path=ppt/ink/ink18.xml><?xml version="1.0" encoding="utf-8"?>
+<inkml:ink xmlns:inkml="http://www.w3.org/2003/InkML">
+  <inkml:definitions>
+    <inkml:context xml:id="ctx0">
+      <inkml:inkSource xml:id="inkSrc0">
+        <inkml:traceFormat>
+          <inkml:channel name="X" type="integer" min="-2.14748E9" max="2.14748E9" units="cm"/>
+          <inkml:channel name="Y" type="integer" min="-2.14748E9" max="2.14748E9" units="cm"/>
+          <inkml:channel name="F" type="integer" max="32767" units="dev"/>
+        </inkml:traceFormat>
+        <inkml:channelProperties>
+          <inkml:channelProperty channel="X" name="resolution" value="1000" units="1/cm"/>
+          <inkml:channelProperty channel="Y" name="resolution" value="1000" units="1/cm"/>
+          <inkml:channelProperty channel="F" name="resolution" value="0" units="1/dev"/>
+        </inkml:channelProperties>
+      </inkml:inkSource>
+      <inkml:timestamp xml:id="ts0" timeString="2022-07-08T21:09:43.018"/>
+    </inkml:context>
+    <inkml:brush xml:id="br0">
+      <inkml:brushProperty name="width" value="0.1" units="cm"/>
+      <inkml:brushProperty name="height" value="0.1" units="cm"/>
+      <inkml:brushProperty name="color" value="#AE198D"/>
+      <inkml:brushProperty name="inkEffects" value="galaxy"/>
+      <inkml:brushProperty name="anchorX" value="-575.08899"/>
+      <inkml:brushProperty name="anchorY" value="159.85071"/>
+      <inkml:brushProperty name="scaleFactor" value="0.5"/>
+    </inkml:brush>
+  </inkml:definitions>
+  <inkml:trace contextRef="#ctx0" brushRef="#br0">668 0 24575,'0'0'0,"-5"0"0,-10 0 0,-8 0 0,-7 0 0,-1 0 0,-7 3 0,4 3 0,4-1 0,1 3 0,5 5 0,0 1 0,3 5 0,-3 0 0,-5-3 0,-1 1 0,2-3 0,-2 0 0,-1 1 0,4-2 0,0 0 0,3 3 0,3-3 0,5 0 0,0-3 0,1 0 0,4 3 0,-4-2 0,4 1 0,3-2 0</inkml:trace>
+</inkml:ink>
+</file>
+
+<file path=ppt/ink/ink19.xml><?xml version="1.0" encoding="utf-8"?>
+<inkml:ink xmlns:inkml="http://www.w3.org/2003/InkML">
+  <inkml:definitions>
+    <inkml:context xml:id="ctx0">
+      <inkml:inkSource xml:id="inkSrc0">
+        <inkml:traceFormat>
+          <inkml:channel name="X" type="integer" min="-2.14748E9" max="2.14748E9" units="cm"/>
+          <inkml:channel name="Y" type="integer" min="-2.14748E9" max="2.14748E9" units="cm"/>
+          <inkml:channel name="F" type="integer" max="32767" units="dev"/>
+        </inkml:traceFormat>
+        <inkml:channelProperties>
+          <inkml:channelProperty channel="X" name="resolution" value="1000" units="1/cm"/>
+          <inkml:channelProperty channel="Y" name="resolution" value="1000" units="1/cm"/>
+          <inkml:channelProperty channel="F" name="resolution" value="0" units="1/dev"/>
+        </inkml:channelProperties>
+      </inkml:inkSource>
+      <inkml:timestamp xml:id="ts0" timeString="2022-07-08T21:09:43.696"/>
+    </inkml:context>
+    <inkml:brush xml:id="br0">
+      <inkml:brushProperty name="width" value="0.1" units="cm"/>
+      <inkml:brushProperty name="height" value="0.1" units="cm"/>
+      <inkml:brushProperty name="color" value="#AE198D"/>
+      <inkml:brushProperty name="inkEffects" value="galaxy"/>
+      <inkml:brushProperty name="anchorX" value="600.71271"/>
+      <inkml:brushProperty name="anchorY" value="371.09363"/>
+      <inkml:brushProperty name="scaleFactor" value="0.5"/>
+    </inkml:brush>
+  </inkml:definitions>
+  <inkml:trace contextRef="#ctx0" brushRef="#br0">1 1 24575,'0'0'0,"4"2"0,3 7 0,2 2 0,-2 8 0,5 5 0,1 6 0,5-1 0,-1 1 0,4 2 0,-4-3 0,0-6 0,-5-1 0,0-6 0,2-2 0,0-1 0,3 2 0,-1 0 0,-2-2 0,-2 3 0,2-4 0,-3 0 0,-3-2 0</inkml:trace>
+</inkml:ink>
+</file>
+
+<file path=ppt/ink/ink2.xml><?xml version="1.0" encoding="utf-8"?>
+<inkml:ink xmlns:inkml="http://www.w3.org/2003/InkML">
+  <inkml:definitions>
+    <inkml:context xml:id="ctx0">
+      <inkml:inkSource xml:id="inkSrc0">
+        <inkml:traceFormat>
+          <inkml:channel name="X" type="integer" min="-2.14748E9" max="2.14748E9" units="cm"/>
+          <inkml:channel name="Y" type="integer" min="-2.14748E9" max="2.14748E9" units="cm"/>
+          <inkml:channel name="F" type="integer" max="32767" units="dev"/>
+        </inkml:traceFormat>
+        <inkml:channelProperties>
+          <inkml:channelProperty channel="X" name="resolution" value="1000" units="1/cm"/>
+          <inkml:channelProperty channel="Y" name="resolution" value="1000" units="1/cm"/>
+          <inkml:channelProperty channel="F" name="resolution" value="0" units="1/dev"/>
+        </inkml:channelProperties>
+      </inkml:inkSource>
+      <inkml:timestamp xml:id="ts0" timeString="2022-07-08T21:08:20.376"/>
+    </inkml:context>
+    <inkml:brush xml:id="br0">
+      <inkml:brushProperty name="width" value="0.05" units="cm"/>
+      <inkml:brushProperty name="height" value="0.05" units="cm"/>
+      <inkml:brushProperty name="color" value="#AB008B"/>
+    </inkml:brush>
+  </inkml:definitions>
+  <inkml:trace contextRef="#ctx0" brushRef="#br0">1 1 24575,'0'0'-8191</inkml:trace>
+</inkml:ink>
+</file>
+
+<file path=ppt/ink/ink20.xml><?xml version="1.0" encoding="utf-8"?>
+<inkml:ink xmlns:inkml="http://www.w3.org/2003/InkML">
+  <inkml:definitions>
+    <inkml:context xml:id="ctx0">
+      <inkml:inkSource xml:id="inkSrc0">
+        <inkml:traceFormat>
+          <inkml:channel name="X" type="integer" min="-2.14748E9" max="2.14748E9" units="cm"/>
+          <inkml:channel name="Y" type="integer" min="-2.14748E9" max="2.14748E9" units="cm"/>
+          <inkml:channel name="F" type="integer" max="32767" units="dev"/>
+        </inkml:traceFormat>
+        <inkml:channelProperties>
+          <inkml:channelProperty channel="X" name="resolution" value="1000" units="1/cm"/>
+          <inkml:channelProperty channel="Y" name="resolution" value="1000" units="1/cm"/>
+          <inkml:channelProperty channel="F" name="resolution" value="0" units="1/dev"/>
+        </inkml:channelProperties>
+      </inkml:inkSource>
+      <inkml:timestamp xml:id="ts0" timeString="2022-07-08T21:09:44.592"/>
+    </inkml:context>
+    <inkml:brush xml:id="br0">
+      <inkml:brushProperty name="width" value="0.1" units="cm"/>
+      <inkml:brushProperty name="height" value="0.1" units="cm"/>
+      <inkml:brushProperty name="color" value="#AE198D"/>
+      <inkml:brushProperty name="inkEffects" value="galaxy"/>
+      <inkml:brushProperty name="anchorX" value="-193.9675"/>
+      <inkml:brushProperty name="anchorY" value="-533.03729"/>
+      <inkml:brushProperty name="scaleFactor" value="0.5"/>
+    </inkml:brush>
+  </inkml:definitions>
+  <inkml:trace contextRef="#ctx0" brushRef="#br0">1 0 24575,'0'0'0,"2"0"0,10 0 0,8 0 0,16 3 0,19 0 0,13 6 0,7-1 0,11 5 0,1-1 0,-6-3 0,-7 4 0,-15-2 0,-14-3 0,-9-2 0,-9 0 0,-4-1 0,-5-1 0,2-2 0,-2 0 0,-2-1 0,3-1 0,-1 0 0,-3-1 0</inkml:trace>
+</inkml:ink>
+</file>
+
+<file path=ppt/ink/ink21.xml><?xml version="1.0" encoding="utf-8"?>
+<inkml:ink xmlns:inkml="http://www.w3.org/2003/InkML">
+  <inkml:definitions>
+    <inkml:context xml:id="ctx0">
+      <inkml:inkSource xml:id="inkSrc0">
+        <inkml:traceFormat>
+          <inkml:channel name="X" type="integer" min="-2.14748E9" max="2.14748E9" units="cm"/>
+          <inkml:channel name="Y" type="integer" min="-2.14748E9" max="2.14748E9" units="cm"/>
+          <inkml:channel name="F" type="integer" max="32767" units="dev"/>
+        </inkml:traceFormat>
+        <inkml:channelProperties>
+          <inkml:channelProperty channel="X" name="resolution" value="1000" units="1/cm"/>
+          <inkml:channelProperty channel="Y" name="resolution" value="1000" units="1/cm"/>
+          <inkml:channelProperty channel="F" name="resolution" value="0" units="1/dev"/>
+        </inkml:channelProperties>
+      </inkml:inkSource>
+      <inkml:timestamp xml:id="ts0" timeString="2022-07-08T21:09:45.275"/>
+    </inkml:context>
+    <inkml:brush xml:id="br0">
+      <inkml:brushProperty name="width" value="0.1" units="cm"/>
+      <inkml:brushProperty name="height" value="0.1" units="cm"/>
+      <inkml:brushProperty name="color" value="#AE198D"/>
+      <inkml:brushProperty name="inkEffects" value="galaxy"/>
+      <inkml:brushProperty name="anchorX" value="-1611.99207"/>
+      <inkml:brushProperty name="anchorY" value="-1155.15955"/>
+      <inkml:brushProperty name="scaleFactor" value="0.5"/>
+    </inkml:brush>
+  </inkml:definitions>
+  <inkml:trace contextRef="#ctx0" brushRef="#br0">1 384 24575,'0'0'0,"2"-3"0,7 0 0,2-6 0,9-2 0,6 1 0,4-5 0,-1 3 0,-6-1 0,0 3 0,-6-2 0,-2-2 0,-5 0 0,0-3 0,2-1 0,7-5 0,4-8 0,-2-5 0,-2 1 0,-4 1 0,1 7 0,-4 5 0,-3 7 0</inkml:trace>
+</inkml:ink>
+</file>
+
+<file path=ppt/ink/ink22.xml><?xml version="1.0" encoding="utf-8"?>
+<inkml:ink xmlns:inkml="http://www.w3.org/2003/InkML">
+  <inkml:definitions>
+    <inkml:context xml:id="ctx0">
+      <inkml:inkSource xml:id="inkSrc0">
+        <inkml:traceFormat>
+          <inkml:channel name="X" type="integer" min="-2.14748E9" max="2.14748E9" units="cm"/>
+          <inkml:channel name="Y" type="integer" min="-2.14748E9" max="2.14748E9" units="cm"/>
+          <inkml:channel name="F" type="integer" max="32767" units="dev"/>
+        </inkml:traceFormat>
+        <inkml:channelProperties>
+          <inkml:channelProperty channel="X" name="resolution" value="1000" units="1/cm"/>
+          <inkml:channelProperty channel="Y" name="resolution" value="1000" units="1/cm"/>
+          <inkml:channelProperty channel="F" name="resolution" value="0" units="1/dev"/>
+        </inkml:channelProperties>
+      </inkml:inkSource>
+      <inkml:timestamp xml:id="ts0" timeString="2022-07-08T21:09:45.860"/>
+    </inkml:context>
+    <inkml:brush xml:id="br0">
+      <inkml:brushProperty name="width" value="0.1" units="cm"/>
+      <inkml:brushProperty name="height" value="0.1" units="cm"/>
+      <inkml:brushProperty name="color" value="#AE198D"/>
+      <inkml:brushProperty name="inkEffects" value="galaxy"/>
+      <inkml:brushProperty name="anchorX" value="-2491.78101"/>
+      <inkml:brushProperty name="anchorY" value="-1279.78894"/>
+      <inkml:brushProperty name="scaleFactor" value="0.5"/>
+    </inkml:brush>
+  </inkml:definitions>
+  <inkml:trace contextRef="#ctx0" brushRef="#br0">206 233 24575,'0'0'0,"0"-2"0,-3-2 0,-5-2 0,-4-5 0,-1-2 0,-5-7 0,2-5 0,1 1 0,-3-2 0,1 2 0,-3 2 0,1 6 0,3-1 0,-1 4 0,3 4 0</inkml:trace>
+</inkml:ink>
+</file>
+
+<file path=ppt/ink/ink23.xml><?xml version="1.0" encoding="utf-8"?>
+<inkml:ink xmlns:inkml="http://www.w3.org/2003/InkML">
+  <inkml:definitions>
+    <inkml:context xml:id="ctx0">
+      <inkml:inkSource xml:id="inkSrc0">
+        <inkml:traceFormat>
+          <inkml:channel name="X" type="integer" min="-2.14748E9" max="2.14748E9" units="cm"/>
+          <inkml:channel name="Y" type="integer" min="-2.14748E9" max="2.14748E9" units="cm"/>
+          <inkml:channel name="F" type="integer" max="32767" units="dev"/>
+        </inkml:traceFormat>
+        <inkml:channelProperties>
+          <inkml:channelProperty channel="X" name="resolution" value="1000" units="1/cm"/>
+          <inkml:channelProperty channel="Y" name="resolution" value="1000" units="1/cm"/>
+          <inkml:channelProperty channel="F" name="resolution" value="0" units="1/dev"/>
+        </inkml:channelProperties>
+      </inkml:inkSource>
+      <inkml:timestamp xml:id="ts0" timeString="2022-07-08T21:09:48.929"/>
+    </inkml:context>
+    <inkml:brush xml:id="br0">
+      <inkml:brushProperty name="width" value="0.1" units="cm"/>
+      <inkml:brushProperty name="height" value="0.1" units="cm"/>
+      <inkml:brushProperty name="color" value="#AE198D"/>
+      <inkml:brushProperty name="inkEffects" value="galaxy"/>
+      <inkml:brushProperty name="anchorX" value="-1778.35413"/>
+      <inkml:brushProperty name="anchorY" value="-539.54071"/>
+      <inkml:brushProperty name="scaleFactor" value="0.5"/>
+    </inkml:brush>
+  </inkml:definitions>
+  <inkml:trace contextRef="#ctx0" brushRef="#br0">3882 1940 24575,'0'0'0,"0"-3"0,0-6 0,-2-2 0,-1-3 0,-3 2 0,1-4 0,-5 1 0,1-4 0,0 1 0,0 3 0,2-3 0,-4 5 0,2 0 0,-1 0 0,-5-8 0,0-1 0,-1-5 0,-3 4 0,4-2 0,0 5 0,3 4 0,-2 4 0,-5 1 0,-6-2 0,-10 2 0,-4-4 0,-4-2 0,-4-1 0,-1-3 0,-8 3 0,1-1 0,1 3 0,-6-1 0,-2 4 0,-13 0 0,-2 3 0,-16-5 0,-8 2 0,1 2 0,2 0 0,18 3 0,17 2 0,15 3 0,14 1 0,4 1 0,1 1 0,-5 1 0,-3-1 0,-8 0 0,-10 1 0,-2 5 0,0 0 0,0-1 0,10 0 0,2-1 0,9-2 0,-1-4 0,5-1 0,0 0 0,3-2 0,-1 0 0,1 1 0,-4 1 0,-1-4 0,-7 0 0,-7 0 0,-2 0 0,0 0 0,-7 2 0,1-4 0,1 1 0,1-4 0,3-2 0,2 2 0,0-3 0,-4-3 0,-2-4 0,-4-2 0,-1 1 0,-3-2 0,-5 0 0,3 4 0,-1 0 0,2 4 0,4 3 0,6 3 0,1-2 0,10 4 0,2-5 0,5 3 0,6 2 0,5-1 0,2-2 0,3 1 0,5 0 0,5-1 0,-2 2 0,4-4 0,-2 1 0,2-4 0,3-1 0,1-3 0,2 1 0,1-5 0,1-9 0,0-15 0,0-3 0,0-1 0,4 0 0,-1 6 0,0 8 0,2 5 0,0 6 0,-1 3 0,-1 5 0,-1 1 0,-1 0 0,-1 1 0,0-1 0,0 0 0,0-2 0,0 1 0,0 1 0,-1-1 0,1 0 0,0-1 0,0 1 0,0-1 0,-5 1 0,-1 4 0</inkml:trace>
+</inkml:ink>
+</file>
+
+<file path=ppt/ink/ink24.xml><?xml version="1.0" encoding="utf-8"?>
+<inkml:ink xmlns:inkml="http://www.w3.org/2003/InkML">
+  <inkml:definitions>
+    <inkml:context xml:id="ctx0">
+      <inkml:inkSource xml:id="inkSrc0">
+        <inkml:traceFormat>
+          <inkml:channel name="X" type="integer" min="-2.14748E9" max="2.14748E9" units="cm"/>
+          <inkml:channel name="Y" type="integer" min="-2.14748E9" max="2.14748E9" units="cm"/>
+          <inkml:channel name="F" type="integer" max="32767" units="dev"/>
+        </inkml:traceFormat>
+        <inkml:channelProperties>
+          <inkml:channelProperty channel="X" name="resolution" value="1000" units="1/cm"/>
+          <inkml:channelProperty channel="Y" name="resolution" value="1000" units="1/cm"/>
+          <inkml:channelProperty channel="F" name="resolution" value="0" units="1/dev"/>
+        </inkml:channelProperties>
+      </inkml:inkSource>
+      <inkml:timestamp xml:id="ts0" timeString="2022-07-08T21:09:51.379"/>
+    </inkml:context>
+    <inkml:brush xml:id="br0">
+      <inkml:brushProperty name="width" value="0.1" units="cm"/>
+      <inkml:brushProperty name="height" value="0.1" units="cm"/>
+      <inkml:brushProperty name="color" value="#AE198D"/>
+      <inkml:brushProperty name="inkEffects" value="galaxy"/>
+      <inkml:brushProperty name="anchorX" value="2593.04199"/>
+      <inkml:brushProperty name="anchorY" value="1907.78674"/>
+      <inkml:brushProperty name="scaleFactor" value="0.5"/>
+    </inkml:brush>
+  </inkml:definitions>
+  <inkml:trace contextRef="#ctx0" brushRef="#br0">501 1 24575,'0'0'0,"-5"0"0,-5 0 0,2 6 0,-6 2 0,0 7 0,1 1 0,3 1 0,-2-2 0,2 1 0,-1-2 0,2-1 0,0-4 0,-3 4 0,-2-3 0,-4 1 0,0-3 0,-6 4 0,-2 1 0,-5 4 0,2 0 0,-3 4 0,0-4 0,3-1 0,1-3 0,4-5 0,3 0 0,0-2 0,5-2 0</inkml:trace>
+</inkml:ink>
+</file>
+
+<file path=ppt/ink/ink25.xml><?xml version="1.0" encoding="utf-8"?>
+<inkml:ink xmlns:inkml="http://www.w3.org/2003/InkML">
+  <inkml:definitions>
+    <inkml:context xml:id="ctx0">
+      <inkml:inkSource xml:id="inkSrc0">
+        <inkml:traceFormat>
+          <inkml:channel name="X" type="integer" min="-2.14748E9" max="2.14748E9" units="cm"/>
+          <inkml:channel name="Y" type="integer" min="-2.14748E9" max="2.14748E9" units="cm"/>
+          <inkml:channel name="F" type="integer" max="32767" units="dev"/>
+        </inkml:traceFormat>
+        <inkml:channelProperties>
+          <inkml:channelProperty channel="X" name="resolution" value="1000" units="1/cm"/>
+          <inkml:channelProperty channel="Y" name="resolution" value="1000" units="1/cm"/>
+          <inkml:channelProperty channel="F" name="resolution" value="0" units="1/dev"/>
+        </inkml:channelProperties>
+      </inkml:inkSource>
+      <inkml:timestamp xml:id="ts0" timeString="2022-07-08T21:09:52.508"/>
+    </inkml:context>
+    <inkml:brush xml:id="br0">
+      <inkml:brushProperty name="width" value="0.1" units="cm"/>
+      <inkml:brushProperty name="height" value="0.1" units="cm"/>
+      <inkml:brushProperty name="color" value="#AE198D"/>
+      <inkml:brushProperty name="inkEffects" value="galaxy"/>
+      <inkml:brushProperty name="anchorX" value="3601.27393"/>
+      <inkml:brushProperty name="anchorY" value="2092.93945"/>
+      <inkml:brushProperty name="scaleFactor" value="0.5"/>
+    </inkml:brush>
+  </inkml:definitions>
+  <inkml:trace contextRef="#ctx0" brushRef="#br0">0 1 24575,'0'0'0,"3"0"0,6 0 0,0 5 0,7 4 0,2 0 0,1 4 0,3 1 0,-2 5 0,2 0 0,-1 4 0,7 4 0,-1-2 0,3 6 0,1-1 0,-2-3 0,-1 0 0,-4-4 0,-3-6 0,1 1 0,-3-2 0,2-3 0,-5 1 0,-3-2 0</inkml:trace>
+</inkml:ink>
+</file>
+
+<file path=ppt/ink/ink26.xml><?xml version="1.0" encoding="utf-8"?>
+<inkml:ink xmlns:inkml="http://www.w3.org/2003/InkML">
+  <inkml:definitions>
+    <inkml:context xml:id="ctx0">
+      <inkml:inkSource xml:id="inkSrc0">
+        <inkml:traceFormat>
+          <inkml:channel name="X" type="integer" min="-2.14748E9" max="2.14748E9" units="cm"/>
+          <inkml:channel name="Y" type="integer" min="-2.14748E9" max="2.14748E9" units="cm"/>
+          <inkml:channel name="F" type="integer" max="32767" units="dev"/>
+        </inkml:traceFormat>
+        <inkml:channelProperties>
+          <inkml:channelProperty channel="X" name="resolution" value="1000" units="1/cm"/>
+          <inkml:channelProperty channel="Y" name="resolution" value="1000" units="1/cm"/>
+          <inkml:channelProperty channel="F" name="resolution" value="0" units="1/dev"/>
+        </inkml:channelProperties>
+      </inkml:inkSource>
+      <inkml:timestamp xml:id="ts0" timeString="2022-07-08T21:10:04.421"/>
+    </inkml:context>
+    <inkml:brush xml:id="br0">
+      <inkml:brushProperty name="width" value="0.1" units="cm"/>
+      <inkml:brushProperty name="height" value="0.1" units="cm"/>
+      <inkml:brushProperty name="color" value="#AE198D"/>
+      <inkml:brushProperty name="inkEffects" value="galaxy"/>
+      <inkml:brushProperty name="anchorX" value="2625.67847"/>
+      <inkml:brushProperty name="anchorY" value="1193.72437"/>
+      <inkml:brushProperty name="scaleFactor" value="0.5"/>
+    </inkml:brush>
+  </inkml:definitions>
+  <inkml:trace contextRef="#ctx0" brushRef="#br0">208 2258 24575,'0'0'0,"0"-5"0,0-10 0,0-7 0,0-14 0,0-12 0,0-12 0,0-8 0,-3-7 0,0 4 0,0-1 0,1 7 0,0 4 0,-5-1 0,1 6 0,0 3 0,1-4 0,2 2 0,-5 2 0,1 6 0,1 3 0,1 8 0,2 1 0,1 2 0,1 6 0,1-2 0,0-3 0,0 1 0,1-3 0,-1-3 0,0 4 0,0-1 0,-5-5 0,-1-1 0,0-2 0,2-1 0,-3-4 0,2 1 0,1-5 0,-5-3 0,2 1 0,0-4 0,-4 0 0,-1-4 0,1-6 0,-3 3 0,2 4 0,3 8 0,2 13 0</inkml:trace>
+</inkml:ink>
+</file>
+
+<file path=ppt/ink/ink27.xml><?xml version="1.0" encoding="utf-8"?>
+<inkml:ink xmlns:inkml="http://www.w3.org/2003/InkML">
+  <inkml:definitions>
+    <inkml:context xml:id="ctx0">
+      <inkml:inkSource xml:id="inkSrc0">
+        <inkml:traceFormat>
+          <inkml:channel name="X" type="integer" min="-2.14748E9" max="2.14748E9" units="cm"/>
+          <inkml:channel name="Y" type="integer" min="-2.14748E9" max="2.14748E9" units="cm"/>
+          <inkml:channel name="F" type="integer" max="32767" units="dev"/>
+        </inkml:traceFormat>
+        <inkml:channelProperties>
+          <inkml:channelProperty channel="X" name="resolution" value="1000" units="1/cm"/>
+          <inkml:channelProperty channel="Y" name="resolution" value="1000" units="1/cm"/>
+          <inkml:channelProperty channel="F" name="resolution" value="0" units="1/dev"/>
+        </inkml:channelProperties>
+      </inkml:inkSource>
+      <inkml:timestamp xml:id="ts0" timeString="2022-07-08T21:10:05.467"/>
+    </inkml:context>
+    <inkml:brush xml:id="br0">
+      <inkml:brushProperty name="width" value="0.1" units="cm"/>
+      <inkml:brushProperty name="height" value="0.1" units="cm"/>
+      <inkml:brushProperty name="color" value="#AE198D"/>
+      <inkml:brushProperty name="inkEffects" value="galaxy"/>
+      <inkml:brushProperty name="anchorX" value="3340.84155"/>
+      <inkml:brushProperty name="anchorY" value="3959.84766"/>
+      <inkml:brushProperty name="scaleFactor" value="0.5"/>
+    </inkml:brush>
+  </inkml:definitions>
+  <inkml:trace contextRef="#ctx0" brushRef="#br0">35 4 24575,'0'0'0,"0"-3"0,-6 3 0,1 3 0,-4 0 0,1 6 0,2 0 0</inkml:trace>
+</inkml:ink>
+</file>
+
+<file path=ppt/ink/ink28.xml><?xml version="1.0" encoding="utf-8"?>
+<inkml:ink xmlns:inkml="http://www.w3.org/2003/InkML">
+  <inkml:definitions>
+    <inkml:context xml:id="ctx0">
+      <inkml:inkSource xml:id="inkSrc0">
+        <inkml:traceFormat>
+          <inkml:channel name="X" type="integer" min="-2.14748E9" max="2.14748E9" units="cm"/>
+          <inkml:channel name="Y" type="integer" min="-2.14748E9" max="2.14748E9" units="cm"/>
+          <inkml:channel name="F" type="integer" max="32767" units="dev"/>
+        </inkml:traceFormat>
+        <inkml:channelProperties>
+          <inkml:channelProperty channel="X" name="resolution" value="1000" units="1/cm"/>
+          <inkml:channelProperty channel="Y" name="resolution" value="1000" units="1/cm"/>
+          <inkml:channelProperty channel="F" name="resolution" value="0" units="1/dev"/>
+        </inkml:channelProperties>
+      </inkml:inkSource>
+      <inkml:timestamp xml:id="ts0" timeString="2022-07-08T21:10:06.886"/>
+    </inkml:context>
+    <inkml:brush xml:id="br0">
+      <inkml:brushProperty name="width" value="0.1" units="cm"/>
+      <inkml:brushProperty name="height" value="0.1" units="cm"/>
+      <inkml:brushProperty name="color" value="#AE198D"/>
+      <inkml:brushProperty name="inkEffects" value="galaxy"/>
+      <inkml:brushProperty name="anchorX" value="3883.00562"/>
+      <inkml:brushProperty name="anchorY" value="4446.71436"/>
+      <inkml:brushProperty name="scaleFactor" value="0.5"/>
+    </inkml:brush>
+  </inkml:definitions>
+  <inkml:trace contextRef="#ctx0" brushRef="#br0">613 0 24575,'0'0'0,"-3"0"0,-6 0 0,-2 0 0,-6 0 0,-1 0 0,0 0 0,-3 0 0,1 0 0,4 3 0,-2 0 0,5 6 0,2 2 0,2 5 0,0 1 0,-10 7 0,-1 7 0,-9 6 0,-1 1 0,0-6 0,5-6 0,4-7 0,0-6 0,3-6 0,-2-4 0,1-3 0,1-1 0,-1 0 0,0 0 0,-1-1 0,0 2 0,1-1 0,5 6 0,-3 1 0,5 3 0,3-2 0</inkml:trace>
+</inkml:ink>
+</file>
+
+<file path=ppt/ink/ink29.xml><?xml version="1.0" encoding="utf-8"?>
+<inkml:ink xmlns:inkml="http://www.w3.org/2003/InkML">
+  <inkml:definitions>
+    <inkml:context xml:id="ctx0">
+      <inkml:inkSource xml:id="inkSrc0">
+        <inkml:traceFormat>
+          <inkml:channel name="X" type="integer" min="-2.14748E9" max="2.14748E9" units="cm"/>
+          <inkml:channel name="Y" type="integer" min="-2.14748E9" max="2.14748E9" units="cm"/>
+          <inkml:channel name="F" type="integer" max="32767" units="dev"/>
+        </inkml:traceFormat>
+        <inkml:channelProperties>
+          <inkml:channelProperty channel="X" name="resolution" value="1000" units="1/cm"/>
+          <inkml:channelProperty channel="Y" name="resolution" value="1000" units="1/cm"/>
+          <inkml:channelProperty channel="F" name="resolution" value="0" units="1/dev"/>
+        </inkml:channelProperties>
+      </inkml:inkSource>
+      <inkml:timestamp xml:id="ts0" timeString="2022-07-08T21:10:08.040"/>
+    </inkml:context>
+    <inkml:brush xml:id="br0">
+      <inkml:brushProperty name="width" value="0.1" units="cm"/>
+      <inkml:brushProperty name="height" value="0.1" units="cm"/>
+      <inkml:brushProperty name="color" value="#AE198D"/>
+      <inkml:brushProperty name="inkEffects" value="galaxy"/>
+      <inkml:brushProperty name="anchorX" value="5003.39404"/>
+      <inkml:brushProperty name="anchorY" value="4644.5332"/>
+      <inkml:brushProperty name="scaleFactor" value="0.5"/>
+    </inkml:brush>
+  </inkml:definitions>
+  <inkml:trace contextRef="#ctx0" brushRef="#br0">1 1 24575,'0'0'0,"2"0"0,10 3 0,5 3 0,9 8 0,0 6 0,2 1 0,4 3 0,-3 0 0,3 5 0,-1 5 0,-3-2 0,-1 0 0,-3 1 0,0-3 0,-3 1 0,1 6 0,7 2 0,-2 5 0,2-4 0,-3 0 0,-1-3 0,-2 0 0,0-4 0,-5-3 0,-1 1 0,0-3 0,5 5 0,0-4 0,2-2 0,-4 2 0,-2-1 0,1-2 0,-5-11 0,-12-17 0,-2 2 0,1 1 0,0-1 0,-1 0 0,1 0 0,0 0 0,-1 0 0,1 0 0,0 0 0,-1 0 0,1-1 0,0 1 0,-1 0 0,1 0 0,0 0 0,-1-1 0,1 1 0,-1 0 0,1-1 0,0 1 0,-1 0 0,1-1 0,0 0 0,1-2 0,1 0 0,-1 0 0,0-1 0,0 1 0,-1 0 0,3-6 0,9-23 0</inkml:trace>
+</inkml:ink>
+</file>
+
+<file path=ppt/ink/ink3.xml><?xml version="1.0" encoding="utf-8"?>
+<inkml:ink xmlns:inkml="http://www.w3.org/2003/InkML">
+  <inkml:definitions>
+    <inkml:context xml:id="ctx0">
+      <inkml:inkSource xml:id="inkSrc0">
+        <inkml:traceFormat>
+          <inkml:channel name="X" type="integer" min="-2.14748E9" max="2.14748E9" units="cm"/>
+          <inkml:channel name="Y" type="integer" min="-2.14748E9" max="2.14748E9" units="cm"/>
+          <inkml:channel name="F" type="integer" max="32767" units="dev"/>
+        </inkml:traceFormat>
+        <inkml:channelProperties>
+          <inkml:channelProperty channel="X" name="resolution" value="1000" units="1/cm"/>
+          <inkml:channelProperty channel="Y" name="resolution" value="1000" units="1/cm"/>
+          <inkml:channelProperty channel="F" name="resolution" value="0" units="1/dev"/>
+        </inkml:channelProperties>
+      </inkml:inkSource>
+      <inkml:timestamp xml:id="ts0" timeString="2022-07-08T21:08:22.873"/>
+    </inkml:context>
+    <inkml:brush xml:id="br0">
+      <inkml:brushProperty name="width" value="0.05" units="cm"/>
+      <inkml:brushProperty name="height" value="0.05" units="cm"/>
+      <inkml:brushProperty name="color" value="#AB008B"/>
+    </inkml:brush>
+  </inkml:definitions>
+  <inkml:trace contextRef="#ctx0" brushRef="#br0">0 58 24575,'25'30'0,"79"103"0,-63-78 0,94 118 0,14-12 0,-109-118 0,-29-29 0,0-2 0,2 1 0,23 17 0,-35-28 0,1-1 0,0 0 0,0 0 0,-1 0 0,1 0 0,0-1 0,0 1 0,0 0 0,0-1 0,0 1 0,0-1 0,0 0 0,0 0 0,3 0 0,-4 0 0,0 0 0,0-1 0,1 1 0,-1 0 0,0-1 0,0 1 0,0-1 0,0 0 0,0 1 0,0-1 0,0 0 0,-1 1 0,1-1 0,0 0 0,0 0 0,0 0 0,-1 0 0,1 0 0,-1 0 0,1 0 0,0 0 0,-1 0 0,0 0 0,1 0 0,-1 0 0,1-2 0,1-11 0,0 0 0,0 0 0,-1 0 0,-1-1 0,-2-20 0,0 0 0,1-184 0,1 132 0,1 76 0,0 0 0,1 1 0,0-1 0,5-15 0,-3 12 0,5-24 0,6-83-1365,-14 101-5461</inkml:trace>
+</inkml:ink>
+</file>
+
+<file path=ppt/ink/ink30.xml><?xml version="1.0" encoding="utf-8"?>
+<inkml:ink xmlns:inkml="http://www.w3.org/2003/InkML">
+  <inkml:definitions>
+    <inkml:context xml:id="ctx0">
+      <inkml:inkSource xml:id="inkSrc0">
+        <inkml:traceFormat>
+          <inkml:channel name="X" type="integer" min="-2.14748E9" max="2.14748E9" units="cm"/>
+          <inkml:channel name="Y" type="integer" min="-2.14748E9" max="2.14748E9" units="cm"/>
+          <inkml:channel name="F" type="integer" max="32767" units="dev"/>
+        </inkml:traceFormat>
+        <inkml:channelProperties>
+          <inkml:channelProperty channel="X" name="resolution" value="1000" units="1/cm"/>
+          <inkml:channelProperty channel="Y" name="resolution" value="1000" units="1/cm"/>
+          <inkml:channelProperty channel="F" name="resolution" value="0" units="1/dev"/>
+        </inkml:channelProperties>
+      </inkml:inkSource>
+      <inkml:timestamp xml:id="ts0" timeString="2022-07-08T21:10:10.772"/>
+    </inkml:context>
+    <inkml:brush xml:id="br0">
+      <inkml:brushProperty name="width" value="0.1" units="cm"/>
+      <inkml:brushProperty name="height" value="0.1" units="cm"/>
+      <inkml:brushProperty name="color" value="#AE198D"/>
+      <inkml:brushProperty name="inkEffects" value="galaxy"/>
+      <inkml:brushProperty name="anchorX" value="3695.05054"/>
+      <inkml:brushProperty name="anchorY" value="3286.7478"/>
+      <inkml:brushProperty name="scaleFactor" value="0.5"/>
+    </inkml:brush>
+  </inkml:definitions>
+  <inkml:trace contextRef="#ctx0" brushRef="#br0">283 2332 24575,'0'0'0,"0"-8"0,0-10 0,0-11 0,0-1 0,0-6 0,0-2 0,0-2 0,0-4 0,0-7 0,0-6 0,0-9 0,0-3 0,-6-6 0,0-2 0,1 1 0,0 4 0,1 6 0,2 8 0,-4 0 0,-1 2 0,1-2 0,2 2 0,-5 0 0,1-2 0,2 3 0,-2-1 0,1 3 0,-3-2 0,1 2 0,-5-6 0,3 2 0,-4 0 0,2 3 0,3 3 0,0 8 0,3 7 0,-4 6 0,2 4 0,1 4 0,0 3 0,1 0 0,2 2 0,0-3 0,0 1 0,1-2 0,2 1 0,0 1 0,2-1 0,-1 1 0,1-2 0,1 1 0,-7-2 0,1 2 0,-1 1 0,1-1 0,2 1 0,1-2 0,1 4 0</inkml:trace>
+</inkml:ink>
+</file>
+
+<file path=ppt/ink/ink31.xml><?xml version="1.0" encoding="utf-8"?>
+<inkml:ink xmlns:inkml="http://www.w3.org/2003/InkML">
+  <inkml:definitions>
+    <inkml:context xml:id="ctx0">
+      <inkml:inkSource xml:id="inkSrc0">
+        <inkml:traceFormat>
+          <inkml:channel name="X" type="integer" min="-2.14748E9" max="2.14748E9" units="cm"/>
+          <inkml:channel name="Y" type="integer" min="-2.14748E9" max="2.14748E9" units="cm"/>
+          <inkml:channel name="F" type="integer" max="32767" units="dev"/>
+        </inkml:traceFormat>
+        <inkml:channelProperties>
+          <inkml:channelProperty channel="X" name="resolution" value="1000" units="1/cm"/>
+          <inkml:channelProperty channel="Y" name="resolution" value="1000" units="1/cm"/>
+          <inkml:channelProperty channel="F" name="resolution" value="0" units="1/dev"/>
+        </inkml:channelProperties>
+      </inkml:inkSource>
+      <inkml:timestamp xml:id="ts0" timeString="2022-07-08T21:10:11.852"/>
+    </inkml:context>
+    <inkml:brush xml:id="br0">
+      <inkml:brushProperty name="width" value="0.1" units="cm"/>
+      <inkml:brushProperty name="height" value="0.1" units="cm"/>
+      <inkml:brushProperty name="color" value="#AE198D"/>
+      <inkml:brushProperty name="inkEffects" value="galaxy"/>
+      <inkml:brushProperty name="anchorX" value="4484.93164"/>
+      <inkml:brushProperty name="anchorY" value="6125.70264"/>
+      <inkml:brushProperty name="scaleFactor" value="0.5"/>
+    </inkml:brush>
+  </inkml:definitions>
+  <inkml:trace contextRef="#ctx0" brushRef="#br0">538 0 24575,'0'0'0,"-5"0"0,-4 0 0,-3 0 0,-7 0 0,-4 0 0,0 0 0,-5 6 0,-2 2 0,3 4 0,0 4 0,5 1 0,4 4 0,-1-1 0,2 0 0,1-5 0,3 7 0,-1 0 0,-1-1 0,-2 2 0,-1-2 0,-2 4 0,0 1 0,1-1 0,4 1 0,-1-3 0,3-2 0,1 0 0,-3-1 0,2 1 0,1-5 0,2-3 0</inkml:trace>
+</inkml:ink>
+</file>
+
+<file path=ppt/ink/ink32.xml><?xml version="1.0" encoding="utf-8"?>
+<inkml:ink xmlns:inkml="http://www.w3.org/2003/InkML">
+  <inkml:definitions>
+    <inkml:context xml:id="ctx0">
+      <inkml:inkSource xml:id="inkSrc0">
+        <inkml:traceFormat>
+          <inkml:channel name="X" type="integer" min="-2.14748E9" max="2.14748E9" units="cm"/>
+          <inkml:channel name="Y" type="integer" min="-2.14748E9" max="2.14748E9" units="cm"/>
+          <inkml:channel name="F" type="integer" max="32767" units="dev"/>
+        </inkml:traceFormat>
+        <inkml:channelProperties>
+          <inkml:channelProperty channel="X" name="resolution" value="1000" units="1/cm"/>
+          <inkml:channelProperty channel="Y" name="resolution" value="1000" units="1/cm"/>
+          <inkml:channelProperty channel="F" name="resolution" value="0" units="1/dev"/>
+        </inkml:channelProperties>
+      </inkml:inkSource>
+      <inkml:timestamp xml:id="ts0" timeString="2022-07-08T21:10:13.154"/>
+    </inkml:context>
+    <inkml:brush xml:id="br0">
+      <inkml:brushProperty name="width" value="0.1" units="cm"/>
+      <inkml:brushProperty name="height" value="0.1" units="cm"/>
+      <inkml:brushProperty name="color" value="#AE198D"/>
+      <inkml:brushProperty name="inkEffects" value="galaxy"/>
+      <inkml:brushProperty name="anchorX" value="5530.1377"/>
+      <inkml:brushProperty name="anchorY" value="6152.91992"/>
+      <inkml:brushProperty name="scaleFactor" value="0.5"/>
+    </inkml:brush>
+  </inkml:definitions>
+  <inkml:trace contextRef="#ctx0" brushRef="#br0">1 1 24575,'0'0'0,"4"5"0,6 4 0,4 3 0,2 4 0,7 2 0,3 3 0,-1 4 0,2 1 0,3 0 0,-3-1 0,3 0 0,1-3 0,-4 1 0,3-2 0,0 1 0,-3-5 0,-1-1 0,-2-4 0,-4-4 0,-4 2 0,0-2 0,-1 1 0,2 2 0,1-3 0,1-1 0,-2 3 0,-2-1 0,0-1 0,-3-6 0,-12-3 0,0 1 0,1 0 0,0-1 0,-1 1 0,0 0 0,1 0 0,-1-1 0,1 1 0,-1 0 0,1-1 0,-1 1 0,0-1 0,1 1 0,-1 0 0,0-1 0,1 1 0,-1-1 0,1 0 0,4-17 0,-2-2 0</inkml:trace>
+</inkml:ink>
+</file>
+
+<file path=ppt/ink/ink33.xml><?xml version="1.0" encoding="utf-8"?>
+<inkml:ink xmlns:inkml="http://www.w3.org/2003/InkML">
+  <inkml:definitions>
+    <inkml:context xml:id="ctx0">
+      <inkml:inkSource xml:id="inkSrc0">
+        <inkml:traceFormat>
+          <inkml:channel name="X" type="integer" min="-2.14748E9" max="2.14748E9" units="cm"/>
+          <inkml:channel name="Y" type="integer" min="-2.14748E9" max="2.14748E9" units="cm"/>
+          <inkml:channel name="F" type="integer" max="32767" units="dev"/>
+        </inkml:traceFormat>
+        <inkml:channelProperties>
+          <inkml:channelProperty channel="X" name="resolution" value="1000" units="1/cm"/>
+          <inkml:channelProperty channel="Y" name="resolution" value="1000" units="1/cm"/>
+          <inkml:channelProperty channel="F" name="resolution" value="0" units="1/dev"/>
+        </inkml:channelProperties>
+      </inkml:inkSource>
+      <inkml:timestamp xml:id="ts0" timeString="2022-07-08T21:10:16.110"/>
+    </inkml:context>
+    <inkml:brush xml:id="br0">
+      <inkml:brushProperty name="width" value="0.1" units="cm"/>
+      <inkml:brushProperty name="height" value="0.1" units="cm"/>
+      <inkml:brushProperty name="color" value="#AE198D"/>
+      <inkml:brushProperty name="inkEffects" value="galaxy"/>
+      <inkml:brushProperty name="anchorX" value="4399.2168"/>
+      <inkml:brushProperty name="anchorY" value="5259.38623"/>
+      <inkml:brushProperty name="scaleFactor" value="0.5"/>
+    </inkml:brush>
+  </inkml:definitions>
+  <inkml:trace contextRef="#ctx0" brushRef="#br0">0 2296 24575,'0'0'0,"0"-2"0,0-7 0,0-8 0,0-14 0,6-16 0,0-10 0,-1-9 0,0-8 0,4-2 0,-1 0 0,-1-9 0,4-7 0,-2 2 0,5-7 0,-3 5 0,5-5 0,-4 6 0,4 4 0,0 3 0,3 4 0,2 6 0,-3 14 0,2 8 0,-1 9 0,-1 10 0,1 2 0,2-3 0,0-2 0,7-5 0,1-3 0,0-3 0,-1-1 0,0 1 0,-3 3 0,0 10 0,-3 7 0,-2 3 0,6-1 0,5-3 0,7-7 0,9-7 0,0 2 0,-5 8 0,-36 29 0,1-2 0,12-4 0,-17 7 0,1 1 0,-1 0 0,1 1 0,-1-1 0,0 0 0,1 1 0,3-1 0,-5 1 0,-1 0 0,1 0 0,0 0 0,0 0 0,-1 0 0,1 0 0,0 1 0,-1-1 0,1 0 0,-1 0 0,1 1 0,0-1 0,-1 0 0,1 1 0,-1-1 0,1 0 0,0 1 0,-1-1 0,1 1 0,0 0 0,0-2 0,-1 2 0,1 0 0,0-1 0,-1 1 0,1 0 0,-1-1 0,1 1 0,-1 0 0,0 0 0,1-1 0,-1 1 0,0 0 0,1 1 0</inkml:trace>
+</inkml:ink>
+</file>
+
+<file path=ppt/ink/ink34.xml><?xml version="1.0" encoding="utf-8"?>
+<inkml:ink xmlns:inkml="http://www.w3.org/2003/InkML">
+  <inkml:definitions>
+    <inkml:context xml:id="ctx0">
+      <inkml:inkSource xml:id="inkSrc0">
+        <inkml:traceFormat>
+          <inkml:channel name="X" type="integer" min="-2.14748E9" max="2.14748E9" units="cm"/>
+          <inkml:channel name="Y" type="integer" min="-2.14748E9" max="2.14748E9" units="cm"/>
+          <inkml:channel name="F" type="integer" max="32767" units="dev"/>
+        </inkml:traceFormat>
+        <inkml:channelProperties>
+          <inkml:channelProperty channel="X" name="resolution" value="1000" units="1/cm"/>
+          <inkml:channelProperty channel="Y" name="resolution" value="1000" units="1/cm"/>
+          <inkml:channelProperty channel="F" name="resolution" value="0" units="1/dev"/>
+        </inkml:channelProperties>
+      </inkml:inkSource>
+      <inkml:timestamp xml:id="ts0" timeString="2022-07-08T21:10:17.776"/>
+    </inkml:context>
+    <inkml:brush xml:id="br0">
+      <inkml:brushProperty name="width" value="0.1" units="cm"/>
+      <inkml:brushProperty name="height" value="0.1" units="cm"/>
+      <inkml:brushProperty name="color" value="#AE198D"/>
+      <inkml:brushProperty name="inkEffects" value="galaxy"/>
+      <inkml:brushProperty name="anchorX" value="3023.76636"/>
+      <inkml:brushProperty name="anchorY" value="7030.78613"/>
+      <inkml:brushProperty name="scaleFactor" value="0.5"/>
+    </inkml:brush>
+  </inkml:definitions>
+  <inkml:trace contextRef="#ctx0" brushRef="#br0">0 1 24575,'0'0'0,"3"0"0,6 0 0,2 2 0,6 1 0,6 11 0,2 3 0,9 4 0,8 7 0,4 2 0,4 7 0,0-3 0,2 5 0,-2-1 0,2-4 0,-3-3 0,-6-4 0,-6-8 0,-6 0 0,-4-6 0,-7 0 0,-10-4 0,-9-10 0,-1 1 0,0 0 0,0 0 0,0 0 0,0 1 0,1-1 0,-1 0 0,0 0 0,0 0 0,0 0 0,0 0 0,0 0 0,0 0 0,1 0 0,-1 0 0,0 0 0,0 0 0,0 0 0,0 0 0,0 0 0,1 0 0,-1 0 0,0 0 0,0 0 0,0 0 0,0 0 0,1 0 0,-1 0 0,0 0 0,0 0 0,0 0 0,0 0 0,-1-3 0,-4-4 0,-5 0 0,-3 1 0,-2 1 0,-4 1 0,0 2 0,-5 4 0,-2 3 0,-5 7 0,2-1 0,0 2 0,3 0 0,0-1 0,6 2 0,3-3 0,-1 1 0,2 6 0,-6 3 0,-2 1 0,-5 2 0,1-4 0,0-3 0,2-4 0,1 2 0,2-7 0,6-2 0</inkml:trace>
+</inkml:ink>
+</file>
+
+<file path=ppt/ink/ink35.xml><?xml version="1.0" encoding="utf-8"?>
+<inkml:ink xmlns:inkml="http://www.w3.org/2003/InkML">
+  <inkml:definitions>
+    <inkml:context xml:id="ctx0">
+      <inkml:inkSource xml:id="inkSrc0">
+        <inkml:traceFormat>
+          <inkml:channel name="X" type="integer" min="-2.14748E9" max="2.14748E9" units="cm"/>
+          <inkml:channel name="Y" type="integer" min="-2.14748E9" max="2.14748E9" units="cm"/>
+          <inkml:channel name="F" type="integer" max="32767" units="dev"/>
+        </inkml:traceFormat>
+        <inkml:channelProperties>
+          <inkml:channelProperty channel="X" name="resolution" value="1000" units="1/cm"/>
+          <inkml:channelProperty channel="Y" name="resolution" value="1000" units="1/cm"/>
+          <inkml:channelProperty channel="F" name="resolution" value="0" units="1/dev"/>
+        </inkml:channelProperties>
+      </inkml:inkSource>
+      <inkml:timestamp xml:id="ts0" timeString="2022-07-08T21:10:19.124"/>
+    </inkml:context>
+    <inkml:brush xml:id="br0">
+      <inkml:brushProperty name="width" value="0.1" units="cm"/>
+      <inkml:brushProperty name="height" value="0.1" units="cm"/>
+      <inkml:brushProperty name="color" value="#AE198D"/>
+      <inkml:brushProperty name="inkEffects" value="galaxy"/>
+      <inkml:brushProperty name="anchorX" value="2396.41895"/>
+      <inkml:brushProperty name="anchorY" value="5859.79883"/>
+      <inkml:brushProperty name="scaleFactor" value="0.5"/>
+    </inkml:brush>
+  </inkml:definitions>
+  <inkml:trace contextRef="#ctx0" brushRef="#br0">1 1 24575,'0'0'0,"0"2"0,0 4 0,0 14 0,0 9 0,0 6 0,0 14 0,0 3 0,0 7 0,0 2 0,0-3 0,0-3 0,6-1 0,5-4 0,3-2 0,5 0 0,1-6 0,-3-3 0,1-3 0,-1-5 0,2-3 0,-3 1 0,-1-6 0,2-2 0,-3-4 0,0 1 0,-1-4 0,-3 0 0,3-4 0,-3 3 0,1-3 0,4-2 0,6 0 0,12-2 0,20-1 0,16-3 0,2 0 0,1-1 0,-11-1 0,-12 0 0,-10-1 0,-34 0 0,-1 0 0,1 1 0,8-4 0,-10 4 0,0-1 0,0 0 0,-1-1 0,1 1 0,3-2 0,11-9 0,-2-4 0,-1-2 0,3-5 0,5-3 0,3-2 0,5-4 0,2 2 0,-3 1 0,-3 3 0,5-2 0,-3-1 0,0-2 0,-3-3 0,-6-3 0,0-5 0,-4-3 0,-5 0 0,2-3 0,-3 1 0,-2 6 0,-2 3 0,-2 8 0,-2 8 0</inkml:trace>
+</inkml:ink>
+</file>
+
+<file path=ppt/ink/ink36.xml><?xml version="1.0" encoding="utf-8"?>
+<inkml:ink xmlns:inkml="http://www.w3.org/2003/InkML">
+  <inkml:definitions>
+    <inkml:context xml:id="ctx0">
+      <inkml:inkSource xml:id="inkSrc0">
+        <inkml:traceFormat>
+          <inkml:channel name="X" type="integer" min="-2.14748E9" max="2.14748E9" units="cm"/>
+          <inkml:channel name="Y" type="integer" min="-2.14748E9" max="2.14748E9" units="cm"/>
+          <inkml:channel name="F" type="integer" max="32767" units="dev"/>
+        </inkml:traceFormat>
+        <inkml:channelProperties>
+          <inkml:channelProperty channel="X" name="resolution" value="1000" units="1/cm"/>
+          <inkml:channelProperty channel="Y" name="resolution" value="1000" units="1/cm"/>
+          <inkml:channelProperty channel="F" name="resolution" value="0" units="1/dev"/>
+        </inkml:channelProperties>
+      </inkml:inkSource>
+      <inkml:timestamp xml:id="ts0" timeString="2022-07-08T21:10:20.705"/>
+    </inkml:context>
+    <inkml:brush xml:id="br0">
+      <inkml:brushProperty name="width" value="0.1" units="cm"/>
+      <inkml:brushProperty name="height" value="0.1" units="cm"/>
+      <inkml:brushProperty name="color" value="#AE198D"/>
+      <inkml:brushProperty name="inkEffects" value="galaxy"/>
+      <inkml:brushProperty name="anchorX" value="645.50262"/>
+      <inkml:brushProperty name="anchorY" value="5120.47607"/>
+      <inkml:brushProperty name="scaleFactor" value="0.5"/>
+    </inkml:brush>
+  </inkml:definitions>
+  <inkml:trace contextRef="#ctx0" brushRef="#br0">962 1 24575,'0'0'0,"-5"0"0,-4 0 0,-5 0 0,-2 0 0,-4 0 0,-6 0 0,-5 0 0,-5 0 0,-3 0 0,-2 0 0,1 0 0,0 0 0,-1 0 0,6 0 0,-1 0 0,3 0 0,5 0 0,0 0 0,-1 0 0,3 0 0,-3 0 0,0 0 0,-4 2 0,4 4 0,-1 5 0,5 0 0,2 2 0,1 3 0,3 1 0,-2 2 0,1 1 0,-1-1 0,2 7 0,3-1 0,-1-1 0,3 1 0,4-3 0,4 1 0,2-1 0,3 0 0,0-2 0,4-1 0,1 1 0,2-1 0,5 2 0,9 4 0,1-1 0,9 5 0,-1 1 0,4-3 0,0 0 0,3-3 0,1-6 0,2 1 0,11-5 0,11 1 0,10-2 0,5-4 0,-4-3 0,-15 0 0,-10-1 0,-40-3 0,0-1 0,11 5 0,-15-6 0,0 1 0,-1 0 0,1 1 0,-1-1 0,0 0 0,4 3 0,-5-3 0,-1 0 0,1 0 0,0 0 0,-1-1 0,1 1 0,0 0 0,-1 0 0,1 0 0,-1 0 0,0 0 0,1 0 0,-1 0 0,0 0 0,1 2 0,0 0 0,0 0 0,-1-1 0,0 1 0,0 0 0,-1 5 0,0-2 0,0 0 0,-5 11 0,-6 15 0,-1 3 0,-10 3 0,0 0 0,-2 1 0,0-5 0,3-8 0,-1-2 0,3-7 0,-2-6 0,2-4 0,-4-3 0,-2-4 0,1 0 0,2-1 0,0 0 0,2 3 0,-3 0 0,-2 1 0,1-1 0,3 0 0,-1-1 0,5-6 0,2-1 0,-1 1 0,3-3 0,1 1 0,-2-3 0,2 0 0</inkml:trace>
+</inkml:ink>
+</file>
+
+<file path=ppt/ink/ink37.xml><?xml version="1.0" encoding="utf-8"?>
+<inkml:ink xmlns:inkml="http://www.w3.org/2003/InkML">
+  <inkml:definitions>
+    <inkml:context xml:id="ctx0">
+      <inkml:inkSource xml:id="inkSrc0">
+        <inkml:traceFormat>
+          <inkml:channel name="X" type="integer" min="-2.14748E9" max="2.14748E9" units="cm"/>
+          <inkml:channel name="Y" type="integer" min="-2.14748E9" max="2.14748E9" units="cm"/>
+          <inkml:channel name="F" type="integer" max="32767" units="dev"/>
+        </inkml:traceFormat>
+        <inkml:channelProperties>
+          <inkml:channelProperty channel="X" name="resolution" value="1000" units="1/cm"/>
+          <inkml:channelProperty channel="Y" name="resolution" value="1000" units="1/cm"/>
+          <inkml:channelProperty channel="F" name="resolution" value="0" units="1/dev"/>
+        </inkml:channelProperties>
+      </inkml:inkSource>
+      <inkml:timestamp xml:id="ts0" timeString="2022-07-08T21:10:21.860"/>
+    </inkml:context>
+    <inkml:brush xml:id="br0">
+      <inkml:brushProperty name="width" value="0.1" units="cm"/>
+      <inkml:brushProperty name="height" value="0.1" units="cm"/>
+      <inkml:brushProperty name="color" value="#AE198D"/>
+      <inkml:brushProperty name="inkEffects" value="galaxy"/>
+      <inkml:brushProperty name="anchorX" value="1921.5282"/>
+      <inkml:brushProperty name="anchorY" value="4565.0249"/>
+      <inkml:brushProperty name="scaleFactor" value="0.5"/>
+    </inkml:brush>
+  </inkml:definitions>
+  <inkml:trace contextRef="#ctx0" brushRef="#br0">1 1 24575,'0'0'0,"0"5"0,0 4 0,5 5 0,4 3 0,-1 6 0,3 3 0,-3 5 0,-1 9 0,3 5 0,-1 10 0,-2 0 0,-2 6 0,-1-3 0,-2 6 0,4 1 0,0-2 0,-1-2 0,0-4 0,3-5 0,0-1 0,-1-9 0,-2-7 0,-2-5 0,2-5 0,-1-2 0,-1-4 0,-1-1 0,0 1 0,-1-4 0</inkml:trace>
+</inkml:ink>
+</file>
+
+<file path=ppt/ink/ink38.xml><?xml version="1.0" encoding="utf-8"?>
+<inkml:ink xmlns:inkml="http://www.w3.org/2003/InkML">
+  <inkml:definitions>
+    <inkml:context xml:id="ctx0">
+      <inkml:inkSource xml:id="inkSrc0">
+        <inkml:traceFormat>
+          <inkml:channel name="X" type="integer" min="-2.14748E9" max="2.14748E9" units="cm"/>
+          <inkml:channel name="Y" type="integer" min="-2.14748E9" max="2.14748E9" units="cm"/>
+          <inkml:channel name="F" type="integer" max="32767" units="dev"/>
+        </inkml:traceFormat>
+        <inkml:channelProperties>
+          <inkml:channelProperty channel="X" name="resolution" value="1000" units="1/cm"/>
+          <inkml:channelProperty channel="Y" name="resolution" value="1000" units="1/cm"/>
+          <inkml:channelProperty channel="F" name="resolution" value="0" units="1/dev"/>
+        </inkml:channelProperties>
+      </inkml:inkSource>
+      <inkml:timestamp xml:id="ts0" timeString="2022-07-08T21:10:23.106"/>
+    </inkml:context>
+    <inkml:brush xml:id="br0">
+      <inkml:brushProperty name="width" value="0.1" units="cm"/>
+      <inkml:brushProperty name="height" value="0.1" units="cm"/>
+      <inkml:brushProperty name="color" value="#AE198D"/>
+      <inkml:brushProperty name="inkEffects" value="galaxy"/>
+      <inkml:brushProperty name="anchorX" value="1258.43164"/>
+      <inkml:brushProperty name="anchorY" value="2978.47217"/>
+      <inkml:brushProperty name="scaleFactor" value="0.5"/>
+    </inkml:brush>
+  </inkml:definitions>
+  <inkml:trace contextRef="#ctx0" brushRef="#br0">1 1 24575,'0'0'0,"4"4"0,6 3 0,7-1 0,7 1 0,11 0 0,4-2 0,5-1 0,6-2 0,-1-1 0,-1 0 0,-8-1 0,-1 5 0,-4 0 0,-5 1 0,-3-2 0,-4 2 0,3-1 0,-3-1 0,1 4 0,-2 0 0,4-2 0,0-1 0,-1-1 0,1-2 0,-3-1 0,-5-4 0,-18 3 0,0 0 0,1 0 0,-1 0 0,1 0 0,-1-1 0,1 1 0,-1 0 0,0 0 0,1 0 0,-1-1 0,1 1 0,-1 0 0,0-1 0,1 1 0,-1 0 0,0-1 0,0 1 0,1 0 0,-1-1 0,1 1 0,-1 0 0,1-1 0,-1 1 0,0 0 0,0 0 0,0-1 0,0 1 0,0 0 0,0-1 0,0 1 0,1 0 0,-1-1 0,0 1 0,0 0 0,0 0 0,0-1 0,0 1 0,0 0 0,0-1 0,-1 1 0</inkml:trace>
+</inkml:ink>
+</file>
+
+<file path=ppt/ink/ink39.xml><?xml version="1.0" encoding="utf-8"?>
+<inkml:ink xmlns:inkml="http://www.w3.org/2003/InkML">
+  <inkml:definitions>
+    <inkml:context xml:id="ctx0">
+      <inkml:inkSource xml:id="inkSrc0">
+        <inkml:traceFormat>
+          <inkml:channel name="X" type="integer" min="-2.14748E9" max="2.14748E9" units="cm"/>
+          <inkml:channel name="Y" type="integer" min="-2.14748E9" max="2.14748E9" units="cm"/>
+          <inkml:channel name="F" type="integer" max="32767" units="dev"/>
+        </inkml:traceFormat>
+        <inkml:channelProperties>
+          <inkml:channelProperty channel="X" name="resolution" value="1000" units="1/cm"/>
+          <inkml:channelProperty channel="Y" name="resolution" value="1000" units="1/cm"/>
+          <inkml:channelProperty channel="F" name="resolution" value="0" units="1/dev"/>
+        </inkml:channelProperties>
+      </inkml:inkSource>
+      <inkml:timestamp xml:id="ts0" timeString="2022-07-08T21:10:24.022"/>
+    </inkml:context>
+    <inkml:brush xml:id="br0">
+      <inkml:brushProperty name="width" value="0.1" units="cm"/>
+      <inkml:brushProperty name="height" value="0.1" units="cm"/>
+      <inkml:brushProperty name="color" value="#AE198D"/>
+      <inkml:brushProperty name="inkEffects" value="galaxy"/>
+      <inkml:brushProperty name="anchorX" value="-12.21825"/>
+      <inkml:brushProperty name="anchorY" value="2371.47925"/>
+      <inkml:brushProperty name="scaleFactor" value="0.5"/>
+    </inkml:brush>
+  </inkml:definitions>
+  <inkml:trace contextRef="#ctx0" brushRef="#br0">1 1 24575,'0'0'0,"0"2"0,3 4 0,0 6 0,2 1 0,6 6 0,2 0 0,5 3 0,6-1 0,1 2 0,4-2 0,1-4 0,-2 1 0,0-5 0,-3 0 0,-4-3 0,3-4 0,2 1 0,3-2 0,4-1 0,4 4 0,-1-1 0,-3-1 0,1-1 0,-2-1 0,-4 3 0,-1 0 0,-4-1 0,-2-1 0,-6-5 0,-5-1 0</inkml:trace>
+</inkml:ink>
+</file>
+
+<file path=ppt/ink/ink4.xml><?xml version="1.0" encoding="utf-8"?>
+<inkml:ink xmlns:inkml="http://www.w3.org/2003/InkML">
+  <inkml:definitions>
+    <inkml:context xml:id="ctx0">
+      <inkml:inkSource xml:id="inkSrc0">
+        <inkml:traceFormat>
+          <inkml:channel name="X" type="integer" min="-2.14748E9" max="2.14748E9" units="cm"/>
+          <inkml:channel name="Y" type="integer" min="-2.14748E9" max="2.14748E9" units="cm"/>
+          <inkml:channel name="F" type="integer" max="32767" units="dev"/>
+        </inkml:traceFormat>
+        <inkml:channelProperties>
+          <inkml:channelProperty channel="X" name="resolution" value="1000" units="1/cm"/>
+          <inkml:channelProperty channel="Y" name="resolution" value="1000" units="1/cm"/>
+          <inkml:channelProperty channel="F" name="resolution" value="0" units="1/dev"/>
+        </inkml:channelProperties>
+      </inkml:inkSource>
+      <inkml:timestamp xml:id="ts0" timeString="2022-07-08T21:08:24.557"/>
+    </inkml:context>
+    <inkml:brush xml:id="br0">
+      <inkml:brushProperty name="width" value="0.05" units="cm"/>
+      <inkml:brushProperty name="height" value="0.05" units="cm"/>
+      <inkml:brushProperty name="color" value="#AB008B"/>
+    </inkml:brush>
+  </inkml:definitions>
+  <inkml:trace contextRef="#ctx0" brushRef="#br0">293 73 24575,'0'-2'0,"-1"0"0,1 0 0,0 0 0,-1 0 0,0 0 0,0 0 0,1 0 0,-1 0 0,0 0 0,0 0 0,-1 0 0,1 0 0,0 1 0,-1-1 0,1 1 0,-1-1 0,1 1 0,-1-1 0,0 1 0,-2-2 0,-2 0 0,0-1 0,0 1 0,0 1 0,0-1 0,-10-2 0,-11 0 0,0 1 0,-1 1 0,0 1 0,-41 3 0,66-1 0,-1 0 0,0 1 0,1-1 0,-1 1 0,1 0 0,-1 0 0,-5 2 0,9-3 0,-1 1 0,0-1 0,1 1 0,-1-1 0,1 1 0,-1-1 0,1 1 0,-1-1 0,1 1 0,-1-1 0,1 1 0,-1-1 0,1 1 0,0 0 0,-1-1 0,1 1 0,0 1 0,0-1 0,-1 0 0,1 0 0,0 0 0,0 0 0,1 0 0,-1 0 0,0 0 0,0 0 0,0 0 0,1 0 0,-1 0 0,1 0 0,-1 0 0,1 0 0,0 1 0,9 13 0,2 0 0,0 0 0,26 24 0,-37-38 0,10 10 0,1 1 0,0-2 0,1 1 0,0-2 0,1 0 0,0 0 0,25 10 0,-4-7 0,1-2 0,0-2 0,59 7 0,0 1 0,-197 15 0,87-27 0,-195 86 0,117-47 0,65-29-1365,18-9-5461</inkml:trace>
+</inkml:ink>
+</file>
+
+<file path=ppt/ink/ink40.xml><?xml version="1.0" encoding="utf-8"?>
+<inkml:ink xmlns:inkml="http://www.w3.org/2003/InkML">
+  <inkml:definitions>
+    <inkml:context xml:id="ctx0">
+      <inkml:inkSource xml:id="inkSrc0">
+        <inkml:traceFormat>
+          <inkml:channel name="X" type="integer" min="-2.14748E9" max="2.14748E9" units="cm"/>
+          <inkml:channel name="Y" type="integer" min="-2.14748E9" max="2.14748E9" units="cm"/>
+          <inkml:channel name="F" type="integer" max="32767" units="dev"/>
+        </inkml:traceFormat>
+        <inkml:channelProperties>
+          <inkml:channelProperty channel="X" name="resolution" value="1000" units="1/cm"/>
+          <inkml:channelProperty channel="Y" name="resolution" value="1000" units="1/cm"/>
+          <inkml:channelProperty channel="F" name="resolution" value="0" units="1/dev"/>
+        </inkml:channelProperties>
+      </inkml:inkSource>
+      <inkml:timestamp xml:id="ts0" timeString="2022-07-08T21:10:25.157"/>
+    </inkml:context>
+    <inkml:brush xml:id="br0">
+      <inkml:brushProperty name="width" value="0.1" units="cm"/>
+      <inkml:brushProperty name="height" value="0.1" units="cm"/>
+      <inkml:brushProperty name="color" value="#AE198D"/>
+      <inkml:brushProperty name="inkEffects" value="galaxy"/>
+      <inkml:brushProperty name="anchorX" value="-1191.86072"/>
+      <inkml:brushProperty name="anchorY" value="1558.61938"/>
+      <inkml:brushProperty name="scaleFactor" value="0.5"/>
+    </inkml:brush>
+  </inkml:definitions>
+  <inkml:trace contextRef="#ctx0" brushRef="#br0">1 0 24575,'0'0'0,"2"5"0,13 4 0,-1 5 0,3 0 0,0 0 0,3-3 0,-1 4 0,4-1 0,3 4 0,5-3 0,-2 0 0,2-4 0,6-3 0,3-3 0,2-2 0,2-2 0,-1-1 0,-2 0 0,0-1 0,-7 1 0,-2-1 0,-5 1 0,-5 0 0,-1-1 0,-5 1 0</inkml:trace>
+</inkml:ink>
+</file>
+
+<file path=ppt/ink/ink41.xml><?xml version="1.0" encoding="utf-8"?>
+<inkml:ink xmlns:inkml="http://www.w3.org/2003/InkML">
+  <inkml:definitions>
+    <inkml:context xml:id="ctx0">
+      <inkml:inkSource xml:id="inkSrc0">
+        <inkml:traceFormat>
+          <inkml:channel name="X" type="integer" min="-2.14748E9" max="2.14748E9" units="cm"/>
+          <inkml:channel name="Y" type="integer" min="-2.14748E9" max="2.14748E9" units="cm"/>
+          <inkml:channel name="F" type="integer" max="32767" units="dev"/>
+        </inkml:traceFormat>
+        <inkml:channelProperties>
+          <inkml:channelProperty channel="X" name="resolution" value="1000" units="1/cm"/>
+          <inkml:channelProperty channel="Y" name="resolution" value="1000" units="1/cm"/>
+          <inkml:channelProperty channel="F" name="resolution" value="0" units="1/dev"/>
+        </inkml:channelProperties>
+      </inkml:inkSource>
+      <inkml:timestamp xml:id="ts0" timeString="2022-07-08T21:10:25.991"/>
+    </inkml:context>
+    <inkml:brush xml:id="br0">
+      <inkml:brushProperty name="width" value="0.1" units="cm"/>
+      <inkml:brushProperty name="height" value="0.1" units="cm"/>
+      <inkml:brushProperty name="color" value="#AE198D"/>
+      <inkml:brushProperty name="inkEffects" value="galaxy"/>
+      <inkml:brushProperty name="anchorX" value="-2384.6084"/>
+      <inkml:brushProperty name="anchorY" value="881.40295"/>
+      <inkml:brushProperty name="scaleFactor" value="0.5"/>
+    </inkml:brush>
+  </inkml:definitions>
+  <inkml:trace contextRef="#ctx0" brushRef="#br0">0 0 24575,'0'0'0,"0"5"0,3 10 0,0 8 0,3 11 0,5 5 0,-1 10 0,5 10 0,3 1 0,-1 7 0,-1-3 0,-4 2 0,-3-3 0,2 2 0,-2-8 0,-2-4 0,4-11 0,-2-8 0,-2-3 0,-1-2 0,0-5 0,-1 0 0,-2-2 0,0-1 0,1 0 0,0-3 0,-1 2 0,-1-1 0,0 1 0,4-3 0,0-1 0,0-2 0,-1 3 0,-2-1 0,-1-11 0,-1-4 0</inkml:trace>
+</inkml:ink>
+</file>
+
+<file path=ppt/ink/ink42.xml><?xml version="1.0" encoding="utf-8"?>
+<inkml:ink xmlns:inkml="http://www.w3.org/2003/InkML">
+  <inkml:definitions>
+    <inkml:context xml:id="ctx0">
+      <inkml:inkSource xml:id="inkSrc0">
+        <inkml:traceFormat>
+          <inkml:channel name="X" type="integer" min="-2.14748E9" max="2.14748E9" units="cm"/>
+          <inkml:channel name="Y" type="integer" min="-2.14748E9" max="2.14748E9" units="cm"/>
+          <inkml:channel name="F" type="integer" max="32767" units="dev"/>
+        </inkml:traceFormat>
+        <inkml:channelProperties>
+          <inkml:channelProperty channel="X" name="resolution" value="1000" units="1/cm"/>
+          <inkml:channelProperty channel="Y" name="resolution" value="1000" units="1/cm"/>
+          <inkml:channelProperty channel="F" name="resolution" value="0" units="1/dev"/>
+        </inkml:channelProperties>
+      </inkml:inkSource>
+      <inkml:timestamp xml:id="ts0" timeString="2022-07-08T21:10:27.896"/>
+    </inkml:context>
+    <inkml:brush xml:id="br0">
+      <inkml:brushProperty name="width" value="0.1" units="cm"/>
+      <inkml:brushProperty name="height" value="0.1" units="cm"/>
+      <inkml:brushProperty name="color" value="#AE198D"/>
+      <inkml:brushProperty name="inkEffects" value="galaxy"/>
+      <inkml:brushProperty name="anchorX" value="-3133.40381"/>
+      <inkml:brushProperty name="anchorY" value="-756.7323"/>
+      <inkml:brushProperty name="scaleFactor" value="0.5"/>
+    </inkml:brush>
+  </inkml:definitions>
+  <inkml:trace contextRef="#ctx0" brushRef="#br0">0 145 24575,'0'0'0,"0"-2"0,3-1 0,3-5 0,14-9 0,16-5 0,20-4 0,5 4 0,4 4 0,-8 5 0,-8 5 0,-11 4 0,-8 3 0,-10 3 0,-3 2 0,-5 3 0,-2 4 0,3 3 0,-2 5 0,0-3 0,-2 0 0,-2-1 0,-3 2 0,-2 0 0,-1 3 0,-1-1 0,0 0 0,0 1 0,-6 5 0,-6 4 0,-8 3 0,-5 6 0,-7-3 0,-1 4 0,3-3 0,0-9 0,7-1 0,4-8 0,0-3 0,1-2 0,2 2 0,-2-3 0,0 1 0,-2 2 0,1-3 0,3 1 0,4 0 0,-1-3 0,0-2 0,0-3 0,-4-2 0,3 4 0,6 2 0,7-8 0,1 0 0,0 0 0,-1 0 0,1 0 0,0 0 0,0 1 0,0-1 0,-1 0 0,1 0 0,1 2 0,2 12 0,8 5 0,4-3 0,4-1 0,2 0 0,1 1 0,0 0 0,-2 3 0,2-1 0,-3 2 0,3-4 0,3-1 0,0 2 0,1-1 0,3-3 0,-1-1 0,-1 2 0,4 0 0,-4 4 0,4-1 0,-1 8 0,3 0 0,-1 2 0,-2-2 0,-1 0 0,-5-4 0,-2-4 0,-1 0 0,-7-7 0,-5-4 0</inkml:trace>
+</inkml:ink>
+</file>
+
+<file path=ppt/ink/ink43.xml><?xml version="1.0" encoding="utf-8"?>
+<inkml:ink xmlns:inkml="http://www.w3.org/2003/InkML">
+  <inkml:definitions>
+    <inkml:context xml:id="ctx0">
+      <inkml:inkSource xml:id="inkSrc0">
+        <inkml:traceFormat>
+          <inkml:channel name="X" type="integer" min="-2.14748E9" max="2.14748E9" units="cm"/>
+          <inkml:channel name="Y" type="integer" min="-2.14748E9" max="2.14748E9" units="cm"/>
+          <inkml:channel name="F" type="integer" max="32767" units="dev"/>
+        </inkml:traceFormat>
+        <inkml:channelProperties>
+          <inkml:channelProperty channel="X" name="resolution" value="1000" units="1/cm"/>
+          <inkml:channelProperty channel="Y" name="resolution" value="1000" units="1/cm"/>
+          <inkml:channelProperty channel="F" name="resolution" value="0" units="1/dev"/>
+        </inkml:channelProperties>
+      </inkml:inkSource>
+      <inkml:timestamp xml:id="ts0" timeString="2022-07-08T21:13:55.920"/>
+    </inkml:context>
+    <inkml:brush xml:id="br0">
+      <inkml:brushProperty name="width" value="0.1" units="cm"/>
+      <inkml:brushProperty name="height" value="0.1" units="cm"/>
+      <inkml:brushProperty name="color" value="#AE198D"/>
+      <inkml:brushProperty name="inkEffects" value="galaxy"/>
+      <inkml:brushProperty name="anchorX" value="-4401.89893"/>
+      <inkml:brushProperty name="anchorY" value="-2366.14185"/>
+      <inkml:brushProperty name="scaleFactor" value="0.5"/>
+    </inkml:brush>
+  </inkml:definitions>
+  <inkml:trace contextRef="#ctx0" brushRef="#br0">1 1 24575,'0'0'0</inkml:trace>
+</inkml:ink>
+</file>
+
+<file path=ppt/ink/ink5.xml><?xml version="1.0" encoding="utf-8"?>
+<inkml:ink xmlns:inkml="http://www.w3.org/2003/InkML">
+  <inkml:definitions>
+    <inkml:context xml:id="ctx0">
+      <inkml:inkSource xml:id="inkSrc0">
+        <inkml:traceFormat>
+          <inkml:channel name="X" type="integer" min="-2.14748E9" max="2.14748E9" units="cm"/>
+          <inkml:channel name="Y" type="integer" min="-2.14748E9" max="2.14748E9" units="cm"/>
+          <inkml:channel name="F" type="integer" max="32767" units="dev"/>
+        </inkml:traceFormat>
+        <inkml:channelProperties>
+          <inkml:channelProperty channel="X" name="resolution" value="1000" units="1/cm"/>
+          <inkml:channelProperty channel="Y" name="resolution" value="1000" units="1/cm"/>
+          <inkml:channelProperty channel="F" name="resolution" value="0" units="1/dev"/>
+        </inkml:channelProperties>
+      </inkml:inkSource>
+      <inkml:timestamp xml:id="ts0" timeString="2022-07-08T21:08:26.102"/>
+    </inkml:context>
+    <inkml:brush xml:id="br0">
+      <inkml:brushProperty name="width" value="0.05" units="cm"/>
+      <inkml:brushProperty name="height" value="0.05" units="cm"/>
+      <inkml:brushProperty name="color" value="#AB008B"/>
+    </inkml:brush>
+  </inkml:definitions>
+  <inkml:trace contextRef="#ctx0" brushRef="#br0">1 155 24575,'5'3'0,"-1"0"0,0 1 0,0 0 0,0 0 0,0 0 0,0 0 0,4 7 0,5 6 0,145 179 0,-114-142 0,-26-33 0,-1 1 0,0 1 0,16 33 0,-12-19 0,-21-37 0,0 1 0,0-1 0,0 0 0,0 0 0,1 0 0,-1 1 0,0-1 0,0 0 0,0 0 0,0 0 0,0 1 0,1-1 0,-1 0 0,0 0 0,0 0 0,0 0 0,1 0 0,-1 0 0,0 1 0,0-1 0,0 0 0,1 0 0,-1 0 0,0 0 0,0 0 0,1 0 0,-1 0 0,0 0 0,1 0 0,1-6 0,0-14 0,-2 18 0,0-269 0,-1 111 0,1 154 0,0 1 0,1-1 0,0 1 0,0 0 0,0-1 0,1 1 0,0 0 0,0 0 0,0 0 0,1 0 0,0 0 0,-1 1 0,2-1 0,-1 1 0,0 0 0,1 0 0,0 0 0,0 0 0,0 1 0,0-1 0,1 1 0,-1 0 0,1 1 0,0-1 0,0 1 0,0 0 0,0 0 0,0 0 0,11-2 0,27-1 0,74-13 0,-30 2-1365,-66 14-5461</inkml:trace>
+</inkml:ink>
+</file>
+
+<file path=ppt/ink/ink6.xml><?xml version="1.0" encoding="utf-8"?>
+<inkml:ink xmlns:inkml="http://www.w3.org/2003/InkML">
+  <inkml:definitions>
+    <inkml:context xml:id="ctx0">
+      <inkml:inkSource xml:id="inkSrc0">
+        <inkml:traceFormat>
+          <inkml:channel name="X" type="integer" min="-2.14748E9" max="2.14748E9" units="cm"/>
+          <inkml:channel name="Y" type="integer" min="-2.14748E9" max="2.14748E9" units="cm"/>
+          <inkml:channel name="F" type="integer" max="32767" units="dev"/>
+        </inkml:traceFormat>
+        <inkml:channelProperties>
+          <inkml:channelProperty channel="X" name="resolution" value="1000" units="1/cm"/>
+          <inkml:channelProperty channel="Y" name="resolution" value="1000" units="1/cm"/>
+          <inkml:channelProperty channel="F" name="resolution" value="0" units="1/dev"/>
+        </inkml:channelProperties>
+      </inkml:inkSource>
+      <inkml:timestamp xml:id="ts0" timeString="2022-07-08T21:08:29.040"/>
+    </inkml:context>
+    <inkml:brush xml:id="br0">
+      <inkml:brushProperty name="width" value="0.05" units="cm"/>
+      <inkml:brushProperty name="height" value="0.05" units="cm"/>
+      <inkml:brushProperty name="color" value="#AB008B"/>
+    </inkml:brush>
+  </inkml:definitions>
+  <inkml:trace contextRef="#ctx0" brushRef="#br0">1 102 24575,'2'0'0,"1"0"0,-1-1 0,0 0 0,1 1 0,-1-1 0,1 0 0,1-1 0,9-4 0,8 0 0,143-44 0,-122 40 0,0 1 0,45-2 0,20 8 0,-88 4 0,-1 1 0,0 0 0,33 10 0,31 15 0,45 13 0,-58-24 30,0-4 0,1-2 0,94 0 0,-57-11-773,158-21 1,-235 18-6084</inkml:trace>
+</inkml:ink>
+</file>
+
+<file path=ppt/ink/ink7.xml><?xml version="1.0" encoding="utf-8"?>
+<inkml:ink xmlns:inkml="http://www.w3.org/2003/InkML">
+  <inkml:definitions>
+    <inkml:context xml:id="ctx0">
+      <inkml:inkSource xml:id="inkSrc0">
+        <inkml:traceFormat>
+          <inkml:channel name="X" type="integer" min="-2.14748E9" max="2.14748E9" units="cm"/>
+          <inkml:channel name="Y" type="integer" min="-2.14748E9" max="2.14748E9" units="cm"/>
+          <inkml:channel name="F" type="integer" max="32767" units="dev"/>
+        </inkml:traceFormat>
+        <inkml:channelProperties>
+          <inkml:channelProperty channel="X" name="resolution" value="1000" units="1/cm"/>
+          <inkml:channelProperty channel="Y" name="resolution" value="1000" units="1/cm"/>
+          <inkml:channelProperty channel="F" name="resolution" value="0" units="1/dev"/>
+        </inkml:channelProperties>
+      </inkml:inkSource>
+      <inkml:timestamp xml:id="ts0" timeString="2022-07-08T21:08:30.187"/>
+    </inkml:context>
+    <inkml:brush xml:id="br0">
+      <inkml:brushProperty name="width" value="0.05" units="cm"/>
+      <inkml:brushProperty name="height" value="0.05" units="cm"/>
+      <inkml:brushProperty name="color" value="#AB008B"/>
+    </inkml:brush>
+  </inkml:definitions>
+  <inkml:trace contextRef="#ctx0" brushRef="#br0">133 0 24575,'3'2'0,"0"0"0,-1 0 0,1 0 0,-1 0 0,1 0 0,-1 0 0,0 1 0,0-1 0,3 5 0,5 6 0,156 157 0,-43-47 0,-121-120 0,5 4 0,0 0 0,-1 1 0,8 11 0,-14-18 0,0-1 0,0 0 0,0 0 0,-1 0 0,1 1 0,0-1 0,0 0 0,-1 0 0,1 0 0,0 0 0,0 0 0,-1 0 0,1 0 0,0 0 0,0 0 0,-1 1 0,1-1 0,0 0 0,-1 0 0,1 0 0,0-1 0,0 1 0,-1 0 0,1 0 0,0 0 0,0 0 0,-1 0 0,1 0 0,-1 0 0,-16-3 0,10 2 0,-34-3 0,-1 1 0,-48 3 0,82 1 0,-1 0 0,1 1 0,-1 0 0,1 0 0,0 1 0,0 0 0,0 0 0,0 1 0,1 0 0,-1 1 0,1-1 0,0 1 0,-9 9 0,-5 7 0,1 0 0,-27 39 0,9-12 0,5-9-1365,21-25-5461</inkml:trace>
+</inkml:ink>
+</file>
+
+<file path=ppt/ink/ink8.xml><?xml version="1.0" encoding="utf-8"?>
+<inkml:ink xmlns:inkml="http://www.w3.org/2003/InkML">
+  <inkml:definitions>
+    <inkml:context xml:id="ctx0">
+      <inkml:inkSource xml:id="inkSrc0">
+        <inkml:traceFormat>
+          <inkml:channel name="X" type="integer" min="-2.14748E9" max="2.14748E9" units="cm"/>
+          <inkml:channel name="Y" type="integer" min="-2.14748E9" max="2.14748E9" units="cm"/>
+          <inkml:channel name="F" type="integer" max="32767" units="dev"/>
+        </inkml:traceFormat>
+        <inkml:channelProperties>
+          <inkml:channelProperty channel="X" name="resolution" value="1000" units="1/cm"/>
+          <inkml:channelProperty channel="Y" name="resolution" value="1000" units="1/cm"/>
+          <inkml:channelProperty channel="F" name="resolution" value="0" units="1/dev"/>
+        </inkml:channelProperties>
+      </inkml:inkSource>
+      <inkml:timestamp xml:id="ts0" timeString="2022-07-08T21:08:32.124"/>
+    </inkml:context>
+    <inkml:brush xml:id="br0">
+      <inkml:brushProperty name="width" value="0.05" units="cm"/>
+      <inkml:brushProperty name="height" value="0.05" units="cm"/>
+      <inkml:brushProperty name="color" value="#AB008B"/>
+    </inkml:brush>
+  </inkml:definitions>
+  <inkml:trace contextRef="#ctx0" brushRef="#br0">1 1 24575,'0'0'-8191</inkml:trace>
+</inkml:ink>
+</file>
+
+<file path=ppt/ink/ink9.xml><?xml version="1.0" encoding="utf-8"?>
+<inkml:ink xmlns:inkml="http://www.w3.org/2003/InkML">
+  <inkml:definitions>
+    <inkml:context xml:id="ctx0">
+      <inkml:inkSource xml:id="inkSrc0">
+        <inkml:traceFormat>
+          <inkml:channel name="X" type="integer" min="-2.14748E9" max="2.14748E9" units="cm"/>
+          <inkml:channel name="Y" type="integer" min="-2.14748E9" max="2.14748E9" units="cm"/>
+          <inkml:channel name="F" type="integer" max="32767" units="dev"/>
+        </inkml:traceFormat>
+        <inkml:channelProperties>
+          <inkml:channelProperty channel="X" name="resolution" value="1000" units="1/cm"/>
+          <inkml:channelProperty channel="Y" name="resolution" value="1000" units="1/cm"/>
+          <inkml:channelProperty channel="F" name="resolution" value="0" units="1/dev"/>
+        </inkml:channelProperties>
+      </inkml:inkSource>
+      <inkml:timestamp xml:id="ts0" timeString="2022-07-08T21:08:41.260"/>
+    </inkml:context>
+    <inkml:brush xml:id="br0">
+      <inkml:brushProperty name="width" value="0.05" units="cm"/>
+      <inkml:brushProperty name="height" value="0.05" units="cm"/>
+      <inkml:brushProperty name="color" value="#AB008B"/>
+    </inkml:brush>
+  </inkml:definitions>
+  <inkml:trace contextRef="#ctx0" brushRef="#br0">1 1 24575,'5'71'0,"1"-15"0,-1 399 0,-7-267 0,1-30 0,3 173 0,-1-296 0,2-1 0,1 0 0,2 0 0,1-1 0,2 1 0,14 35 0,-11-36 0,-2 0 0,-1 1 0,6 44 0,-2-27 0,-3-12 0,47 206 0,-46-193 0,-3 1 0,3 65 0,-8 107 0,-4-193 0,2-23 0,0 0 0,0-1 0,1 1 0,0-1 0,5 13 0,-3-11 0,-1 0 0,-1 0 0,3 14 0,0 27-21,4 57-1323,-9-93-5482</inkml:trace>
+</inkml:ink>
+</file>
+
 <file path=ppt/slideLayouts/slideLayout1.xml><?xml version="1.0" encoding="utf-8"?>
 <p:sldLayout xmlns:a="http://schemas.openxmlformats.org/drawingml/2006/main" xmlns:r="http://schemas.openxmlformats.org/officeDocument/2006/relationships" xmlns:p="http://schemas.openxmlformats.org/presentationml/2006/main" showMasterSp="0" type="title" preserve="1">
   <p:cSld name="Title Slide">
@@ -368,7 +1685,7 @@
           <a:p>
             <a:fld id="{9184DA70-C731-4C70-880D-CCD4705E623C}" type="datetime1">
               <a:rPr lang="en-US" smtClean="0"/>
-              <a:t>5/6/2022</a:t>
+              <a:t>7/8/2022</a:t>
             </a:fld>
             <a:endParaRPr lang="en-US" dirty="0"/>
           </a:p>
@@ -556,7 +1873,7 @@
           <a:p>
             <a:fld id="{B612A279-0833-481D-8C56-F67FD0AC6C50}" type="datetime1">
               <a:rPr lang="en-US" smtClean="0"/>
-              <a:t>5/6/2022</a:t>
+              <a:t>7/8/2022</a:t>
             </a:fld>
             <a:endParaRPr lang="en-US" dirty="0"/>
           </a:p>
@@ -798,7 +2115,7 @@
           <a:p>
             <a:fld id="{6587DA83-5663-4C9C-B9AA-0B40A3DAFF81}" type="datetime1">
               <a:rPr lang="en-US" smtClean="0"/>
-              <a:t>5/6/2022</a:t>
+              <a:t>7/8/2022</a:t>
             </a:fld>
             <a:endParaRPr lang="en-US" dirty="0"/>
           </a:p>
@@ -986,7 +2303,7 @@
           <a:p>
             <a:fld id="{4BE1D723-8F53-4F53-90B0-1982A396982E}" type="datetime1">
               <a:rPr lang="en-US" smtClean="0"/>
-              <a:t>5/6/2022</a:t>
+              <a:t>7/8/2022</a:t>
             </a:fld>
             <a:endParaRPr lang="en-US" dirty="0"/>
           </a:p>
@@ -1359,7 +2676,7 @@
           <a:p>
             <a:fld id="{97669AF7-7BEB-44E4-9852-375E34362B5B}" type="datetime1">
               <a:rPr lang="en-US" smtClean="0"/>
-              <a:t>5/6/2022</a:t>
+              <a:t>7/8/2022</a:t>
             </a:fld>
             <a:endParaRPr lang="en-US" dirty="0"/>
           </a:p>
@@ -1614,7 +2931,7 @@
           <a:p>
             <a:fld id="{BAAAC38D-0552-4C82-B593-E6124DFADBE2}" type="datetime1">
               <a:rPr lang="en-US" smtClean="0"/>
-              <a:t>5/6/2022</a:t>
+              <a:t>7/8/2022</a:t>
             </a:fld>
             <a:endParaRPr lang="en-US" dirty="0"/>
           </a:p>
@@ -2011,7 +3328,7 @@
           <a:p>
             <a:fld id="{D9DF0F1C-5577-4ACB-BB62-DF8F3C494C7E}" type="datetime1">
               <a:rPr lang="en-US" smtClean="0"/>
-              <a:t>5/6/2022</a:t>
+              <a:t>7/8/2022</a:t>
             </a:fld>
             <a:endParaRPr lang="en-US" dirty="0"/>
           </a:p>
@@ -2147,7 +3464,7 @@
           <a:p>
             <a:fld id="{1775B394-D9F9-4F0C-B15D-605F45CB9E9F}" type="datetime1">
               <a:rPr lang="en-US" smtClean="0"/>
-              <a:t>5/6/2022</a:t>
+              <a:t>7/8/2022</a:t>
             </a:fld>
             <a:endParaRPr lang="en-US" dirty="0"/>
           </a:p>
@@ -2304,7 +3621,7 @@
           <a:p>
             <a:fld id="{39667345-2558-425A-8533-9BFDBCE15005}" type="datetime1">
               <a:rPr lang="en-US" smtClean="0"/>
-              <a:t>5/6/2022</a:t>
+              <a:t>7/8/2022</a:t>
             </a:fld>
             <a:endParaRPr lang="en-US" dirty="0"/>
           </a:p>
@@ -2633,7 +3950,7 @@
           <a:p>
             <a:fld id="{92BEA474-078D-4E9B-9B14-09A87B19DC46}" type="datetime1">
               <a:rPr lang="en-US" smtClean="0"/>
-              <a:t>5/6/2022</a:t>
+              <a:t>7/8/2022</a:t>
             </a:fld>
             <a:endParaRPr lang="en-US" dirty="0"/>
           </a:p>
@@ -2983,7 +4300,7 @@
           <a:p>
             <a:fld id="{4907D986-8816-4272-A432-0437A28A9828}" type="datetime1">
               <a:rPr lang="en-US" smtClean="0"/>
-              <a:t>5/6/2022</a:t>
+              <a:t>7/8/2022</a:t>
             </a:fld>
             <a:endParaRPr lang="en-US" dirty="0"/>
           </a:p>
@@ -3244,7 +4561,7 @@
           <a:p>
             <a:fld id="{62D6E202-B606-4609-B914-27C9371A1F6D}" type="datetime1">
               <a:rPr lang="en-US" smtClean="0"/>
-              <a:t>5/6/2022</a:t>
+              <a:t>7/8/2022</a:t>
             </a:fld>
             <a:endParaRPr lang="en-US" dirty="0"/>
           </a:p>
@@ -6489,6 +7806,2868 @@
 </p:sld>
 </file>
 
+<file path=ppt/slides/slide14.xml><?xml version="1.0" encoding="utf-8"?>
+<p:sld xmlns:a="http://schemas.openxmlformats.org/drawingml/2006/main" xmlns:r="http://schemas.openxmlformats.org/officeDocument/2006/relationships" xmlns:p="http://schemas.openxmlformats.org/presentationml/2006/main">
+  <p:cSld>
+    <p:spTree>
+      <p:nvGrpSpPr>
+        <p:cNvPr id="1" name=""/>
+        <p:cNvGrpSpPr/>
+        <p:nvPr/>
+      </p:nvGrpSpPr>
+      <p:grpSpPr>
+        <a:xfrm>
+          <a:off x="0" y="0"/>
+          <a:ext cx="0" cy="0"/>
+          <a:chOff x="0" y="0"/>
+          <a:chExt cx="0" cy="0"/>
+        </a:xfrm>
+      </p:grpSpPr>
+      <p:sp>
+        <p:nvSpPr>
+          <p:cNvPr id="2" name="Title 1">
+            <a:extLst>
+              <a:ext uri="{FF2B5EF4-FFF2-40B4-BE49-F238E27FC236}">
+                <a16:creationId xmlns:a16="http://schemas.microsoft.com/office/drawing/2014/main" id="{E305BC23-D39D-AD50-DABE-3C743C5B615F}"/>
+              </a:ext>
+            </a:extLst>
+          </p:cNvPr>
+          <p:cNvSpPr>
+            <a:spLocks noGrp="1"/>
+          </p:cNvSpPr>
+          <p:nvPr>
+            <p:ph type="title"/>
+          </p:nvPr>
+        </p:nvSpPr>
+        <p:spPr/>
+        <p:txBody>
+          <a:bodyPr/>
+          <a:lstStyle/>
+          <a:p>
+            <a:endParaRPr lang="en-US"/>
+          </a:p>
+        </p:txBody>
+      </p:sp>
+      <p:sp>
+        <p:nvSpPr>
+          <p:cNvPr id="4" name="Rectangle 3">
+            <a:extLst>
+              <a:ext uri="{FF2B5EF4-FFF2-40B4-BE49-F238E27FC236}">
+                <a16:creationId xmlns:a16="http://schemas.microsoft.com/office/drawing/2014/main" id="{D429F068-72D3-7568-191F-CA78BAB557B6}"/>
+              </a:ext>
+            </a:extLst>
+          </p:cNvPr>
+          <p:cNvSpPr/>
+          <p:nvPr/>
+        </p:nvSpPr>
+        <p:spPr>
+          <a:xfrm>
+            <a:off x="1584960" y="2422313"/>
+            <a:ext cx="3347720" cy="686647"/>
+          </a:xfrm>
+          <a:prstGeom prst="rect">
+            <a:avLst/>
+          </a:prstGeom>
+        </p:spPr>
+        <p:style>
+          <a:lnRef idx="2">
+            <a:schemeClr val="accent1">
+              <a:shade val="50000"/>
+            </a:schemeClr>
+          </a:lnRef>
+          <a:fillRef idx="1">
+            <a:schemeClr val="accent1"/>
+          </a:fillRef>
+          <a:effectRef idx="0">
+            <a:schemeClr val="accent1"/>
+          </a:effectRef>
+          <a:fontRef idx="minor">
+            <a:schemeClr val="lt1"/>
+          </a:fontRef>
+        </p:style>
+        <p:txBody>
+          <a:bodyPr rtlCol="0" anchor="ctr"/>
+          <a:lstStyle/>
+          <a:p>
+            <a:pPr algn="ctr"/>
+            <a:r>
+              <a:rPr lang="en-US" dirty="0"/>
+              <a:t>UI Layer (project)</a:t>
+            </a:r>
+          </a:p>
+          <a:p>
+            <a:pPr algn="ctr"/>
+            <a:r>
+              <a:rPr lang="en-US" dirty="0"/>
+              <a:t>[Public static main()]</a:t>
+            </a:r>
+          </a:p>
+        </p:txBody>
+      </p:sp>
+      <p:sp>
+        <p:nvSpPr>
+          <p:cNvPr id="5" name="Rectangle 4">
+            <a:extLst>
+              <a:ext uri="{FF2B5EF4-FFF2-40B4-BE49-F238E27FC236}">
+                <a16:creationId xmlns:a16="http://schemas.microsoft.com/office/drawing/2014/main" id="{7DD50B24-8464-89FA-A7E3-08205607F3FB}"/>
+              </a:ext>
+            </a:extLst>
+          </p:cNvPr>
+          <p:cNvSpPr/>
+          <p:nvPr/>
+        </p:nvSpPr>
+        <p:spPr>
+          <a:xfrm>
+            <a:off x="1584960" y="3859953"/>
+            <a:ext cx="3347720" cy="563880"/>
+          </a:xfrm>
+          <a:prstGeom prst="rect">
+            <a:avLst/>
+          </a:prstGeom>
+        </p:spPr>
+        <p:style>
+          <a:lnRef idx="2">
+            <a:schemeClr val="accent1">
+              <a:shade val="50000"/>
+            </a:schemeClr>
+          </a:lnRef>
+          <a:fillRef idx="1">
+            <a:schemeClr val="accent1"/>
+          </a:fillRef>
+          <a:effectRef idx="0">
+            <a:schemeClr val="accent1"/>
+          </a:effectRef>
+          <a:fontRef idx="minor">
+            <a:schemeClr val="lt1"/>
+          </a:fontRef>
+        </p:style>
+        <p:txBody>
+          <a:bodyPr rtlCol="0" anchor="ctr"/>
+          <a:lstStyle/>
+          <a:p>
+            <a:pPr algn="ctr"/>
+            <a:r>
+              <a:rPr lang="en-US" dirty="0"/>
+              <a:t>Business Layer(Class Library)</a:t>
+            </a:r>
+          </a:p>
+        </p:txBody>
+      </p:sp>
+      <p:sp>
+        <p:nvSpPr>
+          <p:cNvPr id="6" name="Rectangle 5">
+            <a:extLst>
+              <a:ext uri="{FF2B5EF4-FFF2-40B4-BE49-F238E27FC236}">
+                <a16:creationId xmlns:a16="http://schemas.microsoft.com/office/drawing/2014/main" id="{A211DA10-C80B-7711-F55C-D16DC5E7A8DC}"/>
+              </a:ext>
+            </a:extLst>
+          </p:cNvPr>
+          <p:cNvSpPr/>
+          <p:nvPr/>
+        </p:nvSpPr>
+        <p:spPr>
+          <a:xfrm>
+            <a:off x="1584960" y="5174826"/>
+            <a:ext cx="3347720" cy="563880"/>
+          </a:xfrm>
+          <a:prstGeom prst="rect">
+            <a:avLst/>
+          </a:prstGeom>
+        </p:spPr>
+        <p:style>
+          <a:lnRef idx="2">
+            <a:schemeClr val="accent1">
+              <a:shade val="50000"/>
+            </a:schemeClr>
+          </a:lnRef>
+          <a:fillRef idx="1">
+            <a:schemeClr val="accent1"/>
+          </a:fillRef>
+          <a:effectRef idx="0">
+            <a:schemeClr val="accent1"/>
+          </a:effectRef>
+          <a:fontRef idx="minor">
+            <a:schemeClr val="lt1"/>
+          </a:fontRef>
+        </p:style>
+        <p:txBody>
+          <a:bodyPr rtlCol="0" anchor="ctr"/>
+          <a:lstStyle/>
+          <a:p>
+            <a:pPr algn="ctr"/>
+            <a:r>
+              <a:rPr lang="en-US" dirty="0"/>
+              <a:t>Repo Layer (Class Library) with ADO.NET</a:t>
+            </a:r>
+          </a:p>
+        </p:txBody>
+      </p:sp>
+      <p:sp>
+        <p:nvSpPr>
+          <p:cNvPr id="7" name="Rectangle 6">
+            <a:extLst>
+              <a:ext uri="{FF2B5EF4-FFF2-40B4-BE49-F238E27FC236}">
+                <a16:creationId xmlns:a16="http://schemas.microsoft.com/office/drawing/2014/main" id="{5C871E67-28FE-57AB-71CA-BE0DAC0B24CE}"/>
+              </a:ext>
+            </a:extLst>
+          </p:cNvPr>
+          <p:cNvSpPr/>
+          <p:nvPr/>
+        </p:nvSpPr>
+        <p:spPr>
+          <a:xfrm>
+            <a:off x="8239762" y="3659716"/>
+            <a:ext cx="2677157" cy="563880"/>
+          </a:xfrm>
+          <a:prstGeom prst="rect">
+            <a:avLst/>
+          </a:prstGeom>
+        </p:spPr>
+        <p:style>
+          <a:lnRef idx="2">
+            <a:schemeClr val="accent1">
+              <a:shade val="50000"/>
+            </a:schemeClr>
+          </a:lnRef>
+          <a:fillRef idx="1">
+            <a:schemeClr val="accent1"/>
+          </a:fillRef>
+          <a:effectRef idx="0">
+            <a:schemeClr val="accent1"/>
+          </a:effectRef>
+          <a:fontRef idx="minor">
+            <a:schemeClr val="lt1"/>
+          </a:fontRef>
+        </p:style>
+        <p:txBody>
+          <a:bodyPr rtlCol="0" anchor="ctr"/>
+          <a:lstStyle/>
+          <a:p>
+            <a:pPr algn="ctr"/>
+            <a:r>
+              <a:rPr lang="en-US" dirty="0"/>
+              <a:t>Models (Class Library)</a:t>
+            </a:r>
+          </a:p>
+        </p:txBody>
+      </p:sp>
+      <p:cxnSp>
+        <p:nvCxnSpPr>
+          <p:cNvPr id="9" name="Straight Arrow Connector 8">
+            <a:extLst>
+              <a:ext uri="{FF2B5EF4-FFF2-40B4-BE49-F238E27FC236}">
+                <a16:creationId xmlns:a16="http://schemas.microsoft.com/office/drawing/2014/main" id="{CDDE1AA5-4D88-3C52-07D9-36EE49451435}"/>
+              </a:ext>
+            </a:extLst>
+          </p:cNvPr>
+          <p:cNvCxnSpPr>
+            <a:cxnSpLocks/>
+            <a:stCxn id="4" idx="3"/>
+            <a:endCxn id="7" idx="1"/>
+          </p:cNvCxnSpPr>
+          <p:nvPr/>
+        </p:nvCxnSpPr>
+        <p:spPr>
+          <a:xfrm>
+            <a:off x="4932680" y="2765637"/>
+            <a:ext cx="3307082" cy="1176019"/>
+          </a:xfrm>
+          <a:prstGeom prst="straightConnector1">
+            <a:avLst/>
+          </a:prstGeom>
+          <a:ln>
+            <a:tailEnd type="triangle"/>
+          </a:ln>
+        </p:spPr>
+        <p:style>
+          <a:lnRef idx="1">
+            <a:schemeClr val="accent1"/>
+          </a:lnRef>
+          <a:fillRef idx="0">
+            <a:schemeClr val="accent1"/>
+          </a:fillRef>
+          <a:effectRef idx="0">
+            <a:schemeClr val="accent1"/>
+          </a:effectRef>
+          <a:fontRef idx="minor">
+            <a:schemeClr val="tx1"/>
+          </a:fontRef>
+        </p:style>
+      </p:cxnSp>
+      <p:cxnSp>
+        <p:nvCxnSpPr>
+          <p:cNvPr id="10" name="Straight Arrow Connector 9">
+            <a:extLst>
+              <a:ext uri="{FF2B5EF4-FFF2-40B4-BE49-F238E27FC236}">
+                <a16:creationId xmlns:a16="http://schemas.microsoft.com/office/drawing/2014/main" id="{487898F3-44CF-F8C0-F712-DC313E6C02AA}"/>
+              </a:ext>
+            </a:extLst>
+          </p:cNvPr>
+          <p:cNvCxnSpPr>
+            <a:cxnSpLocks/>
+            <a:stCxn id="5" idx="3"/>
+            <a:endCxn id="7" idx="1"/>
+          </p:cNvCxnSpPr>
+          <p:nvPr/>
+        </p:nvCxnSpPr>
+        <p:spPr>
+          <a:xfrm flipV="1">
+            <a:off x="4932680" y="3941656"/>
+            <a:ext cx="3307082" cy="200237"/>
+          </a:xfrm>
+          <a:prstGeom prst="straightConnector1">
+            <a:avLst/>
+          </a:prstGeom>
+          <a:ln>
+            <a:tailEnd type="triangle"/>
+          </a:ln>
+        </p:spPr>
+        <p:style>
+          <a:lnRef idx="1">
+            <a:schemeClr val="accent1"/>
+          </a:lnRef>
+          <a:fillRef idx="0">
+            <a:schemeClr val="accent1"/>
+          </a:fillRef>
+          <a:effectRef idx="0">
+            <a:schemeClr val="accent1"/>
+          </a:effectRef>
+          <a:fontRef idx="minor">
+            <a:schemeClr val="tx1"/>
+          </a:fontRef>
+        </p:style>
+      </p:cxnSp>
+      <p:cxnSp>
+        <p:nvCxnSpPr>
+          <p:cNvPr id="13" name="Straight Arrow Connector 12">
+            <a:extLst>
+              <a:ext uri="{FF2B5EF4-FFF2-40B4-BE49-F238E27FC236}">
+                <a16:creationId xmlns:a16="http://schemas.microsoft.com/office/drawing/2014/main" id="{2D5564EE-40AF-6394-B2D3-43A8DE563352}"/>
+              </a:ext>
+            </a:extLst>
+          </p:cNvPr>
+          <p:cNvCxnSpPr>
+            <a:cxnSpLocks/>
+            <a:stCxn id="6" idx="3"/>
+            <a:endCxn id="7" idx="1"/>
+          </p:cNvCxnSpPr>
+          <p:nvPr/>
+        </p:nvCxnSpPr>
+        <p:spPr>
+          <a:xfrm flipV="1">
+            <a:off x="4932680" y="3941656"/>
+            <a:ext cx="3307082" cy="1515110"/>
+          </a:xfrm>
+          <a:prstGeom prst="straightConnector1">
+            <a:avLst/>
+          </a:prstGeom>
+          <a:ln>
+            <a:tailEnd type="triangle"/>
+          </a:ln>
+        </p:spPr>
+        <p:style>
+          <a:lnRef idx="1">
+            <a:schemeClr val="accent1"/>
+          </a:lnRef>
+          <a:fillRef idx="0">
+            <a:schemeClr val="accent1"/>
+          </a:fillRef>
+          <a:effectRef idx="0">
+            <a:schemeClr val="accent1"/>
+          </a:effectRef>
+          <a:fontRef idx="minor">
+            <a:schemeClr val="tx1"/>
+          </a:fontRef>
+        </p:style>
+      </p:cxnSp>
+      <p:cxnSp>
+        <p:nvCxnSpPr>
+          <p:cNvPr id="16" name="Straight Arrow Connector 15">
+            <a:extLst>
+              <a:ext uri="{FF2B5EF4-FFF2-40B4-BE49-F238E27FC236}">
+                <a16:creationId xmlns:a16="http://schemas.microsoft.com/office/drawing/2014/main" id="{4F38B1E5-AD30-4E83-DF60-59D1AF0FDE8E}"/>
+              </a:ext>
+            </a:extLst>
+          </p:cNvPr>
+          <p:cNvCxnSpPr>
+            <a:cxnSpLocks/>
+            <a:stCxn id="4" idx="2"/>
+            <a:endCxn id="5" idx="0"/>
+          </p:cNvCxnSpPr>
+          <p:nvPr/>
+        </p:nvCxnSpPr>
+        <p:spPr>
+          <a:xfrm>
+            <a:off x="3258820" y="3108960"/>
+            <a:ext cx="0" cy="750993"/>
+          </a:xfrm>
+          <a:prstGeom prst="straightConnector1">
+            <a:avLst/>
+          </a:prstGeom>
+          <a:ln>
+            <a:tailEnd type="triangle"/>
+          </a:ln>
+        </p:spPr>
+        <p:style>
+          <a:lnRef idx="1">
+            <a:schemeClr val="accent1"/>
+          </a:lnRef>
+          <a:fillRef idx="0">
+            <a:schemeClr val="accent1"/>
+          </a:fillRef>
+          <a:effectRef idx="0">
+            <a:schemeClr val="accent1"/>
+          </a:effectRef>
+          <a:fontRef idx="minor">
+            <a:schemeClr val="tx1"/>
+          </a:fontRef>
+        </p:style>
+      </p:cxnSp>
+      <p:cxnSp>
+        <p:nvCxnSpPr>
+          <p:cNvPr id="19" name="Straight Arrow Connector 18">
+            <a:extLst>
+              <a:ext uri="{FF2B5EF4-FFF2-40B4-BE49-F238E27FC236}">
+                <a16:creationId xmlns:a16="http://schemas.microsoft.com/office/drawing/2014/main" id="{F28C26F3-A562-6500-08FF-B8BEE4105BA2}"/>
+              </a:ext>
+            </a:extLst>
+          </p:cNvPr>
+          <p:cNvCxnSpPr>
+            <a:cxnSpLocks/>
+            <a:stCxn id="5" idx="2"/>
+            <a:endCxn id="6" idx="0"/>
+          </p:cNvCxnSpPr>
+          <p:nvPr/>
+        </p:nvCxnSpPr>
+        <p:spPr>
+          <a:xfrm>
+            <a:off x="3258820" y="4423833"/>
+            <a:ext cx="0" cy="750993"/>
+          </a:xfrm>
+          <a:prstGeom prst="straightConnector1">
+            <a:avLst/>
+          </a:prstGeom>
+          <a:ln>
+            <a:tailEnd type="triangle"/>
+          </a:ln>
+        </p:spPr>
+        <p:style>
+          <a:lnRef idx="1">
+            <a:schemeClr val="accent1"/>
+          </a:lnRef>
+          <a:fillRef idx="0">
+            <a:schemeClr val="accent1"/>
+          </a:fillRef>
+          <a:effectRef idx="0">
+            <a:schemeClr val="accent1"/>
+          </a:effectRef>
+          <a:fontRef idx="minor">
+            <a:schemeClr val="tx1"/>
+          </a:fontRef>
+        </p:style>
+      </p:cxnSp>
+      <mc:AlternateContent xmlns:mc="http://schemas.openxmlformats.org/markup-compatibility/2006">
+        <mc:Choice xmlns:p14="http://schemas.microsoft.com/office/powerpoint/2010/main" Requires="p14">
+          <p:contentPart p14:bwMode="auto" r:id="rId2">
+            <p14:nvContentPartPr>
+              <p14:cNvPr id="43" name="Ink 42">
+                <a:extLst>
+                  <a:ext uri="{FF2B5EF4-FFF2-40B4-BE49-F238E27FC236}">
+                    <a16:creationId xmlns:a16="http://schemas.microsoft.com/office/drawing/2014/main" id="{71D45F9B-473C-710F-C6DA-B3EC65B683D7}"/>
+                  </a:ext>
+                </a:extLst>
+              </p14:cNvPr>
+              <p14:cNvContentPartPr/>
+              <p14:nvPr/>
+            </p14:nvContentPartPr>
+            <p14:xfrm>
+              <a:off x="2341600" y="2158120"/>
+              <a:ext cx="360" cy="1080"/>
+            </p14:xfrm>
+          </p:contentPart>
+        </mc:Choice>
+        <mc:Fallback>
+          <p:pic>
+            <p:nvPicPr>
+              <p:cNvPr id="43" name="Ink 42">
+                <a:extLst>
+                  <a:ext uri="{FF2B5EF4-FFF2-40B4-BE49-F238E27FC236}">
+                    <a16:creationId xmlns:a16="http://schemas.microsoft.com/office/drawing/2014/main" id="{71D45F9B-473C-710F-C6DA-B3EC65B683D7}"/>
+                  </a:ext>
+                </a:extLst>
+              </p:cNvPr>
+              <p:cNvPicPr/>
+              <p:nvPr/>
+            </p:nvPicPr>
+            <p:blipFill>
+              <a:blip r:embed="rId3"/>
+              <a:stretch>
+                <a:fillRect/>
+              </a:stretch>
+            </p:blipFill>
+            <p:spPr>
+              <a:xfrm>
+                <a:off x="2332960" y="2149120"/>
+                <a:ext cx="18000" cy="18720"/>
+              </a:xfrm>
+              <a:prstGeom prst="rect">
+                <a:avLst/>
+              </a:prstGeom>
+            </p:spPr>
+          </p:pic>
+        </mc:Fallback>
+      </mc:AlternateContent>
+      <mc:AlternateContent xmlns:mc="http://schemas.openxmlformats.org/markup-compatibility/2006">
+        <mc:Choice xmlns:p14="http://schemas.microsoft.com/office/powerpoint/2010/main" Requires="p14">
+          <p:contentPart p14:bwMode="auto" r:id="rId4">
+            <p14:nvContentPartPr>
+              <p14:cNvPr id="44" name="Ink 43">
+                <a:extLst>
+                  <a:ext uri="{FF2B5EF4-FFF2-40B4-BE49-F238E27FC236}">
+                    <a16:creationId xmlns:a16="http://schemas.microsoft.com/office/drawing/2014/main" id="{4E4A5DD9-E2D4-6330-BF3A-8774F8583280}"/>
+                  </a:ext>
+                </a:extLst>
+              </p14:cNvPr>
+              <p14:cNvContentPartPr/>
+              <p14:nvPr/>
+            </p14:nvContentPartPr>
+            <p14:xfrm>
+              <a:off x="3103720" y="2661760"/>
+              <a:ext cx="360" cy="360"/>
+            </p14:xfrm>
+          </p:contentPart>
+        </mc:Choice>
+        <mc:Fallback>
+          <p:pic>
+            <p:nvPicPr>
+              <p:cNvPr id="44" name="Ink 43">
+                <a:extLst>
+                  <a:ext uri="{FF2B5EF4-FFF2-40B4-BE49-F238E27FC236}">
+                    <a16:creationId xmlns:a16="http://schemas.microsoft.com/office/drawing/2014/main" id="{4E4A5DD9-E2D4-6330-BF3A-8774F8583280}"/>
+                  </a:ext>
+                </a:extLst>
+              </p:cNvPr>
+              <p:cNvPicPr/>
+              <p:nvPr/>
+            </p:nvPicPr>
+            <p:blipFill>
+              <a:blip r:embed="rId5"/>
+              <a:stretch>
+                <a:fillRect/>
+              </a:stretch>
+            </p:blipFill>
+            <p:spPr>
+              <a:xfrm>
+                <a:off x="3095080" y="2653120"/>
+                <a:ext cx="18000" cy="18000"/>
+              </a:xfrm>
+              <a:prstGeom prst="rect">
+                <a:avLst/>
+              </a:prstGeom>
+            </p:spPr>
+          </p:pic>
+        </mc:Fallback>
+      </mc:AlternateContent>
+      <p:grpSp>
+        <p:nvGrpSpPr>
+          <p:cNvPr id="51" name="Group 50">
+            <a:extLst>
+              <a:ext uri="{FF2B5EF4-FFF2-40B4-BE49-F238E27FC236}">
+                <a16:creationId xmlns:a16="http://schemas.microsoft.com/office/drawing/2014/main" id="{2948082C-9A60-6BDF-3D6D-46A1C19B1B1F}"/>
+              </a:ext>
+            </a:extLst>
+          </p:cNvPr>
+          <p:cNvGrpSpPr/>
+          <p:nvPr/>
+        </p:nvGrpSpPr>
+        <p:grpSpPr>
+          <a:xfrm>
+            <a:off x="604600" y="2530000"/>
+            <a:ext cx="1278360" cy="379800"/>
+            <a:chOff x="604600" y="2530000"/>
+            <a:chExt cx="1278360" cy="379800"/>
+          </a:xfrm>
+        </p:grpSpPr>
+        <mc:AlternateContent xmlns:mc="http://schemas.openxmlformats.org/markup-compatibility/2006">
+          <mc:Choice xmlns:p14="http://schemas.microsoft.com/office/powerpoint/2010/main" Requires="p14">
+            <p:contentPart p14:bwMode="auto" r:id="rId6">
+              <p14:nvContentPartPr>
+                <p14:cNvPr id="45" name="Ink 44">
+                  <a:extLst>
+                    <a:ext uri="{FF2B5EF4-FFF2-40B4-BE49-F238E27FC236}">
+                      <a16:creationId xmlns:a16="http://schemas.microsoft.com/office/drawing/2014/main" id="{C43632A2-AAA0-0D71-C6C7-CDC50D5AE1E1}"/>
+                    </a:ext>
+                  </a:extLst>
+                </p14:cNvPr>
+                <p14:cNvContentPartPr/>
+                <p14:nvPr/>
+              </p14:nvContentPartPr>
+              <p14:xfrm>
+                <a:off x="604600" y="2645920"/>
+                <a:ext cx="238680" cy="263880"/>
+              </p14:xfrm>
+            </p:contentPart>
+          </mc:Choice>
+          <mc:Fallback>
+            <p:pic>
+              <p:nvPicPr>
+                <p:cNvPr id="45" name="Ink 44">
+                  <a:extLst>
+                    <a:ext uri="{FF2B5EF4-FFF2-40B4-BE49-F238E27FC236}">
+                      <a16:creationId xmlns:a16="http://schemas.microsoft.com/office/drawing/2014/main" id="{C43632A2-AAA0-0D71-C6C7-CDC50D5AE1E1}"/>
+                    </a:ext>
+                  </a:extLst>
+                </p:cNvPr>
+                <p:cNvPicPr/>
+                <p:nvPr/>
+              </p:nvPicPr>
+              <p:blipFill>
+                <a:blip r:embed="rId7"/>
+                <a:stretch>
+                  <a:fillRect/>
+                </a:stretch>
+              </p:blipFill>
+              <p:spPr>
+                <a:xfrm>
+                  <a:off x="595600" y="2637280"/>
+                  <a:ext cx="256320" cy="281520"/>
+                </a:xfrm>
+                <a:prstGeom prst="rect">
+                  <a:avLst/>
+                </a:prstGeom>
+              </p:spPr>
+            </p:pic>
+          </mc:Fallback>
+        </mc:AlternateContent>
+        <mc:AlternateContent xmlns:mc="http://schemas.openxmlformats.org/markup-compatibility/2006">
+          <mc:Choice xmlns:p14="http://schemas.microsoft.com/office/powerpoint/2010/main" Requires="p14">
+            <p:contentPart p14:bwMode="auto" r:id="rId8">
+              <p14:nvContentPartPr>
+                <p14:cNvPr id="46" name="Ink 45">
+                  <a:extLst>
+                    <a:ext uri="{FF2B5EF4-FFF2-40B4-BE49-F238E27FC236}">
+                      <a16:creationId xmlns:a16="http://schemas.microsoft.com/office/drawing/2014/main" id="{C4018F6C-7D3A-6D4F-EC99-635D1860CECE}"/>
+                    </a:ext>
+                  </a:extLst>
+                </p14:cNvPr>
+                <p14:cNvContentPartPr/>
+                <p14:nvPr/>
+              </p14:nvContentPartPr>
+              <p14:xfrm>
+                <a:off x="900520" y="2630440"/>
+                <a:ext cx="181440" cy="165600"/>
+              </p14:xfrm>
+            </p:contentPart>
+          </mc:Choice>
+          <mc:Fallback>
+            <p:pic>
+              <p:nvPicPr>
+                <p:cNvPr id="46" name="Ink 45">
+                  <a:extLst>
+                    <a:ext uri="{FF2B5EF4-FFF2-40B4-BE49-F238E27FC236}">
+                      <a16:creationId xmlns:a16="http://schemas.microsoft.com/office/drawing/2014/main" id="{C4018F6C-7D3A-6D4F-EC99-635D1860CECE}"/>
+                    </a:ext>
+                  </a:extLst>
+                </p:cNvPr>
+                <p:cNvPicPr/>
+                <p:nvPr/>
+              </p:nvPicPr>
+              <p:blipFill>
+                <a:blip r:embed="rId9"/>
+                <a:stretch>
+                  <a:fillRect/>
+                </a:stretch>
+              </p:blipFill>
+              <p:spPr>
+                <a:xfrm>
+                  <a:off x="891520" y="2621440"/>
+                  <a:ext cx="199080" cy="183240"/>
+                </a:xfrm>
+                <a:prstGeom prst="rect">
+                  <a:avLst/>
+                </a:prstGeom>
+              </p:spPr>
+            </p:pic>
+          </mc:Fallback>
+        </mc:AlternateContent>
+        <mc:AlternateContent xmlns:mc="http://schemas.openxmlformats.org/markup-compatibility/2006">
+          <mc:Choice xmlns:p14="http://schemas.microsoft.com/office/powerpoint/2010/main" Requires="p14">
+            <p:contentPart p14:bwMode="auto" r:id="rId10">
+              <p14:nvContentPartPr>
+                <p14:cNvPr id="47" name="Ink 46">
+                  <a:extLst>
+                    <a:ext uri="{FF2B5EF4-FFF2-40B4-BE49-F238E27FC236}">
+                      <a16:creationId xmlns:a16="http://schemas.microsoft.com/office/drawing/2014/main" id="{813F1452-C7DE-4859-CBBE-FE5896667423}"/>
+                    </a:ext>
+                  </a:extLst>
+                </p14:cNvPr>
+                <p14:cNvContentPartPr/>
+                <p14:nvPr/>
+              </p14:nvContentPartPr>
+              <p14:xfrm>
+                <a:off x="1005640" y="2530000"/>
+                <a:ext cx="266760" cy="224280"/>
+              </p14:xfrm>
+            </p:contentPart>
+          </mc:Choice>
+          <mc:Fallback>
+            <p:pic>
+              <p:nvPicPr>
+                <p:cNvPr id="47" name="Ink 46">
+                  <a:extLst>
+                    <a:ext uri="{FF2B5EF4-FFF2-40B4-BE49-F238E27FC236}">
+                      <a16:creationId xmlns:a16="http://schemas.microsoft.com/office/drawing/2014/main" id="{813F1452-C7DE-4859-CBBE-FE5896667423}"/>
+                    </a:ext>
+                  </a:extLst>
+                </p:cNvPr>
+                <p:cNvPicPr/>
+                <p:nvPr/>
+              </p:nvPicPr>
+              <p:blipFill>
+                <a:blip r:embed="rId11"/>
+                <a:stretch>
+                  <a:fillRect/>
+                </a:stretch>
+              </p:blipFill>
+              <p:spPr>
+                <a:xfrm>
+                  <a:off x="997000" y="2521000"/>
+                  <a:ext cx="284400" cy="241920"/>
+                </a:xfrm>
+                <a:prstGeom prst="rect">
+                  <a:avLst/>
+                </a:prstGeom>
+              </p:spPr>
+            </p:pic>
+          </mc:Fallback>
+        </mc:AlternateContent>
+        <mc:AlternateContent xmlns:mc="http://schemas.openxmlformats.org/markup-compatibility/2006">
+          <mc:Choice xmlns:p14="http://schemas.microsoft.com/office/powerpoint/2010/main" Requires="p14">
+            <p:contentPart p14:bwMode="auto" r:id="rId12">
+              <p14:nvContentPartPr>
+                <p14:cNvPr id="49" name="Ink 48">
+                  <a:extLst>
+                    <a:ext uri="{FF2B5EF4-FFF2-40B4-BE49-F238E27FC236}">
+                      <a16:creationId xmlns:a16="http://schemas.microsoft.com/office/drawing/2014/main" id="{628C0177-94EA-0F3B-DE2F-0413F6260487}"/>
+                    </a:ext>
+                  </a:extLst>
+                </p14:cNvPr>
+                <p14:cNvContentPartPr/>
+                <p14:nvPr/>
+              </p14:nvContentPartPr>
+              <p14:xfrm>
+                <a:off x="1224160" y="2716480"/>
+                <a:ext cx="571680" cy="48240"/>
+              </p14:xfrm>
+            </p:contentPart>
+          </mc:Choice>
+          <mc:Fallback>
+            <p:pic>
+              <p:nvPicPr>
+                <p:cNvPr id="49" name="Ink 48">
+                  <a:extLst>
+                    <a:ext uri="{FF2B5EF4-FFF2-40B4-BE49-F238E27FC236}">
+                      <a16:creationId xmlns:a16="http://schemas.microsoft.com/office/drawing/2014/main" id="{628C0177-94EA-0F3B-DE2F-0413F6260487}"/>
+                    </a:ext>
+                  </a:extLst>
+                </p:cNvPr>
+                <p:cNvPicPr/>
+                <p:nvPr/>
+              </p:nvPicPr>
+              <p:blipFill>
+                <a:blip r:embed="rId13"/>
+                <a:stretch>
+                  <a:fillRect/>
+                </a:stretch>
+              </p:blipFill>
+              <p:spPr>
+                <a:xfrm>
+                  <a:off x="1215520" y="2707840"/>
+                  <a:ext cx="589320" cy="65880"/>
+                </a:xfrm>
+                <a:prstGeom prst="rect">
+                  <a:avLst/>
+                </a:prstGeom>
+              </p:spPr>
+            </p:pic>
+          </mc:Fallback>
+        </mc:AlternateContent>
+        <mc:AlternateContent xmlns:mc="http://schemas.openxmlformats.org/markup-compatibility/2006">
+          <mc:Choice xmlns:p14="http://schemas.microsoft.com/office/powerpoint/2010/main" Requires="p14">
+            <p:contentPart p14:bwMode="auto" r:id="rId14">
+              <p14:nvContentPartPr>
+                <p14:cNvPr id="50" name="Ink 49">
+                  <a:extLst>
+                    <a:ext uri="{FF2B5EF4-FFF2-40B4-BE49-F238E27FC236}">
+                      <a16:creationId xmlns:a16="http://schemas.microsoft.com/office/drawing/2014/main" id="{D708ACC2-C49D-86B6-9015-5112B0477FB0}"/>
+                    </a:ext>
+                  </a:extLst>
+                </p14:cNvPr>
+                <p14:cNvContentPartPr/>
+                <p14:nvPr/>
+              </p14:nvContentPartPr>
+              <p14:xfrm>
+                <a:off x="1704400" y="2626480"/>
+                <a:ext cx="178560" cy="224640"/>
+              </p14:xfrm>
+            </p:contentPart>
+          </mc:Choice>
+          <mc:Fallback>
+            <p:pic>
+              <p:nvPicPr>
+                <p:cNvPr id="50" name="Ink 49">
+                  <a:extLst>
+                    <a:ext uri="{FF2B5EF4-FFF2-40B4-BE49-F238E27FC236}">
+                      <a16:creationId xmlns:a16="http://schemas.microsoft.com/office/drawing/2014/main" id="{D708ACC2-C49D-86B6-9015-5112B0477FB0}"/>
+                    </a:ext>
+                  </a:extLst>
+                </p:cNvPr>
+                <p:cNvPicPr/>
+                <p:nvPr/>
+              </p:nvPicPr>
+              <p:blipFill>
+                <a:blip r:embed="rId15"/>
+                <a:stretch>
+                  <a:fillRect/>
+                </a:stretch>
+              </p:blipFill>
+              <p:spPr>
+                <a:xfrm>
+                  <a:off x="1695400" y="2617480"/>
+                  <a:ext cx="196200" cy="242280"/>
+                </a:xfrm>
+                <a:prstGeom prst="rect">
+                  <a:avLst/>
+                </a:prstGeom>
+              </p:spPr>
+            </p:pic>
+          </mc:Fallback>
+        </mc:AlternateContent>
+      </p:grpSp>
+      <mc:AlternateContent xmlns:mc="http://schemas.openxmlformats.org/markup-compatibility/2006">
+        <mc:Choice xmlns:p14="http://schemas.microsoft.com/office/powerpoint/2010/main" Requires="p14">
+          <p:contentPart p14:bwMode="auto" r:id="rId16">
+            <p14:nvContentPartPr>
+              <p14:cNvPr id="52" name="Ink 51">
+                <a:extLst>
+                  <a:ext uri="{FF2B5EF4-FFF2-40B4-BE49-F238E27FC236}">
+                    <a16:creationId xmlns:a16="http://schemas.microsoft.com/office/drawing/2014/main" id="{33856195-2727-26FE-2DAE-99117BB503FC}"/>
+                  </a:ext>
+                </a:extLst>
+              </p14:cNvPr>
+              <p14:cNvContentPartPr/>
+              <p14:nvPr/>
+            </p14:nvContentPartPr>
+            <p14:xfrm>
+              <a:off x="2930920" y="2956600"/>
+              <a:ext cx="360" cy="360"/>
+            </p14:xfrm>
+          </p:contentPart>
+        </mc:Choice>
+        <mc:Fallback>
+          <p:pic>
+            <p:nvPicPr>
+              <p:cNvPr id="52" name="Ink 51">
+                <a:extLst>
+                  <a:ext uri="{FF2B5EF4-FFF2-40B4-BE49-F238E27FC236}">
+                    <a16:creationId xmlns:a16="http://schemas.microsoft.com/office/drawing/2014/main" id="{33856195-2727-26FE-2DAE-99117BB503FC}"/>
+                  </a:ext>
+                </a:extLst>
+              </p:cNvPr>
+              <p:cNvPicPr/>
+              <p:nvPr/>
+            </p:nvPicPr>
+            <p:blipFill>
+              <a:blip r:embed="rId5"/>
+              <a:stretch>
+                <a:fillRect/>
+              </a:stretch>
+            </p:blipFill>
+            <p:spPr>
+              <a:xfrm>
+                <a:off x="2922280" y="2947960"/>
+                <a:ext cx="18000" cy="18000"/>
+              </a:xfrm>
+              <a:prstGeom prst="rect">
+                <a:avLst/>
+              </a:prstGeom>
+            </p:spPr>
+          </p:pic>
+        </mc:Fallback>
+      </mc:AlternateContent>
+      <p:grpSp>
+        <p:nvGrpSpPr>
+          <p:cNvPr id="55" name="Group 54">
+            <a:extLst>
+              <a:ext uri="{FF2B5EF4-FFF2-40B4-BE49-F238E27FC236}">
+                <a16:creationId xmlns:a16="http://schemas.microsoft.com/office/drawing/2014/main" id="{3794A08D-AFB7-E821-10EB-33A1AA4DAED3}"/>
+              </a:ext>
+            </a:extLst>
+          </p:cNvPr>
+          <p:cNvGrpSpPr/>
+          <p:nvPr/>
+        </p:nvGrpSpPr>
+        <p:grpSpPr>
+          <a:xfrm>
+            <a:off x="2874760" y="2976760"/>
+            <a:ext cx="213480" cy="1029240"/>
+            <a:chOff x="2874760" y="2976760"/>
+            <a:chExt cx="213480" cy="1029240"/>
+          </a:xfrm>
+        </p:grpSpPr>
+        <mc:AlternateContent xmlns:mc="http://schemas.openxmlformats.org/markup-compatibility/2006">
+          <mc:Choice xmlns:p14="http://schemas.microsoft.com/office/powerpoint/2010/main" Requires="p14">
+            <p:contentPart p14:bwMode="auto" r:id="rId17">
+              <p14:nvContentPartPr>
+                <p14:cNvPr id="53" name="Ink 52">
+                  <a:extLst>
+                    <a:ext uri="{FF2B5EF4-FFF2-40B4-BE49-F238E27FC236}">
+                      <a16:creationId xmlns:a16="http://schemas.microsoft.com/office/drawing/2014/main" id="{245C6747-E3F9-B10F-04E8-ED0091D0AD8A}"/>
+                    </a:ext>
+                  </a:extLst>
+                </p14:cNvPr>
+                <p14:cNvContentPartPr/>
+                <p14:nvPr/>
+              </p14:nvContentPartPr>
+              <p14:xfrm>
+                <a:off x="2900320" y="2976760"/>
+                <a:ext cx="97200" cy="1014840"/>
+              </p14:xfrm>
+            </p:contentPart>
+          </mc:Choice>
+          <mc:Fallback>
+            <p:pic>
+              <p:nvPicPr>
+                <p:cNvPr id="53" name="Ink 52">
+                  <a:extLst>
+                    <a:ext uri="{FF2B5EF4-FFF2-40B4-BE49-F238E27FC236}">
+                      <a16:creationId xmlns:a16="http://schemas.microsoft.com/office/drawing/2014/main" id="{245C6747-E3F9-B10F-04E8-ED0091D0AD8A}"/>
+                    </a:ext>
+                  </a:extLst>
+                </p:cNvPr>
+                <p:cNvPicPr/>
+                <p:nvPr/>
+              </p:nvPicPr>
+              <p:blipFill>
+                <a:blip r:embed="rId18"/>
+                <a:stretch>
+                  <a:fillRect/>
+                </a:stretch>
+              </p:blipFill>
+              <p:spPr>
+                <a:xfrm>
+                  <a:off x="2891680" y="2968120"/>
+                  <a:ext cx="114840" cy="1032480"/>
+                </a:xfrm>
+                <a:prstGeom prst="rect">
+                  <a:avLst/>
+                </a:prstGeom>
+              </p:spPr>
+            </p:pic>
+          </mc:Fallback>
+        </mc:AlternateContent>
+        <mc:AlternateContent xmlns:mc="http://schemas.openxmlformats.org/markup-compatibility/2006">
+          <mc:Choice xmlns:p14="http://schemas.microsoft.com/office/powerpoint/2010/main" Requires="p14">
+            <p:contentPart p14:bwMode="auto" r:id="rId19">
+              <p14:nvContentPartPr>
+                <p14:cNvPr id="54" name="Ink 53">
+                  <a:extLst>
+                    <a:ext uri="{FF2B5EF4-FFF2-40B4-BE49-F238E27FC236}">
+                      <a16:creationId xmlns:a16="http://schemas.microsoft.com/office/drawing/2014/main" id="{E369ACF6-45F4-2F64-AD1B-09F90BD5C011}"/>
+                    </a:ext>
+                  </a:extLst>
+                </p14:cNvPr>
+                <p14:cNvContentPartPr/>
+                <p14:nvPr/>
+              </p14:nvContentPartPr>
+              <p14:xfrm>
+                <a:off x="2874760" y="3881080"/>
+                <a:ext cx="213480" cy="124920"/>
+              </p14:xfrm>
+            </p:contentPart>
+          </mc:Choice>
+          <mc:Fallback>
+            <p:pic>
+              <p:nvPicPr>
+                <p:cNvPr id="54" name="Ink 53">
+                  <a:extLst>
+                    <a:ext uri="{FF2B5EF4-FFF2-40B4-BE49-F238E27FC236}">
+                      <a16:creationId xmlns:a16="http://schemas.microsoft.com/office/drawing/2014/main" id="{E369ACF6-45F4-2F64-AD1B-09F90BD5C011}"/>
+                    </a:ext>
+                  </a:extLst>
+                </p:cNvPr>
+                <p:cNvPicPr/>
+                <p:nvPr/>
+              </p:nvPicPr>
+              <p:blipFill>
+                <a:blip r:embed="rId20"/>
+                <a:stretch>
+                  <a:fillRect/>
+                </a:stretch>
+              </p:blipFill>
+              <p:spPr>
+                <a:xfrm>
+                  <a:off x="2866120" y="3872440"/>
+                  <a:ext cx="231120" cy="142560"/>
+                </a:xfrm>
+                <a:prstGeom prst="rect">
+                  <a:avLst/>
+                </a:prstGeom>
+              </p:spPr>
+            </p:pic>
+          </mc:Fallback>
+        </mc:AlternateContent>
+      </p:grpSp>
+      <p:grpSp>
+        <p:nvGrpSpPr>
+          <p:cNvPr id="58" name="Group 57">
+            <a:extLst>
+              <a:ext uri="{FF2B5EF4-FFF2-40B4-BE49-F238E27FC236}">
+                <a16:creationId xmlns:a16="http://schemas.microsoft.com/office/drawing/2014/main" id="{39602C82-D550-0EDA-567F-3B849745ED4A}"/>
+              </a:ext>
+            </a:extLst>
+          </p:cNvPr>
+          <p:cNvGrpSpPr/>
+          <p:nvPr/>
+        </p:nvGrpSpPr>
+        <p:grpSpPr>
+          <a:xfrm>
+            <a:off x="2782240" y="4317760"/>
+            <a:ext cx="240120" cy="960120"/>
+            <a:chOff x="2782240" y="4317760"/>
+            <a:chExt cx="240120" cy="960120"/>
+          </a:xfrm>
+        </p:grpSpPr>
+        <mc:AlternateContent xmlns:mc="http://schemas.openxmlformats.org/markup-compatibility/2006">
+          <mc:Choice xmlns:p14="http://schemas.microsoft.com/office/powerpoint/2010/main" Requires="p14">
+            <p:contentPart p14:bwMode="auto" r:id="rId21">
+              <p14:nvContentPartPr>
+                <p14:cNvPr id="56" name="Ink 55">
+                  <a:extLst>
+                    <a:ext uri="{FF2B5EF4-FFF2-40B4-BE49-F238E27FC236}">
+                      <a16:creationId xmlns:a16="http://schemas.microsoft.com/office/drawing/2014/main" id="{7169393E-3CCB-F32C-B2B9-1759CCC0FF04}"/>
+                    </a:ext>
+                  </a:extLst>
+                </p14:cNvPr>
+                <p14:cNvContentPartPr/>
+                <p14:nvPr/>
+              </p14:nvContentPartPr>
+              <p14:xfrm>
+                <a:off x="2894920" y="4317760"/>
+                <a:ext cx="64080" cy="930240"/>
+              </p14:xfrm>
+            </p:contentPart>
+          </mc:Choice>
+          <mc:Fallback>
+            <p:pic>
+              <p:nvPicPr>
+                <p:cNvPr id="56" name="Ink 55">
+                  <a:extLst>
+                    <a:ext uri="{FF2B5EF4-FFF2-40B4-BE49-F238E27FC236}">
+                      <a16:creationId xmlns:a16="http://schemas.microsoft.com/office/drawing/2014/main" id="{7169393E-3CCB-F32C-B2B9-1759CCC0FF04}"/>
+                    </a:ext>
+                  </a:extLst>
+                </p:cNvPr>
+                <p:cNvPicPr/>
+                <p:nvPr/>
+              </p:nvPicPr>
+              <p:blipFill>
+                <a:blip r:embed="rId22"/>
+                <a:stretch>
+                  <a:fillRect/>
+                </a:stretch>
+              </p:blipFill>
+              <p:spPr>
+                <a:xfrm>
+                  <a:off x="2886280" y="4309120"/>
+                  <a:ext cx="81720" cy="947880"/>
+                </a:xfrm>
+                <a:prstGeom prst="rect">
+                  <a:avLst/>
+                </a:prstGeom>
+              </p:spPr>
+            </p:pic>
+          </mc:Fallback>
+        </mc:AlternateContent>
+        <mc:AlternateContent xmlns:mc="http://schemas.openxmlformats.org/markup-compatibility/2006">
+          <mc:Choice xmlns:p14="http://schemas.microsoft.com/office/powerpoint/2010/main" Requires="p14">
+            <p:contentPart p14:bwMode="auto" r:id="rId23">
+              <p14:nvContentPartPr>
+                <p14:cNvPr id="57" name="Ink 56">
+                  <a:extLst>
+                    <a:ext uri="{FF2B5EF4-FFF2-40B4-BE49-F238E27FC236}">
+                      <a16:creationId xmlns:a16="http://schemas.microsoft.com/office/drawing/2014/main" id="{8192F3AB-8186-0588-102D-9F87AAEBA7DA}"/>
+                    </a:ext>
+                  </a:extLst>
+                </p14:cNvPr>
+                <p14:cNvContentPartPr/>
+                <p14:nvPr/>
+              </p14:nvContentPartPr>
+              <p14:xfrm>
+                <a:off x="2782240" y="5120560"/>
+                <a:ext cx="240120" cy="157320"/>
+              </p14:xfrm>
+            </p:contentPart>
+          </mc:Choice>
+          <mc:Fallback>
+            <p:pic>
+              <p:nvPicPr>
+                <p:cNvPr id="57" name="Ink 56">
+                  <a:extLst>
+                    <a:ext uri="{FF2B5EF4-FFF2-40B4-BE49-F238E27FC236}">
+                      <a16:creationId xmlns:a16="http://schemas.microsoft.com/office/drawing/2014/main" id="{8192F3AB-8186-0588-102D-9F87AAEBA7DA}"/>
+                    </a:ext>
+                  </a:extLst>
+                </p:cNvPr>
+                <p:cNvPicPr/>
+                <p:nvPr/>
+              </p:nvPicPr>
+              <p:blipFill>
+                <a:blip r:embed="rId24"/>
+                <a:stretch>
+                  <a:fillRect/>
+                </a:stretch>
+              </p:blipFill>
+              <p:spPr>
+                <a:xfrm>
+                  <a:off x="2773600" y="5111560"/>
+                  <a:ext cx="257760" cy="174960"/>
+                </a:xfrm>
+                <a:prstGeom prst="rect">
+                  <a:avLst/>
+                </a:prstGeom>
+              </p:spPr>
+            </p:pic>
+          </mc:Fallback>
+        </mc:AlternateContent>
+      </p:grpSp>
+      <p:sp>
+        <p:nvSpPr>
+          <p:cNvPr id="59" name="Oval 58">
+            <a:extLst>
+              <a:ext uri="{FF2B5EF4-FFF2-40B4-BE49-F238E27FC236}">
+                <a16:creationId xmlns:a16="http://schemas.microsoft.com/office/drawing/2014/main" id="{6BD948D0-D36D-6DBA-F131-C32A721CE5CB}"/>
+              </a:ext>
+            </a:extLst>
+          </p:cNvPr>
+          <p:cNvSpPr/>
+          <p:nvPr/>
+        </p:nvSpPr>
+        <p:spPr>
+          <a:xfrm>
+            <a:off x="4307840" y="6202680"/>
+            <a:ext cx="1925320" cy="706120"/>
+          </a:xfrm>
+          <a:prstGeom prst="ellipse">
+            <a:avLst/>
+          </a:prstGeom>
+        </p:spPr>
+        <p:style>
+          <a:lnRef idx="2">
+            <a:schemeClr val="accent1">
+              <a:shade val="50000"/>
+            </a:schemeClr>
+          </a:lnRef>
+          <a:fillRef idx="1">
+            <a:schemeClr val="accent1"/>
+          </a:fillRef>
+          <a:effectRef idx="0">
+            <a:schemeClr val="accent1"/>
+          </a:effectRef>
+          <a:fontRef idx="minor">
+            <a:schemeClr val="lt1"/>
+          </a:fontRef>
+        </p:style>
+        <p:txBody>
+          <a:bodyPr rtlCol="0" anchor="ctr"/>
+          <a:lstStyle/>
+          <a:p>
+            <a:pPr algn="ctr"/>
+            <a:r>
+              <a:rPr lang="en-US" dirty="0"/>
+              <a:t>Database</a:t>
+            </a:r>
+          </a:p>
+        </p:txBody>
+      </p:sp>
+      <p:grpSp>
+        <p:nvGrpSpPr>
+          <p:cNvPr id="62" name="Group 61">
+            <a:extLst>
+              <a:ext uri="{FF2B5EF4-FFF2-40B4-BE49-F238E27FC236}">
+                <a16:creationId xmlns:a16="http://schemas.microsoft.com/office/drawing/2014/main" id="{AD08D90B-8AFD-CC2F-54CD-8AD9E669CFDD}"/>
+              </a:ext>
+            </a:extLst>
+          </p:cNvPr>
+          <p:cNvGrpSpPr/>
+          <p:nvPr/>
+        </p:nvGrpSpPr>
+        <p:grpSpPr>
+          <a:xfrm>
+            <a:off x="2753080" y="5872240"/>
+            <a:ext cx="1865520" cy="778680"/>
+            <a:chOff x="2753080" y="5872240"/>
+            <a:chExt cx="1865520" cy="778680"/>
+          </a:xfrm>
+        </p:grpSpPr>
+        <mc:AlternateContent xmlns:mc="http://schemas.openxmlformats.org/markup-compatibility/2006">
+          <mc:Choice xmlns:p14="http://schemas.microsoft.com/office/powerpoint/2010/main" Requires="p14">
+            <p:contentPart p14:bwMode="auto" r:id="rId25">
+              <p14:nvContentPartPr>
+                <p14:cNvPr id="60" name="Ink 59">
+                  <a:extLst>
+                    <a:ext uri="{FF2B5EF4-FFF2-40B4-BE49-F238E27FC236}">
+                      <a16:creationId xmlns:a16="http://schemas.microsoft.com/office/drawing/2014/main" id="{D416BCFE-DB72-0816-2CE6-4599E752E293}"/>
+                    </a:ext>
+                  </a:extLst>
+                </p14:cNvPr>
+                <p14:cNvContentPartPr/>
+                <p14:nvPr/>
+              </p14:nvContentPartPr>
+              <p14:xfrm>
+                <a:off x="2753080" y="5872240"/>
+                <a:ext cx="1800360" cy="652320"/>
+              </p14:xfrm>
+            </p:contentPart>
+          </mc:Choice>
+          <mc:Fallback>
+            <p:pic>
+              <p:nvPicPr>
+                <p:cNvPr id="60" name="Ink 59">
+                  <a:extLst>
+                    <a:ext uri="{FF2B5EF4-FFF2-40B4-BE49-F238E27FC236}">
+                      <a16:creationId xmlns:a16="http://schemas.microsoft.com/office/drawing/2014/main" id="{D416BCFE-DB72-0816-2CE6-4599E752E293}"/>
+                    </a:ext>
+                  </a:extLst>
+                </p:cNvPr>
+                <p:cNvPicPr/>
+                <p:nvPr/>
+              </p:nvPicPr>
+              <p:blipFill>
+                <a:blip r:embed="rId26"/>
+                <a:stretch>
+                  <a:fillRect/>
+                </a:stretch>
+              </p:blipFill>
+              <p:spPr>
+                <a:xfrm>
+                  <a:off x="2744080" y="5863240"/>
+                  <a:ext cx="1818000" cy="669960"/>
+                </a:xfrm>
+                <a:prstGeom prst="rect">
+                  <a:avLst/>
+                </a:prstGeom>
+              </p:spPr>
+            </p:pic>
+          </mc:Fallback>
+        </mc:AlternateContent>
+        <mc:AlternateContent xmlns:mc="http://schemas.openxmlformats.org/markup-compatibility/2006">
+          <mc:Choice xmlns:p14="http://schemas.microsoft.com/office/powerpoint/2010/main" Requires="p14">
+            <p:contentPart p14:bwMode="auto" r:id="rId27">
+              <p14:nvContentPartPr>
+                <p14:cNvPr id="61" name="Ink 60">
+                  <a:extLst>
+                    <a:ext uri="{FF2B5EF4-FFF2-40B4-BE49-F238E27FC236}">
+                      <a16:creationId xmlns:a16="http://schemas.microsoft.com/office/drawing/2014/main" id="{D57A3242-F7BC-E694-E5C7-47D38CD89F9C}"/>
+                    </a:ext>
+                  </a:extLst>
+                </p14:cNvPr>
+                <p14:cNvContentPartPr/>
+                <p14:nvPr/>
+              </p14:nvContentPartPr>
+              <p14:xfrm>
+                <a:off x="4379200" y="6288760"/>
+                <a:ext cx="239400" cy="362160"/>
+              </p14:xfrm>
+            </p:contentPart>
+          </mc:Choice>
+          <mc:Fallback>
+            <p:pic>
+              <p:nvPicPr>
+                <p:cNvPr id="61" name="Ink 60">
+                  <a:extLst>
+                    <a:ext uri="{FF2B5EF4-FFF2-40B4-BE49-F238E27FC236}">
+                      <a16:creationId xmlns:a16="http://schemas.microsoft.com/office/drawing/2014/main" id="{D57A3242-F7BC-E694-E5C7-47D38CD89F9C}"/>
+                    </a:ext>
+                  </a:extLst>
+                </p:cNvPr>
+                <p:cNvPicPr/>
+                <p:nvPr/>
+              </p:nvPicPr>
+              <p:blipFill>
+                <a:blip r:embed="rId28"/>
+                <a:stretch>
+                  <a:fillRect/>
+                </a:stretch>
+              </p:blipFill>
+              <p:spPr>
+                <a:xfrm>
+                  <a:off x="4370560" y="6280120"/>
+                  <a:ext cx="257040" cy="379800"/>
+                </a:xfrm>
+                <a:prstGeom prst="rect">
+                  <a:avLst/>
+                </a:prstGeom>
+              </p:spPr>
+            </p:pic>
+          </mc:Fallback>
+        </mc:AlternateContent>
+      </p:grpSp>
+      <mc:AlternateContent xmlns:mc="http://schemas.openxmlformats.org/markup-compatibility/2006">
+        <mc:Choice xmlns:p14="http://schemas.microsoft.com/office/powerpoint/2010/main" Requires="p14">
+          <p:contentPart p14:bwMode="auto" r:id="rId29">
+            <p14:nvContentPartPr>
+              <p14:cNvPr id="63" name="Ink 62">
+                <a:extLst>
+                  <a:ext uri="{FF2B5EF4-FFF2-40B4-BE49-F238E27FC236}">
+                    <a16:creationId xmlns:a16="http://schemas.microsoft.com/office/drawing/2014/main" id="{97FFDD4C-AD99-883C-4DF7-66C379D46A15}"/>
+                  </a:ext>
+                </a:extLst>
+              </p14:cNvPr>
+              <p14:cNvContentPartPr/>
+              <p14:nvPr/>
+            </p14:nvContentPartPr>
+            <p14:xfrm>
+              <a:off x="2783320" y="5647240"/>
+              <a:ext cx="5760" cy="297000"/>
+            </p14:xfrm>
+          </p:contentPart>
+        </mc:Choice>
+        <mc:Fallback>
+          <p:pic>
+            <p:nvPicPr>
+              <p:cNvPr id="63" name="Ink 62">
+                <a:extLst>
+                  <a:ext uri="{FF2B5EF4-FFF2-40B4-BE49-F238E27FC236}">
+                    <a16:creationId xmlns:a16="http://schemas.microsoft.com/office/drawing/2014/main" id="{97FFDD4C-AD99-883C-4DF7-66C379D46A15}"/>
+                  </a:ext>
+                </a:extLst>
+              </p:cNvPr>
+              <p:cNvPicPr/>
+              <p:nvPr/>
+            </p:nvPicPr>
+            <p:blipFill>
+              <a:blip r:embed="rId30"/>
+              <a:stretch>
+                <a:fillRect/>
+              </a:stretch>
+            </p:blipFill>
+            <p:spPr>
+              <a:xfrm>
+                <a:off x="2774320" y="5638240"/>
+                <a:ext cx="23400" cy="314640"/>
+              </a:xfrm>
+              <a:prstGeom prst="rect">
+                <a:avLst/>
+              </a:prstGeom>
+            </p:spPr>
+          </p:pic>
+        </mc:Fallback>
+      </mc:AlternateContent>
+      <p:grpSp>
+        <p:nvGrpSpPr>
+          <p:cNvPr id="77" name="Group 76">
+            <a:extLst>
+              <a:ext uri="{FF2B5EF4-FFF2-40B4-BE49-F238E27FC236}">
+                <a16:creationId xmlns:a16="http://schemas.microsoft.com/office/drawing/2014/main" id="{C45EBC5B-2919-75FE-CF11-21F63FBC0257}"/>
+              </a:ext>
+            </a:extLst>
+          </p:cNvPr>
+          <p:cNvGrpSpPr/>
+          <p:nvPr/>
+        </p:nvGrpSpPr>
+        <p:grpSpPr>
+          <a:xfrm>
+            <a:off x="3741640" y="5628160"/>
+            <a:ext cx="2191680" cy="1266120"/>
+            <a:chOff x="3741640" y="5628160"/>
+            <a:chExt cx="2191680" cy="1266120"/>
+          </a:xfrm>
+        </p:grpSpPr>
+        <mc:AlternateContent xmlns:mc="http://schemas.openxmlformats.org/markup-compatibility/2006">
+          <mc:Choice xmlns:p14="http://schemas.microsoft.com/office/powerpoint/2010/main" xmlns:aink="http://schemas.microsoft.com/office/drawing/2016/ink" Requires="p14 aink">
+            <p:contentPart p14:bwMode="auto" r:id="rId31">
+              <p14:nvContentPartPr>
+                <p14:cNvPr id="64" name="Ink 63">
+                  <a:extLst>
+                    <a:ext uri="{FF2B5EF4-FFF2-40B4-BE49-F238E27FC236}">
+                      <a16:creationId xmlns:a16="http://schemas.microsoft.com/office/drawing/2014/main" id="{21B23806-E282-015F-3C2E-5CA886C33497}"/>
+                    </a:ext>
+                  </a:extLst>
+                </p14:cNvPr>
+                <p14:cNvContentPartPr/>
+                <p14:nvPr/>
+              </p14:nvContentPartPr>
+              <p14:xfrm>
+                <a:off x="5079760" y="6575320"/>
+                <a:ext cx="686880" cy="280080"/>
+              </p14:xfrm>
+            </p:contentPart>
+          </mc:Choice>
+          <mc:Fallback>
+            <p:pic>
+              <p:nvPicPr>
+                <p:cNvPr id="64" name="Ink 63">
+                  <a:extLst>
+                    <a:ext uri="{FF2B5EF4-FFF2-40B4-BE49-F238E27FC236}">
+                      <a16:creationId xmlns:a16="http://schemas.microsoft.com/office/drawing/2014/main" id="{21B23806-E282-015F-3C2E-5CA886C33497}"/>
+                    </a:ext>
+                  </a:extLst>
+                </p:cNvPr>
+                <p:cNvPicPr/>
+                <p:nvPr/>
+              </p:nvPicPr>
+              <p:blipFill>
+                <a:blip r:embed="rId32"/>
+                <a:stretch>
+                  <a:fillRect/>
+                </a:stretch>
+              </p:blipFill>
+              <p:spPr>
+                <a:xfrm>
+                  <a:off x="5061760" y="6557320"/>
+                  <a:ext cx="722520" cy="315720"/>
+                </a:xfrm>
+                <a:prstGeom prst="rect">
+                  <a:avLst/>
+                </a:prstGeom>
+              </p:spPr>
+            </p:pic>
+          </mc:Fallback>
+        </mc:AlternateContent>
+        <mc:AlternateContent xmlns:mc="http://schemas.openxmlformats.org/markup-compatibility/2006">
+          <mc:Choice xmlns:p14="http://schemas.microsoft.com/office/powerpoint/2010/main" xmlns:aink="http://schemas.microsoft.com/office/drawing/2016/ink" Requires="p14 aink">
+            <p:contentPart p14:bwMode="auto" r:id="rId33">
+              <p14:nvContentPartPr>
+                <p14:cNvPr id="65" name="Ink 64">
+                  <a:extLst>
+                    <a:ext uri="{FF2B5EF4-FFF2-40B4-BE49-F238E27FC236}">
+                      <a16:creationId xmlns:a16="http://schemas.microsoft.com/office/drawing/2014/main" id="{3A09C0C0-8A6E-2CD8-D9BB-88DD44B65773}"/>
+                    </a:ext>
+                  </a:extLst>
+                </p14:cNvPr>
+                <p14:cNvContentPartPr/>
+                <p14:nvPr/>
+              </p14:nvContentPartPr>
+              <p14:xfrm>
+                <a:off x="5201440" y="6283000"/>
+                <a:ext cx="462960" cy="78840"/>
+              </p14:xfrm>
+            </p:contentPart>
+          </mc:Choice>
+          <mc:Fallback>
+            <p:pic>
+              <p:nvPicPr>
+                <p:cNvPr id="65" name="Ink 64">
+                  <a:extLst>
+                    <a:ext uri="{FF2B5EF4-FFF2-40B4-BE49-F238E27FC236}">
+                      <a16:creationId xmlns:a16="http://schemas.microsoft.com/office/drawing/2014/main" id="{3A09C0C0-8A6E-2CD8-D9BB-88DD44B65773}"/>
+                    </a:ext>
+                  </a:extLst>
+                </p:cNvPr>
+                <p:cNvPicPr/>
+                <p:nvPr/>
+              </p:nvPicPr>
+              <p:blipFill>
+                <a:blip r:embed="rId34"/>
+                <a:stretch>
+                  <a:fillRect/>
+                </a:stretch>
+              </p:blipFill>
+              <p:spPr>
+                <a:xfrm>
+                  <a:off x="5183800" y="6265000"/>
+                  <a:ext cx="498600" cy="114480"/>
+                </a:xfrm>
+                <a:prstGeom prst="rect">
+                  <a:avLst/>
+                </a:prstGeom>
+              </p:spPr>
+            </p:pic>
+          </mc:Fallback>
+        </mc:AlternateContent>
+        <mc:AlternateContent xmlns:mc="http://schemas.openxmlformats.org/markup-compatibility/2006">
+          <mc:Choice xmlns:p14="http://schemas.microsoft.com/office/powerpoint/2010/main" xmlns:aink="http://schemas.microsoft.com/office/drawing/2016/ink" Requires="p14 aink">
+            <p:contentPart p14:bwMode="auto" r:id="rId35">
+              <p14:nvContentPartPr>
+                <p14:cNvPr id="66" name="Ink 65">
+                  <a:extLst>
+                    <a:ext uri="{FF2B5EF4-FFF2-40B4-BE49-F238E27FC236}">
+                      <a16:creationId xmlns:a16="http://schemas.microsoft.com/office/drawing/2014/main" id="{D28337CD-9B46-844A-2074-731EE7F8B315}"/>
+                    </a:ext>
+                  </a:extLst>
+                </p14:cNvPr>
+                <p14:cNvContentPartPr/>
+                <p14:nvPr/>
+              </p14:nvContentPartPr>
+              <p14:xfrm>
+                <a:off x="4656760" y="6390640"/>
+                <a:ext cx="240840" cy="107280"/>
+              </p14:xfrm>
+            </p:contentPart>
+          </mc:Choice>
+          <mc:Fallback>
+            <p:pic>
+              <p:nvPicPr>
+                <p:cNvPr id="66" name="Ink 65">
+                  <a:extLst>
+                    <a:ext uri="{FF2B5EF4-FFF2-40B4-BE49-F238E27FC236}">
+                      <a16:creationId xmlns:a16="http://schemas.microsoft.com/office/drawing/2014/main" id="{D28337CD-9B46-844A-2074-731EE7F8B315}"/>
+                    </a:ext>
+                  </a:extLst>
+                </p:cNvPr>
+                <p:cNvPicPr/>
+                <p:nvPr/>
+              </p:nvPicPr>
+              <p:blipFill>
+                <a:blip r:embed="rId36"/>
+                <a:stretch>
+                  <a:fillRect/>
+                </a:stretch>
+              </p:blipFill>
+              <p:spPr>
+                <a:xfrm>
+                  <a:off x="4639120" y="6372640"/>
+                  <a:ext cx="276480" cy="142920"/>
+                </a:xfrm>
+                <a:prstGeom prst="rect">
+                  <a:avLst/>
+                </a:prstGeom>
+              </p:spPr>
+            </p:pic>
+          </mc:Fallback>
+        </mc:AlternateContent>
+        <mc:AlternateContent xmlns:mc="http://schemas.openxmlformats.org/markup-compatibility/2006">
+          <mc:Choice xmlns:p14="http://schemas.microsoft.com/office/powerpoint/2010/main" xmlns:aink="http://schemas.microsoft.com/office/drawing/2016/ink" Requires="p14 aink">
+            <p:contentPart p14:bwMode="auto" r:id="rId37">
+              <p14:nvContentPartPr>
+                <p14:cNvPr id="67" name="Ink 66">
+                  <a:extLst>
+                    <a:ext uri="{FF2B5EF4-FFF2-40B4-BE49-F238E27FC236}">
+                      <a16:creationId xmlns:a16="http://schemas.microsoft.com/office/drawing/2014/main" id="{CD6E1376-DF75-1808-86F5-4B160370B77C}"/>
+                    </a:ext>
+                  </a:extLst>
+                </p14:cNvPr>
+                <p14:cNvContentPartPr/>
+                <p14:nvPr/>
+              </p14:nvContentPartPr>
+              <p14:xfrm>
+                <a:off x="4698880" y="6614200"/>
+                <a:ext cx="103680" cy="142920"/>
+              </p14:xfrm>
+            </p:contentPart>
+          </mc:Choice>
+          <mc:Fallback>
+            <p:pic>
+              <p:nvPicPr>
+                <p:cNvPr id="67" name="Ink 66">
+                  <a:extLst>
+                    <a:ext uri="{FF2B5EF4-FFF2-40B4-BE49-F238E27FC236}">
+                      <a16:creationId xmlns:a16="http://schemas.microsoft.com/office/drawing/2014/main" id="{CD6E1376-DF75-1808-86F5-4B160370B77C}"/>
+                    </a:ext>
+                  </a:extLst>
+                </p:cNvPr>
+                <p:cNvPicPr/>
+                <p:nvPr/>
+              </p:nvPicPr>
+              <p:blipFill>
+                <a:blip r:embed="rId38"/>
+                <a:stretch>
+                  <a:fillRect/>
+                </a:stretch>
+              </p:blipFill>
+              <p:spPr>
+                <a:xfrm>
+                  <a:off x="4681240" y="6596560"/>
+                  <a:ext cx="139320" cy="178560"/>
+                </a:xfrm>
+                <a:prstGeom prst="rect">
+                  <a:avLst/>
+                </a:prstGeom>
+              </p:spPr>
+            </p:pic>
+          </mc:Fallback>
+        </mc:AlternateContent>
+        <mc:AlternateContent xmlns:mc="http://schemas.openxmlformats.org/markup-compatibility/2006">
+          <mc:Choice xmlns:p14="http://schemas.microsoft.com/office/powerpoint/2010/main" xmlns:aink="http://schemas.microsoft.com/office/drawing/2016/ink" Requires="p14 aink">
+            <p:contentPart p14:bwMode="auto" r:id="rId39">
+              <p14:nvContentPartPr>
+                <p14:cNvPr id="68" name="Ink 67">
+                  <a:extLst>
+                    <a:ext uri="{FF2B5EF4-FFF2-40B4-BE49-F238E27FC236}">
+                      <a16:creationId xmlns:a16="http://schemas.microsoft.com/office/drawing/2014/main" id="{3B07A06D-B3DE-2F50-512D-1999C9C54B1A}"/>
+                    </a:ext>
+                  </a:extLst>
+                </p14:cNvPr>
+                <p14:cNvContentPartPr/>
+                <p14:nvPr/>
+              </p14:nvContentPartPr>
+              <p14:xfrm>
+                <a:off x="4968160" y="6852880"/>
+                <a:ext cx="327960" cy="41400"/>
+              </p14:xfrm>
+            </p:contentPart>
+          </mc:Choice>
+          <mc:Fallback>
+            <p:pic>
+              <p:nvPicPr>
+                <p:cNvPr id="68" name="Ink 67">
+                  <a:extLst>
+                    <a:ext uri="{FF2B5EF4-FFF2-40B4-BE49-F238E27FC236}">
+                      <a16:creationId xmlns:a16="http://schemas.microsoft.com/office/drawing/2014/main" id="{3B07A06D-B3DE-2F50-512D-1999C9C54B1A}"/>
+                    </a:ext>
+                  </a:extLst>
+                </p:cNvPr>
+                <p:cNvPicPr/>
+                <p:nvPr/>
+              </p:nvPicPr>
+              <p:blipFill>
+                <a:blip r:embed="rId40"/>
+                <a:stretch>
+                  <a:fillRect/>
+                </a:stretch>
+              </p:blipFill>
+              <p:spPr>
+                <a:xfrm>
+                  <a:off x="4950520" y="6834880"/>
+                  <a:ext cx="363600" cy="77040"/>
+                </a:xfrm>
+                <a:prstGeom prst="rect">
+                  <a:avLst/>
+                </a:prstGeom>
+              </p:spPr>
+            </p:pic>
+          </mc:Fallback>
+        </mc:AlternateContent>
+        <mc:AlternateContent xmlns:mc="http://schemas.openxmlformats.org/markup-compatibility/2006">
+          <mc:Choice xmlns:p14="http://schemas.microsoft.com/office/powerpoint/2010/main" xmlns:aink="http://schemas.microsoft.com/office/drawing/2016/ink" Requires="p14 aink">
+            <p:contentPart p14:bwMode="auto" r:id="rId41">
+              <p14:nvContentPartPr>
+                <p14:cNvPr id="69" name="Ink 68">
+                  <a:extLst>
+                    <a:ext uri="{FF2B5EF4-FFF2-40B4-BE49-F238E27FC236}">
+                      <a16:creationId xmlns:a16="http://schemas.microsoft.com/office/drawing/2014/main" id="{2B07D7A9-750A-A736-B0B8-43428EEB9533}"/>
+                    </a:ext>
+                  </a:extLst>
+                </p14:cNvPr>
+                <p14:cNvContentPartPr/>
+                <p14:nvPr/>
+              </p14:nvContentPartPr>
+              <p14:xfrm>
+                <a:off x="5786080" y="6592960"/>
+                <a:ext cx="134280" cy="138240"/>
+              </p14:xfrm>
+            </p:contentPart>
+          </mc:Choice>
+          <mc:Fallback>
+            <p:pic>
+              <p:nvPicPr>
+                <p:cNvPr id="69" name="Ink 68">
+                  <a:extLst>
+                    <a:ext uri="{FF2B5EF4-FFF2-40B4-BE49-F238E27FC236}">
+                      <a16:creationId xmlns:a16="http://schemas.microsoft.com/office/drawing/2014/main" id="{2B07D7A9-750A-A736-B0B8-43428EEB9533}"/>
+                    </a:ext>
+                  </a:extLst>
+                </p:cNvPr>
+                <p:cNvPicPr/>
+                <p:nvPr/>
+              </p:nvPicPr>
+              <p:blipFill>
+                <a:blip r:embed="rId42"/>
+                <a:stretch>
+                  <a:fillRect/>
+                </a:stretch>
+              </p:blipFill>
+              <p:spPr>
+                <a:xfrm>
+                  <a:off x="5768440" y="6574960"/>
+                  <a:ext cx="169920" cy="173880"/>
+                </a:xfrm>
+                <a:prstGeom prst="rect">
+                  <a:avLst/>
+                </a:prstGeom>
+              </p:spPr>
+            </p:pic>
+          </mc:Fallback>
+        </mc:AlternateContent>
+        <mc:AlternateContent xmlns:mc="http://schemas.openxmlformats.org/markup-compatibility/2006">
+          <mc:Choice xmlns:p14="http://schemas.microsoft.com/office/powerpoint/2010/main" xmlns:aink="http://schemas.microsoft.com/office/drawing/2016/ink" Requires="p14 aink">
+            <p:contentPart p14:bwMode="auto" r:id="rId43">
+              <p14:nvContentPartPr>
+                <p14:cNvPr id="70" name="Ink 69">
+                  <a:extLst>
+                    <a:ext uri="{FF2B5EF4-FFF2-40B4-BE49-F238E27FC236}">
+                      <a16:creationId xmlns:a16="http://schemas.microsoft.com/office/drawing/2014/main" id="{A286F6A9-948F-8C66-B2A5-DEB36838F44A}"/>
+                    </a:ext>
+                  </a:extLst>
+                </p14:cNvPr>
+                <p14:cNvContentPartPr/>
+                <p14:nvPr/>
+              </p14:nvContentPartPr>
+              <p14:xfrm>
+                <a:off x="5859160" y="6383080"/>
+                <a:ext cx="74160" cy="83880"/>
+              </p14:xfrm>
+            </p:contentPart>
+          </mc:Choice>
+          <mc:Fallback>
+            <p:pic>
+              <p:nvPicPr>
+                <p:cNvPr id="70" name="Ink 69">
+                  <a:extLst>
+                    <a:ext uri="{FF2B5EF4-FFF2-40B4-BE49-F238E27FC236}">
+                      <a16:creationId xmlns:a16="http://schemas.microsoft.com/office/drawing/2014/main" id="{A286F6A9-948F-8C66-B2A5-DEB36838F44A}"/>
+                    </a:ext>
+                  </a:extLst>
+                </p:cNvPr>
+                <p:cNvPicPr/>
+                <p:nvPr/>
+              </p:nvPicPr>
+              <p:blipFill>
+                <a:blip r:embed="rId44"/>
+                <a:stretch>
+                  <a:fillRect/>
+                </a:stretch>
+              </p:blipFill>
+              <p:spPr>
+                <a:xfrm>
+                  <a:off x="5841160" y="6365440"/>
+                  <a:ext cx="109800" cy="119520"/>
+                </a:xfrm>
+                <a:prstGeom prst="rect">
+                  <a:avLst/>
+                </a:prstGeom>
+              </p:spPr>
+            </p:pic>
+          </mc:Fallback>
+        </mc:AlternateContent>
+        <mc:AlternateContent xmlns:mc="http://schemas.openxmlformats.org/markup-compatibility/2006">
+          <mc:Choice xmlns:p14="http://schemas.microsoft.com/office/powerpoint/2010/main" xmlns:aink="http://schemas.microsoft.com/office/drawing/2016/ink" Requires="p14 aink">
+            <p:contentPart p14:bwMode="auto" r:id="rId45">
+              <p14:nvContentPartPr>
+                <p14:cNvPr id="72" name="Ink 71">
+                  <a:extLst>
+                    <a:ext uri="{FF2B5EF4-FFF2-40B4-BE49-F238E27FC236}">
+                      <a16:creationId xmlns:a16="http://schemas.microsoft.com/office/drawing/2014/main" id="{3C9BF2F1-A79C-4E4F-8C6A-B6CF63D97575}"/>
+                    </a:ext>
+                  </a:extLst>
+                </p14:cNvPr>
+                <p14:cNvContentPartPr/>
+                <p14:nvPr/>
+              </p14:nvContentPartPr>
+              <p14:xfrm>
+                <a:off x="3915880" y="5641480"/>
+                <a:ext cx="1397880" cy="698400"/>
+              </p14:xfrm>
+            </p:contentPart>
+          </mc:Choice>
+          <mc:Fallback>
+            <p:pic>
+              <p:nvPicPr>
+                <p:cNvPr id="72" name="Ink 71">
+                  <a:extLst>
+                    <a:ext uri="{FF2B5EF4-FFF2-40B4-BE49-F238E27FC236}">
+                      <a16:creationId xmlns:a16="http://schemas.microsoft.com/office/drawing/2014/main" id="{3C9BF2F1-A79C-4E4F-8C6A-B6CF63D97575}"/>
+                    </a:ext>
+                  </a:extLst>
+                </p:cNvPr>
+                <p:cNvPicPr/>
+                <p:nvPr/>
+              </p:nvPicPr>
+              <p:blipFill>
+                <a:blip r:embed="rId46"/>
+                <a:stretch>
+                  <a:fillRect/>
+                </a:stretch>
+              </p:blipFill>
+              <p:spPr>
+                <a:xfrm>
+                  <a:off x="3898240" y="5623840"/>
+                  <a:ext cx="1433520" cy="734040"/>
+                </a:xfrm>
+                <a:prstGeom prst="rect">
+                  <a:avLst/>
+                </a:prstGeom>
+              </p:spPr>
+            </p:pic>
+          </mc:Fallback>
+        </mc:AlternateContent>
+        <mc:AlternateContent xmlns:mc="http://schemas.openxmlformats.org/markup-compatibility/2006">
+          <mc:Choice xmlns:p14="http://schemas.microsoft.com/office/powerpoint/2010/main" xmlns:aink="http://schemas.microsoft.com/office/drawing/2016/ink" Requires="p14 aink">
+            <p:contentPart p14:bwMode="auto" r:id="rId47">
+              <p14:nvContentPartPr>
+                <p14:cNvPr id="74" name="Ink 73">
+                  <a:extLst>
+                    <a:ext uri="{FF2B5EF4-FFF2-40B4-BE49-F238E27FC236}">
+                      <a16:creationId xmlns:a16="http://schemas.microsoft.com/office/drawing/2014/main" id="{B41D7CCE-05D4-D546-5C28-9E41ADB9625D}"/>
+                    </a:ext>
+                  </a:extLst>
+                </p14:cNvPr>
+                <p14:cNvContentPartPr/>
+                <p14:nvPr/>
+              </p14:nvContentPartPr>
+              <p14:xfrm>
+                <a:off x="3741640" y="5628160"/>
+                <a:ext cx="180360" cy="116640"/>
+              </p14:xfrm>
+            </p:contentPart>
+          </mc:Choice>
+          <mc:Fallback>
+            <p:pic>
+              <p:nvPicPr>
+                <p:cNvPr id="74" name="Ink 73">
+                  <a:extLst>
+                    <a:ext uri="{FF2B5EF4-FFF2-40B4-BE49-F238E27FC236}">
+                      <a16:creationId xmlns:a16="http://schemas.microsoft.com/office/drawing/2014/main" id="{B41D7CCE-05D4-D546-5C28-9E41ADB9625D}"/>
+                    </a:ext>
+                  </a:extLst>
+                </p:cNvPr>
+                <p:cNvPicPr/>
+                <p:nvPr/>
+              </p:nvPicPr>
+              <p:blipFill>
+                <a:blip r:embed="rId48"/>
+                <a:stretch>
+                  <a:fillRect/>
+                </a:stretch>
+              </p:blipFill>
+              <p:spPr>
+                <a:xfrm>
+                  <a:off x="3724000" y="5610520"/>
+                  <a:ext cx="216000" cy="152280"/>
+                </a:xfrm>
+                <a:prstGeom prst="rect">
+                  <a:avLst/>
+                </a:prstGeom>
+              </p:spPr>
+            </p:pic>
+          </mc:Fallback>
+        </mc:AlternateContent>
+        <mc:AlternateContent xmlns:mc="http://schemas.openxmlformats.org/markup-compatibility/2006">
+          <mc:Choice xmlns:p14="http://schemas.microsoft.com/office/powerpoint/2010/main" xmlns:aink="http://schemas.microsoft.com/office/drawing/2016/ink" Requires="p14 aink">
+            <p:contentPart p14:bwMode="auto" r:id="rId49">
+              <p14:nvContentPartPr>
+                <p14:cNvPr id="76" name="Ink 75">
+                  <a:extLst>
+                    <a:ext uri="{FF2B5EF4-FFF2-40B4-BE49-F238E27FC236}">
+                      <a16:creationId xmlns:a16="http://schemas.microsoft.com/office/drawing/2014/main" id="{85E07813-A4E6-A23A-A4E6-E7B1C1E8ECBA}"/>
+                    </a:ext>
+                  </a:extLst>
+                </p14:cNvPr>
+                <p14:cNvContentPartPr/>
+                <p14:nvPr/>
+              </p14:nvContentPartPr>
+              <p14:xfrm>
+                <a:off x="3936760" y="5653720"/>
+                <a:ext cx="168840" cy="141120"/>
+              </p14:xfrm>
+            </p:contentPart>
+          </mc:Choice>
+          <mc:Fallback>
+            <p:pic>
+              <p:nvPicPr>
+                <p:cNvPr id="76" name="Ink 75">
+                  <a:extLst>
+                    <a:ext uri="{FF2B5EF4-FFF2-40B4-BE49-F238E27FC236}">
+                      <a16:creationId xmlns:a16="http://schemas.microsoft.com/office/drawing/2014/main" id="{85E07813-A4E6-A23A-A4E6-E7B1C1E8ECBA}"/>
+                    </a:ext>
+                  </a:extLst>
+                </p:cNvPr>
+                <p:cNvPicPr/>
+                <p:nvPr/>
+              </p:nvPicPr>
+              <p:blipFill>
+                <a:blip r:embed="rId50"/>
+                <a:stretch>
+                  <a:fillRect/>
+                </a:stretch>
+              </p:blipFill>
+              <p:spPr>
+                <a:xfrm>
+                  <a:off x="3918760" y="5636080"/>
+                  <a:ext cx="204480" cy="176760"/>
+                </a:xfrm>
+                <a:prstGeom prst="rect">
+                  <a:avLst/>
+                </a:prstGeom>
+              </p:spPr>
+            </p:pic>
+          </mc:Fallback>
+        </mc:AlternateContent>
+      </p:grpSp>
+      <p:grpSp>
+        <p:nvGrpSpPr>
+          <p:cNvPr id="82" name="Group 81">
+            <a:extLst>
+              <a:ext uri="{FF2B5EF4-FFF2-40B4-BE49-F238E27FC236}">
+                <a16:creationId xmlns:a16="http://schemas.microsoft.com/office/drawing/2014/main" id="{4214D741-B846-837F-D0A8-E286BA9B64A9}"/>
+              </a:ext>
+            </a:extLst>
+          </p:cNvPr>
+          <p:cNvGrpSpPr/>
+          <p:nvPr/>
+        </p:nvGrpSpPr>
+        <p:grpSpPr>
+          <a:xfrm>
+            <a:off x="3162760" y="4261600"/>
+            <a:ext cx="574560" cy="879480"/>
+            <a:chOff x="3162760" y="4261600"/>
+            <a:chExt cx="574560" cy="879480"/>
+          </a:xfrm>
+        </p:grpSpPr>
+        <mc:AlternateContent xmlns:mc="http://schemas.openxmlformats.org/markup-compatibility/2006">
+          <mc:Choice xmlns:p14="http://schemas.microsoft.com/office/powerpoint/2010/main" xmlns:aink="http://schemas.microsoft.com/office/drawing/2016/ink" Requires="p14 aink">
+            <p:contentPart p14:bwMode="auto" r:id="rId51">
+              <p14:nvContentPartPr>
+                <p14:cNvPr id="78" name="Ink 77">
+                  <a:extLst>
+                    <a:ext uri="{FF2B5EF4-FFF2-40B4-BE49-F238E27FC236}">
+                      <a16:creationId xmlns:a16="http://schemas.microsoft.com/office/drawing/2014/main" id="{926E1ED7-FF38-AAAC-A8E5-613C11C2A131}"/>
+                    </a:ext>
+                  </a:extLst>
+                </p14:cNvPr>
+                <p14:cNvContentPartPr/>
+                <p14:nvPr/>
+              </p14:nvContentPartPr>
+              <p14:xfrm>
+                <a:off x="3415120" y="4327840"/>
+                <a:ext cx="74880" cy="813240"/>
+              </p14:xfrm>
+            </p:contentPart>
+          </mc:Choice>
+          <mc:Fallback>
+            <p:pic>
+              <p:nvPicPr>
+                <p:cNvPr id="78" name="Ink 77">
+                  <a:extLst>
+                    <a:ext uri="{FF2B5EF4-FFF2-40B4-BE49-F238E27FC236}">
+                      <a16:creationId xmlns:a16="http://schemas.microsoft.com/office/drawing/2014/main" id="{926E1ED7-FF38-AAAC-A8E5-613C11C2A131}"/>
+                    </a:ext>
+                  </a:extLst>
+                </p:cNvPr>
+                <p:cNvPicPr/>
+                <p:nvPr/>
+              </p:nvPicPr>
+              <p:blipFill>
+                <a:blip r:embed="rId52"/>
+                <a:stretch>
+                  <a:fillRect/>
+                </a:stretch>
+              </p:blipFill>
+              <p:spPr>
+                <a:xfrm>
+                  <a:off x="3397480" y="4309840"/>
+                  <a:ext cx="110520" cy="848880"/>
+                </a:xfrm>
+                <a:prstGeom prst="rect">
+                  <a:avLst/>
+                </a:prstGeom>
+              </p:spPr>
+            </p:pic>
+          </mc:Fallback>
+        </mc:AlternateContent>
+        <mc:AlternateContent xmlns:mc="http://schemas.openxmlformats.org/markup-compatibility/2006">
+          <mc:Choice xmlns:p14="http://schemas.microsoft.com/office/powerpoint/2010/main" xmlns:aink="http://schemas.microsoft.com/office/drawing/2016/ink" Requires="p14 aink">
+            <p:contentPart p14:bwMode="auto" r:id="rId53">
+              <p14:nvContentPartPr>
+                <p14:cNvPr id="79" name="Ink 78">
+                  <a:extLst>
+                    <a:ext uri="{FF2B5EF4-FFF2-40B4-BE49-F238E27FC236}">
+                      <a16:creationId xmlns:a16="http://schemas.microsoft.com/office/drawing/2014/main" id="{479E15A7-C716-8F12-7DF8-36DAE93077F0}"/>
+                    </a:ext>
+                  </a:extLst>
+                </p14:cNvPr>
+                <p14:cNvContentPartPr/>
+                <p14:nvPr/>
+              </p14:nvContentPartPr>
+              <p14:xfrm>
+                <a:off x="3401080" y="4316680"/>
+                <a:ext cx="12600" cy="9000"/>
+              </p14:xfrm>
+            </p:contentPart>
+          </mc:Choice>
+          <mc:Fallback>
+            <p:pic>
+              <p:nvPicPr>
+                <p:cNvPr id="79" name="Ink 78">
+                  <a:extLst>
+                    <a:ext uri="{FF2B5EF4-FFF2-40B4-BE49-F238E27FC236}">
+                      <a16:creationId xmlns:a16="http://schemas.microsoft.com/office/drawing/2014/main" id="{479E15A7-C716-8F12-7DF8-36DAE93077F0}"/>
+                    </a:ext>
+                  </a:extLst>
+                </p:cNvPr>
+                <p:cNvPicPr/>
+                <p:nvPr/>
+              </p:nvPicPr>
+              <p:blipFill>
+                <a:blip r:embed="rId54"/>
+                <a:stretch>
+                  <a:fillRect/>
+                </a:stretch>
+              </p:blipFill>
+              <p:spPr>
+                <a:xfrm>
+                  <a:off x="3383440" y="4299040"/>
+                  <a:ext cx="48240" cy="44640"/>
+                </a:xfrm>
+                <a:prstGeom prst="rect">
+                  <a:avLst/>
+                </a:prstGeom>
+              </p:spPr>
+            </p:pic>
+          </mc:Fallback>
+        </mc:AlternateContent>
+        <mc:AlternateContent xmlns:mc="http://schemas.openxmlformats.org/markup-compatibility/2006">
+          <mc:Choice xmlns:p14="http://schemas.microsoft.com/office/powerpoint/2010/main" xmlns:aink="http://schemas.microsoft.com/office/drawing/2016/ink" Requires="p14 aink">
+            <p:contentPart p14:bwMode="auto" r:id="rId55">
+              <p14:nvContentPartPr>
+                <p14:cNvPr id="80" name="Ink 79">
+                  <a:extLst>
+                    <a:ext uri="{FF2B5EF4-FFF2-40B4-BE49-F238E27FC236}">
+                      <a16:creationId xmlns:a16="http://schemas.microsoft.com/office/drawing/2014/main" id="{EF0242D6-8435-D111-10C6-84CBA4CD54F0}"/>
+                    </a:ext>
+                  </a:extLst>
+                </p14:cNvPr>
+                <p14:cNvContentPartPr/>
+                <p14:nvPr/>
+              </p14:nvContentPartPr>
+              <p14:xfrm>
+                <a:off x="3162760" y="4302640"/>
+                <a:ext cx="220680" cy="111960"/>
+              </p14:xfrm>
+            </p:contentPart>
+          </mc:Choice>
+          <mc:Fallback>
+            <p:pic>
+              <p:nvPicPr>
+                <p:cNvPr id="80" name="Ink 79">
+                  <a:extLst>
+                    <a:ext uri="{FF2B5EF4-FFF2-40B4-BE49-F238E27FC236}">
+                      <a16:creationId xmlns:a16="http://schemas.microsoft.com/office/drawing/2014/main" id="{EF0242D6-8435-D111-10C6-84CBA4CD54F0}"/>
+                    </a:ext>
+                  </a:extLst>
+                </p:cNvPr>
+                <p:cNvPicPr/>
+                <p:nvPr/>
+              </p:nvPicPr>
+              <p:blipFill>
+                <a:blip r:embed="rId56"/>
+                <a:stretch>
+                  <a:fillRect/>
+                </a:stretch>
+              </p:blipFill>
+              <p:spPr>
+                <a:xfrm>
+                  <a:off x="3145120" y="4284640"/>
+                  <a:ext cx="256320" cy="147600"/>
+                </a:xfrm>
+                <a:prstGeom prst="rect">
+                  <a:avLst/>
+                </a:prstGeom>
+              </p:spPr>
+            </p:pic>
+          </mc:Fallback>
+        </mc:AlternateContent>
+        <mc:AlternateContent xmlns:mc="http://schemas.openxmlformats.org/markup-compatibility/2006">
+          <mc:Choice xmlns:p14="http://schemas.microsoft.com/office/powerpoint/2010/main" xmlns:aink="http://schemas.microsoft.com/office/drawing/2016/ink" Requires="p14 aink">
+            <p:contentPart p14:bwMode="auto" r:id="rId57">
+              <p14:nvContentPartPr>
+                <p14:cNvPr id="81" name="Ink 80">
+                  <a:extLst>
+                    <a:ext uri="{FF2B5EF4-FFF2-40B4-BE49-F238E27FC236}">
+                      <a16:creationId xmlns:a16="http://schemas.microsoft.com/office/drawing/2014/main" id="{9E3EB1A9-0F58-2935-3EDE-093C298F0E09}"/>
+                    </a:ext>
+                  </a:extLst>
+                </p14:cNvPr>
+                <p14:cNvContentPartPr/>
+                <p14:nvPr/>
+              </p14:nvContentPartPr>
+              <p14:xfrm>
+                <a:off x="3448960" y="4261600"/>
+                <a:ext cx="288360" cy="330120"/>
+              </p14:xfrm>
+            </p:contentPart>
+          </mc:Choice>
+          <mc:Fallback>
+            <p:pic>
+              <p:nvPicPr>
+                <p:cNvPr id="81" name="Ink 80">
+                  <a:extLst>
+                    <a:ext uri="{FF2B5EF4-FFF2-40B4-BE49-F238E27FC236}">
+                      <a16:creationId xmlns:a16="http://schemas.microsoft.com/office/drawing/2014/main" id="{9E3EB1A9-0F58-2935-3EDE-093C298F0E09}"/>
+                    </a:ext>
+                  </a:extLst>
+                </p:cNvPr>
+                <p:cNvPicPr/>
+                <p:nvPr/>
+              </p:nvPicPr>
+              <p:blipFill>
+                <a:blip r:embed="rId58"/>
+                <a:stretch>
+                  <a:fillRect/>
+                </a:stretch>
+              </p:blipFill>
+              <p:spPr>
+                <a:xfrm>
+                  <a:off x="3431320" y="4243960"/>
+                  <a:ext cx="324000" cy="365760"/>
+                </a:xfrm>
+                <a:prstGeom prst="rect">
+                  <a:avLst/>
+                </a:prstGeom>
+              </p:spPr>
+            </p:pic>
+          </mc:Fallback>
+        </mc:AlternateContent>
+      </p:grpSp>
+      <p:grpSp>
+        <p:nvGrpSpPr>
+          <p:cNvPr id="101" name="Group 100">
+            <a:extLst>
+              <a:ext uri="{FF2B5EF4-FFF2-40B4-BE49-F238E27FC236}">
+                <a16:creationId xmlns:a16="http://schemas.microsoft.com/office/drawing/2014/main" id="{1301007B-DE2F-15EB-7EDC-CE8A12DB37A8}"/>
+              </a:ext>
+            </a:extLst>
+          </p:cNvPr>
+          <p:cNvGrpSpPr/>
+          <p:nvPr/>
+        </p:nvGrpSpPr>
+        <p:grpSpPr>
+          <a:xfrm>
+            <a:off x="3037120" y="1950400"/>
+            <a:ext cx="2550240" cy="1920960"/>
+            <a:chOff x="3037120" y="1950400"/>
+            <a:chExt cx="2550240" cy="1920960"/>
+          </a:xfrm>
+        </p:grpSpPr>
+        <mc:AlternateContent xmlns:mc="http://schemas.openxmlformats.org/markup-compatibility/2006">
+          <mc:Choice xmlns:p14="http://schemas.microsoft.com/office/powerpoint/2010/main" xmlns:aink="http://schemas.microsoft.com/office/drawing/2016/ink" Requires="p14 aink">
+            <p:contentPart p14:bwMode="auto" r:id="rId59">
+              <p14:nvContentPartPr>
+                <p14:cNvPr id="83" name="Ink 82">
+                  <a:extLst>
+                    <a:ext uri="{FF2B5EF4-FFF2-40B4-BE49-F238E27FC236}">
+                      <a16:creationId xmlns:a16="http://schemas.microsoft.com/office/drawing/2014/main" id="{775A4281-F518-C3CB-A9A5-426A36F9476C}"/>
+                    </a:ext>
+                  </a:extLst>
+                </p14:cNvPr>
+                <p14:cNvContentPartPr/>
+                <p14:nvPr/>
+              </p14:nvContentPartPr>
+              <p14:xfrm>
+                <a:off x="3250960" y="3031840"/>
+                <a:ext cx="101880" cy="839520"/>
+              </p14:xfrm>
+            </p:contentPart>
+          </mc:Choice>
+          <mc:Fallback>
+            <p:pic>
+              <p:nvPicPr>
+                <p:cNvPr id="83" name="Ink 82">
+                  <a:extLst>
+                    <a:ext uri="{FF2B5EF4-FFF2-40B4-BE49-F238E27FC236}">
+                      <a16:creationId xmlns:a16="http://schemas.microsoft.com/office/drawing/2014/main" id="{775A4281-F518-C3CB-A9A5-426A36F9476C}"/>
+                    </a:ext>
+                  </a:extLst>
+                </p:cNvPr>
+                <p:cNvPicPr/>
+                <p:nvPr/>
+              </p:nvPicPr>
+              <p:blipFill>
+                <a:blip r:embed="rId60"/>
+                <a:stretch>
+                  <a:fillRect/>
+                </a:stretch>
+              </p:blipFill>
+              <p:spPr>
+                <a:xfrm>
+                  <a:off x="3233320" y="3014200"/>
+                  <a:ext cx="137520" cy="875160"/>
+                </a:xfrm>
+                <a:prstGeom prst="rect">
+                  <a:avLst/>
+                </a:prstGeom>
+              </p:spPr>
+            </p:pic>
+          </mc:Fallback>
+        </mc:AlternateContent>
+        <mc:AlternateContent xmlns:mc="http://schemas.openxmlformats.org/markup-compatibility/2006">
+          <mc:Choice xmlns:p14="http://schemas.microsoft.com/office/powerpoint/2010/main" xmlns:aink="http://schemas.microsoft.com/office/drawing/2016/ink" Requires="p14 aink">
+            <p:contentPart p14:bwMode="auto" r:id="rId61">
+              <p14:nvContentPartPr>
+                <p14:cNvPr id="84" name="Ink 83">
+                  <a:extLst>
+                    <a:ext uri="{FF2B5EF4-FFF2-40B4-BE49-F238E27FC236}">
+                      <a16:creationId xmlns:a16="http://schemas.microsoft.com/office/drawing/2014/main" id="{2776AEC4-4D50-8C08-0301-B67B0FCCBB7C}"/>
+                    </a:ext>
+                  </a:extLst>
+                </p14:cNvPr>
+                <p14:cNvContentPartPr/>
+                <p14:nvPr/>
+              </p14:nvContentPartPr>
+              <p14:xfrm>
+                <a:off x="3037120" y="3012400"/>
+                <a:ext cx="193680" cy="173520"/>
+              </p14:xfrm>
+            </p:contentPart>
+          </mc:Choice>
+          <mc:Fallback>
+            <p:pic>
+              <p:nvPicPr>
+                <p:cNvPr id="84" name="Ink 83">
+                  <a:extLst>
+                    <a:ext uri="{FF2B5EF4-FFF2-40B4-BE49-F238E27FC236}">
+                      <a16:creationId xmlns:a16="http://schemas.microsoft.com/office/drawing/2014/main" id="{2776AEC4-4D50-8C08-0301-B67B0FCCBB7C}"/>
+                    </a:ext>
+                  </a:extLst>
+                </p:cNvPr>
+                <p:cNvPicPr/>
+                <p:nvPr/>
+              </p:nvPicPr>
+              <p:blipFill>
+                <a:blip r:embed="rId62"/>
+                <a:stretch>
+                  <a:fillRect/>
+                </a:stretch>
+              </p:blipFill>
+              <p:spPr>
+                <a:xfrm>
+                  <a:off x="3019480" y="2994400"/>
+                  <a:ext cx="229320" cy="209160"/>
+                </a:xfrm>
+                <a:prstGeom prst="rect">
+                  <a:avLst/>
+                </a:prstGeom>
+              </p:spPr>
+            </p:pic>
+          </mc:Fallback>
+        </mc:AlternateContent>
+        <mc:AlternateContent xmlns:mc="http://schemas.openxmlformats.org/markup-compatibility/2006">
+          <mc:Choice xmlns:p14="http://schemas.microsoft.com/office/powerpoint/2010/main" xmlns:aink="http://schemas.microsoft.com/office/drawing/2016/ink" Requires="p14 aink">
+            <p:contentPart p14:bwMode="auto" r:id="rId63">
+              <p14:nvContentPartPr>
+                <p14:cNvPr id="86" name="Ink 85">
+                  <a:extLst>
+                    <a:ext uri="{FF2B5EF4-FFF2-40B4-BE49-F238E27FC236}">
+                      <a16:creationId xmlns:a16="http://schemas.microsoft.com/office/drawing/2014/main" id="{9E57F38B-ACD5-2E29-288E-F82FFC7279F9}"/>
+                    </a:ext>
+                  </a:extLst>
+                </p14:cNvPr>
+                <p14:cNvContentPartPr/>
+                <p14:nvPr/>
+              </p14:nvContentPartPr>
+              <p14:xfrm>
+                <a:off x="3245920" y="2981440"/>
+                <a:ext cx="224640" cy="155520"/>
+              </p14:xfrm>
+            </p:contentPart>
+          </mc:Choice>
+          <mc:Fallback>
+            <p:pic>
+              <p:nvPicPr>
+                <p:cNvPr id="86" name="Ink 85">
+                  <a:extLst>
+                    <a:ext uri="{FF2B5EF4-FFF2-40B4-BE49-F238E27FC236}">
+                      <a16:creationId xmlns:a16="http://schemas.microsoft.com/office/drawing/2014/main" id="{9E57F38B-ACD5-2E29-288E-F82FFC7279F9}"/>
+                    </a:ext>
+                  </a:extLst>
+                </p:cNvPr>
+                <p:cNvPicPr/>
+                <p:nvPr/>
+              </p:nvPicPr>
+              <p:blipFill>
+                <a:blip r:embed="rId64"/>
+                <a:stretch>
+                  <a:fillRect/>
+                </a:stretch>
+              </p:blipFill>
+              <p:spPr>
+                <a:xfrm>
+                  <a:off x="3228280" y="2963800"/>
+                  <a:ext cx="260280" cy="191160"/>
+                </a:xfrm>
+                <a:prstGeom prst="rect">
+                  <a:avLst/>
+                </a:prstGeom>
+              </p:spPr>
+            </p:pic>
+          </mc:Fallback>
+        </mc:AlternateContent>
+        <mc:AlternateContent xmlns:mc="http://schemas.openxmlformats.org/markup-compatibility/2006">
+          <mc:Choice xmlns:p14="http://schemas.microsoft.com/office/powerpoint/2010/main" xmlns:aink="http://schemas.microsoft.com/office/drawing/2016/ink" Requires="p14 aink">
+            <p:contentPart p14:bwMode="auto" r:id="rId65">
+              <p14:nvContentPartPr>
+                <p14:cNvPr id="88" name="Ink 87">
+                  <a:extLst>
+                    <a:ext uri="{FF2B5EF4-FFF2-40B4-BE49-F238E27FC236}">
+                      <a16:creationId xmlns:a16="http://schemas.microsoft.com/office/drawing/2014/main" id="{C20AFB0D-6F93-A1F3-03A3-21F5C0EC24E8}"/>
+                    </a:ext>
+                  </a:extLst>
+                </p14:cNvPr>
+                <p14:cNvContentPartPr/>
+                <p14:nvPr/>
+              </p14:nvContentPartPr>
+              <p14:xfrm>
+                <a:off x="3185080" y="2099440"/>
+                <a:ext cx="312480" cy="826560"/>
+              </p14:xfrm>
+            </p:contentPart>
+          </mc:Choice>
+          <mc:Fallback>
+            <p:pic>
+              <p:nvPicPr>
+                <p:cNvPr id="88" name="Ink 87">
+                  <a:extLst>
+                    <a:ext uri="{FF2B5EF4-FFF2-40B4-BE49-F238E27FC236}">
+                      <a16:creationId xmlns:a16="http://schemas.microsoft.com/office/drawing/2014/main" id="{C20AFB0D-6F93-A1F3-03A3-21F5C0EC24E8}"/>
+                    </a:ext>
+                  </a:extLst>
+                </p:cNvPr>
+                <p:cNvPicPr/>
+                <p:nvPr/>
+              </p:nvPicPr>
+              <p:blipFill>
+                <a:blip r:embed="rId66"/>
+                <a:stretch>
+                  <a:fillRect/>
+                </a:stretch>
+              </p:blipFill>
+              <p:spPr>
+                <a:xfrm>
+                  <a:off x="3167080" y="2081800"/>
+                  <a:ext cx="348120" cy="862200"/>
+                </a:xfrm>
+                <a:prstGeom prst="rect">
+                  <a:avLst/>
+                </a:prstGeom>
+              </p:spPr>
+            </p:pic>
+          </mc:Fallback>
+        </mc:AlternateContent>
+        <mc:AlternateContent xmlns:mc="http://schemas.openxmlformats.org/markup-compatibility/2006">
+          <mc:Choice xmlns:p14="http://schemas.microsoft.com/office/powerpoint/2010/main" xmlns:aink="http://schemas.microsoft.com/office/drawing/2016/ink" Requires="p14 aink">
+            <p:contentPart p14:bwMode="auto" r:id="rId67">
+              <p14:nvContentPartPr>
+                <p14:cNvPr id="89" name="Ink 88">
+                  <a:extLst>
+                    <a:ext uri="{FF2B5EF4-FFF2-40B4-BE49-F238E27FC236}">
+                      <a16:creationId xmlns:a16="http://schemas.microsoft.com/office/drawing/2014/main" id="{1B66E5A4-BD04-EF2A-E68D-3F64C690EBAF}"/>
+                    </a:ext>
+                  </a:extLst>
+                </p14:cNvPr>
+                <p14:cNvContentPartPr/>
+                <p14:nvPr/>
+              </p14:nvContentPartPr>
+              <p14:xfrm>
+                <a:off x="3367960" y="2042200"/>
+                <a:ext cx="247320" cy="239040"/>
+              </p14:xfrm>
+            </p:contentPart>
+          </mc:Choice>
+          <mc:Fallback>
+            <p:pic>
+              <p:nvPicPr>
+                <p:cNvPr id="89" name="Ink 88">
+                  <a:extLst>
+                    <a:ext uri="{FF2B5EF4-FFF2-40B4-BE49-F238E27FC236}">
+                      <a16:creationId xmlns:a16="http://schemas.microsoft.com/office/drawing/2014/main" id="{1B66E5A4-BD04-EF2A-E68D-3F64C690EBAF}"/>
+                    </a:ext>
+                  </a:extLst>
+                </p:cNvPr>
+                <p:cNvPicPr/>
+                <p:nvPr/>
+              </p:nvPicPr>
+              <p:blipFill>
+                <a:blip r:embed="rId68"/>
+                <a:stretch>
+                  <a:fillRect/>
+                </a:stretch>
+              </p:blipFill>
+              <p:spPr>
+                <a:xfrm>
+                  <a:off x="3349960" y="2024560"/>
+                  <a:ext cx="282960" cy="274680"/>
+                </a:xfrm>
+                <a:prstGeom prst="rect">
+                  <a:avLst/>
+                </a:prstGeom>
+              </p:spPr>
+            </p:pic>
+          </mc:Fallback>
+        </mc:AlternateContent>
+        <mc:AlternateContent xmlns:mc="http://schemas.openxmlformats.org/markup-compatibility/2006">
+          <mc:Choice xmlns:p14="http://schemas.microsoft.com/office/powerpoint/2010/main" xmlns:aink="http://schemas.microsoft.com/office/drawing/2016/ink" Requires="p14 aink">
+            <p:contentPart p14:bwMode="auto" r:id="rId69">
+              <p14:nvContentPartPr>
+                <p14:cNvPr id="90" name="Ink 89">
+                  <a:extLst>
+                    <a:ext uri="{FF2B5EF4-FFF2-40B4-BE49-F238E27FC236}">
+                      <a16:creationId xmlns:a16="http://schemas.microsoft.com/office/drawing/2014/main" id="{D351DC9C-58E5-9EDE-6CBB-949F85F6DC4C}"/>
+                    </a:ext>
+                  </a:extLst>
+                </p14:cNvPr>
+                <p14:cNvContentPartPr/>
+                <p14:nvPr/>
+              </p14:nvContentPartPr>
+              <p14:xfrm>
+                <a:off x="3845320" y="1950400"/>
+                <a:ext cx="447840" cy="361440"/>
+              </p14:xfrm>
+            </p:contentPart>
+          </mc:Choice>
+          <mc:Fallback>
+            <p:pic>
+              <p:nvPicPr>
+                <p:cNvPr id="90" name="Ink 89">
+                  <a:extLst>
+                    <a:ext uri="{FF2B5EF4-FFF2-40B4-BE49-F238E27FC236}">
+                      <a16:creationId xmlns:a16="http://schemas.microsoft.com/office/drawing/2014/main" id="{D351DC9C-58E5-9EDE-6CBB-949F85F6DC4C}"/>
+                    </a:ext>
+                  </a:extLst>
+                </p:cNvPr>
+                <p:cNvPicPr/>
+                <p:nvPr/>
+              </p:nvPicPr>
+              <p:blipFill>
+                <a:blip r:embed="rId70"/>
+                <a:stretch>
+                  <a:fillRect/>
+                </a:stretch>
+              </p:blipFill>
+              <p:spPr>
+                <a:xfrm>
+                  <a:off x="3827680" y="1932760"/>
+                  <a:ext cx="483480" cy="397080"/>
+                </a:xfrm>
+                <a:prstGeom prst="rect">
+                  <a:avLst/>
+                </a:prstGeom>
+              </p:spPr>
+            </p:pic>
+          </mc:Fallback>
+        </mc:AlternateContent>
+        <mc:AlternateContent xmlns:mc="http://schemas.openxmlformats.org/markup-compatibility/2006">
+          <mc:Choice xmlns:p14="http://schemas.microsoft.com/office/powerpoint/2010/main" xmlns:aink="http://schemas.microsoft.com/office/drawing/2016/ink" Requires="p14 aink">
+            <p:contentPart p14:bwMode="auto" r:id="rId71">
+              <p14:nvContentPartPr>
+                <p14:cNvPr id="91" name="Ink 90">
+                  <a:extLst>
+                    <a:ext uri="{FF2B5EF4-FFF2-40B4-BE49-F238E27FC236}">
+                      <a16:creationId xmlns:a16="http://schemas.microsoft.com/office/drawing/2014/main" id="{6EAD73CF-66C5-7E51-4E9C-666E98C56F6F}"/>
+                    </a:ext>
+                  </a:extLst>
+                </p14:cNvPr>
+                <p14:cNvContentPartPr/>
+                <p14:nvPr/>
+              </p14:nvContentPartPr>
+              <p14:xfrm>
+                <a:off x="4357600" y="1955800"/>
+                <a:ext cx="346680" cy="401400"/>
+              </p14:xfrm>
+            </p:contentPart>
+          </mc:Choice>
+          <mc:Fallback>
+            <p:pic>
+              <p:nvPicPr>
+                <p:cNvPr id="91" name="Ink 90">
+                  <a:extLst>
+                    <a:ext uri="{FF2B5EF4-FFF2-40B4-BE49-F238E27FC236}">
+                      <a16:creationId xmlns:a16="http://schemas.microsoft.com/office/drawing/2014/main" id="{6EAD73CF-66C5-7E51-4E9C-666E98C56F6F}"/>
+                    </a:ext>
+                  </a:extLst>
+                </p:cNvPr>
+                <p:cNvPicPr/>
+                <p:nvPr/>
+              </p:nvPicPr>
+              <p:blipFill>
+                <a:blip r:embed="rId72"/>
+                <a:stretch>
+                  <a:fillRect/>
+                </a:stretch>
+              </p:blipFill>
+              <p:spPr>
+                <a:xfrm>
+                  <a:off x="4339600" y="1938160"/>
+                  <a:ext cx="382320" cy="437040"/>
+                </a:xfrm>
+                <a:prstGeom prst="rect">
+                  <a:avLst/>
+                </a:prstGeom>
+              </p:spPr>
+            </p:pic>
+          </mc:Fallback>
+        </mc:AlternateContent>
+        <mc:AlternateContent xmlns:mc="http://schemas.openxmlformats.org/markup-compatibility/2006">
+          <mc:Choice xmlns:p14="http://schemas.microsoft.com/office/powerpoint/2010/main" xmlns:aink="http://schemas.microsoft.com/office/drawing/2016/ink" Requires="p14 aink">
+            <p:contentPart p14:bwMode="auto" r:id="rId73">
+              <p14:nvContentPartPr>
+                <p14:cNvPr id="92" name="Ink 91">
+                  <a:extLst>
+                    <a:ext uri="{FF2B5EF4-FFF2-40B4-BE49-F238E27FC236}">
+                      <a16:creationId xmlns:a16="http://schemas.microsoft.com/office/drawing/2014/main" id="{0069C167-94AC-0BA3-2211-222B2AADDE4B}"/>
+                    </a:ext>
+                  </a:extLst>
+                </p14:cNvPr>
+                <p14:cNvContentPartPr/>
+                <p14:nvPr/>
+              </p14:nvContentPartPr>
+              <p14:xfrm>
+                <a:off x="4871680" y="1960480"/>
+                <a:ext cx="56160" cy="388800"/>
+              </p14:xfrm>
+            </p:contentPart>
+          </mc:Choice>
+          <mc:Fallback>
+            <p:pic>
+              <p:nvPicPr>
+                <p:cNvPr id="92" name="Ink 91">
+                  <a:extLst>
+                    <a:ext uri="{FF2B5EF4-FFF2-40B4-BE49-F238E27FC236}">
+                      <a16:creationId xmlns:a16="http://schemas.microsoft.com/office/drawing/2014/main" id="{0069C167-94AC-0BA3-2211-222B2AADDE4B}"/>
+                    </a:ext>
+                  </a:extLst>
+                </p:cNvPr>
+                <p:cNvPicPr/>
+                <p:nvPr/>
+              </p:nvPicPr>
+              <p:blipFill>
+                <a:blip r:embed="rId74"/>
+                <a:stretch>
+                  <a:fillRect/>
+                </a:stretch>
+              </p:blipFill>
+              <p:spPr>
+                <a:xfrm>
+                  <a:off x="4854040" y="1942840"/>
+                  <a:ext cx="91800" cy="424440"/>
+                </a:xfrm>
+                <a:prstGeom prst="rect">
+                  <a:avLst/>
+                </a:prstGeom>
+              </p:spPr>
+            </p:pic>
+          </mc:Fallback>
+        </mc:AlternateContent>
+        <mc:AlternateContent xmlns:mc="http://schemas.openxmlformats.org/markup-compatibility/2006">
+          <mc:Choice xmlns:p14="http://schemas.microsoft.com/office/powerpoint/2010/main" xmlns:aink="http://schemas.microsoft.com/office/drawing/2016/ink" Requires="p14 aink">
+            <p:contentPart p14:bwMode="auto" r:id="rId75">
+              <p14:nvContentPartPr>
+                <p14:cNvPr id="94" name="Ink 93">
+                  <a:extLst>
+                    <a:ext uri="{FF2B5EF4-FFF2-40B4-BE49-F238E27FC236}">
+                      <a16:creationId xmlns:a16="http://schemas.microsoft.com/office/drawing/2014/main" id="{8C3AE9FB-5B26-5B6F-6A91-29DFD86FBF16}"/>
+                    </a:ext>
+                  </a:extLst>
+                </p14:cNvPr>
+                <p14:cNvContentPartPr/>
+                <p14:nvPr/>
+              </p14:nvContentPartPr>
+              <p14:xfrm>
+                <a:off x="4871680" y="1965880"/>
+                <a:ext cx="275040" cy="41040"/>
+              </p14:xfrm>
+            </p:contentPart>
+          </mc:Choice>
+          <mc:Fallback>
+            <p:pic>
+              <p:nvPicPr>
+                <p:cNvPr id="94" name="Ink 93">
+                  <a:extLst>
+                    <a:ext uri="{FF2B5EF4-FFF2-40B4-BE49-F238E27FC236}">
+                      <a16:creationId xmlns:a16="http://schemas.microsoft.com/office/drawing/2014/main" id="{8C3AE9FB-5B26-5B6F-6A91-29DFD86FBF16}"/>
+                    </a:ext>
+                  </a:extLst>
+                </p:cNvPr>
+                <p:cNvPicPr/>
+                <p:nvPr/>
+              </p:nvPicPr>
+              <p:blipFill>
+                <a:blip r:embed="rId76"/>
+                <a:stretch>
+                  <a:fillRect/>
+                </a:stretch>
+              </p:blipFill>
+              <p:spPr>
+                <a:xfrm>
+                  <a:off x="4854040" y="1948240"/>
+                  <a:ext cx="310680" cy="76680"/>
+                </a:xfrm>
+                <a:prstGeom prst="rect">
+                  <a:avLst/>
+                </a:prstGeom>
+              </p:spPr>
+            </p:pic>
+          </mc:Fallback>
+        </mc:AlternateContent>
+        <mc:AlternateContent xmlns:mc="http://schemas.openxmlformats.org/markup-compatibility/2006">
+          <mc:Choice xmlns:p14="http://schemas.microsoft.com/office/powerpoint/2010/main" xmlns:aink="http://schemas.microsoft.com/office/drawing/2016/ink" Requires="p14 aink">
+            <p:contentPart p14:bwMode="auto" r:id="rId77">
+              <p14:nvContentPartPr>
+                <p14:cNvPr id="95" name="Ink 94">
+                  <a:extLst>
+                    <a:ext uri="{FF2B5EF4-FFF2-40B4-BE49-F238E27FC236}">
+                      <a16:creationId xmlns:a16="http://schemas.microsoft.com/office/drawing/2014/main" id="{72C038F9-5C0F-1F24-6A43-4CF67D9C1A88}"/>
+                    </a:ext>
+                  </a:extLst>
+                </p14:cNvPr>
+                <p14:cNvContentPartPr/>
+                <p14:nvPr/>
+              </p14:nvContentPartPr>
+              <p14:xfrm>
+                <a:off x="4891840" y="2123200"/>
+                <a:ext cx="242280" cy="110520"/>
+              </p14:xfrm>
+            </p:contentPart>
+          </mc:Choice>
+          <mc:Fallback>
+            <p:pic>
+              <p:nvPicPr>
+                <p:cNvPr id="95" name="Ink 94">
+                  <a:extLst>
+                    <a:ext uri="{FF2B5EF4-FFF2-40B4-BE49-F238E27FC236}">
+                      <a16:creationId xmlns:a16="http://schemas.microsoft.com/office/drawing/2014/main" id="{72C038F9-5C0F-1F24-6A43-4CF67D9C1A88}"/>
+                    </a:ext>
+                  </a:extLst>
+                </p:cNvPr>
+                <p:cNvPicPr/>
+                <p:nvPr/>
+              </p:nvPicPr>
+              <p:blipFill>
+                <a:blip r:embed="rId78"/>
+                <a:stretch>
+                  <a:fillRect/>
+                </a:stretch>
+              </p:blipFill>
+              <p:spPr>
+                <a:xfrm>
+                  <a:off x="4874200" y="2105560"/>
+                  <a:ext cx="277920" cy="146160"/>
+                </a:xfrm>
+                <a:prstGeom prst="rect">
+                  <a:avLst/>
+                </a:prstGeom>
+              </p:spPr>
+            </p:pic>
+          </mc:Fallback>
+        </mc:AlternateContent>
+        <mc:AlternateContent xmlns:mc="http://schemas.openxmlformats.org/markup-compatibility/2006">
+          <mc:Choice xmlns:p14="http://schemas.microsoft.com/office/powerpoint/2010/main" xmlns:aink="http://schemas.microsoft.com/office/drawing/2016/ink" Requires="p14 aink">
+            <p:contentPart p14:bwMode="auto" r:id="rId79">
+              <p14:nvContentPartPr>
+                <p14:cNvPr id="97" name="Ink 96">
+                  <a:extLst>
+                    <a:ext uri="{FF2B5EF4-FFF2-40B4-BE49-F238E27FC236}">
+                      <a16:creationId xmlns:a16="http://schemas.microsoft.com/office/drawing/2014/main" id="{A8F3CD3F-3D54-CDC8-34F4-9BE5579277C2}"/>
+                    </a:ext>
+                  </a:extLst>
+                </p14:cNvPr>
+                <p14:cNvContentPartPr/>
+                <p14:nvPr/>
+              </p14:nvContentPartPr>
+              <p14:xfrm>
+                <a:off x="4912000" y="2347120"/>
+                <a:ext cx="246960" cy="62280"/>
+              </p14:xfrm>
+            </p:contentPart>
+          </mc:Choice>
+          <mc:Fallback>
+            <p:pic>
+              <p:nvPicPr>
+                <p:cNvPr id="97" name="Ink 96">
+                  <a:extLst>
+                    <a:ext uri="{FF2B5EF4-FFF2-40B4-BE49-F238E27FC236}">
+                      <a16:creationId xmlns:a16="http://schemas.microsoft.com/office/drawing/2014/main" id="{A8F3CD3F-3D54-CDC8-34F4-9BE5579277C2}"/>
+                    </a:ext>
+                  </a:extLst>
+                </p:cNvPr>
+                <p:cNvPicPr/>
+                <p:nvPr/>
+              </p:nvPicPr>
+              <p:blipFill>
+                <a:blip r:embed="rId80"/>
+                <a:stretch>
+                  <a:fillRect/>
+                </a:stretch>
+              </p:blipFill>
+              <p:spPr>
+                <a:xfrm>
+                  <a:off x="4894360" y="2329120"/>
+                  <a:ext cx="282600" cy="97920"/>
+                </a:xfrm>
+                <a:prstGeom prst="rect">
+                  <a:avLst/>
+                </a:prstGeom>
+              </p:spPr>
+            </p:pic>
+          </mc:Fallback>
+        </mc:AlternateContent>
+        <mc:AlternateContent xmlns:mc="http://schemas.openxmlformats.org/markup-compatibility/2006">
+          <mc:Choice xmlns:p14="http://schemas.microsoft.com/office/powerpoint/2010/main" xmlns:aink="http://schemas.microsoft.com/office/drawing/2016/ink" Requires="p14 aink">
+            <p:contentPart p14:bwMode="auto" r:id="rId81">
+              <p14:nvContentPartPr>
+                <p14:cNvPr id="98" name="Ink 97">
+                  <a:extLst>
+                    <a:ext uri="{FF2B5EF4-FFF2-40B4-BE49-F238E27FC236}">
+                      <a16:creationId xmlns:a16="http://schemas.microsoft.com/office/drawing/2014/main" id="{A2539BB7-BA28-803A-9DA6-2F33B1C3B07E}"/>
+                    </a:ext>
+                  </a:extLst>
+                </p14:cNvPr>
+                <p14:cNvContentPartPr/>
+                <p14:nvPr/>
+              </p14:nvContentPartPr>
+              <p14:xfrm>
+                <a:off x="5293240" y="2031760"/>
+                <a:ext cx="87120" cy="407160"/>
+              </p14:xfrm>
+            </p:contentPart>
+          </mc:Choice>
+          <mc:Fallback>
+            <p:pic>
+              <p:nvPicPr>
+                <p:cNvPr id="98" name="Ink 97">
+                  <a:extLst>
+                    <a:ext uri="{FF2B5EF4-FFF2-40B4-BE49-F238E27FC236}">
+                      <a16:creationId xmlns:a16="http://schemas.microsoft.com/office/drawing/2014/main" id="{A2539BB7-BA28-803A-9DA6-2F33B1C3B07E}"/>
+                    </a:ext>
+                  </a:extLst>
+                </p:cNvPr>
+                <p:cNvPicPr/>
+                <p:nvPr/>
+              </p:nvPicPr>
+              <p:blipFill>
+                <a:blip r:embed="rId82"/>
+                <a:stretch>
+                  <a:fillRect/>
+                </a:stretch>
+              </p:blipFill>
+              <p:spPr>
+                <a:xfrm>
+                  <a:off x="5275240" y="2013760"/>
+                  <a:ext cx="122760" cy="442800"/>
+                </a:xfrm>
+                <a:prstGeom prst="rect">
+                  <a:avLst/>
+                </a:prstGeom>
+              </p:spPr>
+            </p:pic>
+          </mc:Fallback>
+        </mc:AlternateContent>
+        <mc:AlternateContent xmlns:mc="http://schemas.openxmlformats.org/markup-compatibility/2006">
+          <mc:Choice xmlns:p14="http://schemas.microsoft.com/office/powerpoint/2010/main" xmlns:aink="http://schemas.microsoft.com/office/drawing/2016/ink" Requires="p14 aink">
+            <p:contentPart p14:bwMode="auto" r:id="rId83">
+              <p14:nvContentPartPr>
+                <p14:cNvPr id="100" name="Ink 99">
+                  <a:extLst>
+                    <a:ext uri="{FF2B5EF4-FFF2-40B4-BE49-F238E27FC236}">
+                      <a16:creationId xmlns:a16="http://schemas.microsoft.com/office/drawing/2014/main" id="{43A1D96A-4B19-C089-077E-E0B05AEDBB30}"/>
+                    </a:ext>
+                  </a:extLst>
+                </p14:cNvPr>
+                <p14:cNvContentPartPr/>
+                <p14:nvPr/>
+              </p14:nvContentPartPr>
+              <p14:xfrm>
+                <a:off x="5313400" y="1979560"/>
+                <a:ext cx="273960" cy="448920"/>
+              </p14:xfrm>
+            </p:contentPart>
+          </mc:Choice>
+          <mc:Fallback>
+            <p:pic>
+              <p:nvPicPr>
+                <p:cNvPr id="100" name="Ink 99">
+                  <a:extLst>
+                    <a:ext uri="{FF2B5EF4-FFF2-40B4-BE49-F238E27FC236}">
+                      <a16:creationId xmlns:a16="http://schemas.microsoft.com/office/drawing/2014/main" id="{43A1D96A-4B19-C089-077E-E0B05AEDBB30}"/>
+                    </a:ext>
+                  </a:extLst>
+                </p:cNvPr>
+                <p:cNvPicPr/>
+                <p:nvPr/>
+              </p:nvPicPr>
+              <p:blipFill>
+                <a:blip r:embed="rId84"/>
+                <a:stretch>
+                  <a:fillRect/>
+                </a:stretch>
+              </p:blipFill>
+              <p:spPr>
+                <a:xfrm>
+                  <a:off x="5295400" y="1961920"/>
+                  <a:ext cx="309600" cy="484560"/>
+                </a:xfrm>
+                <a:prstGeom prst="rect">
+                  <a:avLst/>
+                </a:prstGeom>
+              </p:spPr>
+            </p:pic>
+          </mc:Fallback>
+        </mc:AlternateContent>
+      </p:grpSp>
+      <mc:AlternateContent xmlns:mc="http://schemas.openxmlformats.org/markup-compatibility/2006">
+        <mc:Choice xmlns:p14="http://schemas.microsoft.com/office/powerpoint/2010/main" xmlns:aink="http://schemas.microsoft.com/office/drawing/2016/ink" Requires="p14 aink">
+          <p:contentPart p14:bwMode="auto" r:id="rId85">
+            <p14:nvContentPartPr>
+              <p14:cNvPr id="102" name="Ink 101">
+                <a:extLst>
+                  <a:ext uri="{FF2B5EF4-FFF2-40B4-BE49-F238E27FC236}">
+                    <a16:creationId xmlns:a16="http://schemas.microsoft.com/office/drawing/2014/main" id="{D305BB1C-E779-E455-95A0-5194F4F713AC}"/>
+                  </a:ext>
+                </a:extLst>
+              </p14:cNvPr>
+              <p14:cNvContentPartPr/>
+              <p14:nvPr/>
+            </p14:nvContentPartPr>
+            <p14:xfrm>
+              <a:off x="7030240" y="6202360"/>
+              <a:ext cx="360" cy="360"/>
+            </p14:xfrm>
+          </p:contentPart>
+        </mc:Choice>
+        <mc:Fallback>
+          <p:pic>
+            <p:nvPicPr>
+              <p:cNvPr id="102" name="Ink 101">
+                <a:extLst>
+                  <a:ext uri="{FF2B5EF4-FFF2-40B4-BE49-F238E27FC236}">
+                    <a16:creationId xmlns:a16="http://schemas.microsoft.com/office/drawing/2014/main" id="{D305BB1C-E779-E455-95A0-5194F4F713AC}"/>
+                  </a:ext>
+                </a:extLst>
+              </p:cNvPr>
+              <p:cNvPicPr/>
+              <p:nvPr/>
+            </p:nvPicPr>
+            <p:blipFill>
+              <a:blip r:embed="rId86"/>
+              <a:stretch>
+                <a:fillRect/>
+              </a:stretch>
+            </p:blipFill>
+            <p:spPr>
+              <a:xfrm>
+                <a:off x="7012600" y="6184720"/>
+                <a:ext cx="36000" cy="36000"/>
+              </a:xfrm>
+              <a:prstGeom prst="rect">
+                <a:avLst/>
+              </a:prstGeom>
+            </p:spPr>
+          </p:pic>
+        </mc:Fallback>
+      </mc:AlternateContent>
+    </p:spTree>
+    <p:extLst>
+      <p:ext uri="{BB962C8B-B14F-4D97-AF65-F5344CB8AC3E}">
+        <p14:creationId xmlns:p14="http://schemas.microsoft.com/office/powerpoint/2010/main" val="1923233437"/>
+      </p:ext>
+    </p:extLst>
+  </p:cSld>
+  <p:clrMapOvr>
+    <a:masterClrMapping/>
+  </p:clrMapOvr>
+</p:sld>
+</file>
+
 <file path=ppt/slides/slide2.xml><?xml version="1.0" encoding="utf-8"?>
 <p:sld xmlns:a="http://schemas.openxmlformats.org/drawingml/2006/main" xmlns:r="http://schemas.openxmlformats.org/officeDocument/2006/relationships" xmlns:p="http://schemas.openxmlformats.org/presentationml/2006/main">
   <p:cSld>
